--- a/Poster/CSC_8639_HY_Poster_draft.pptx
+++ b/Poster/CSC_8639_HY_Poster_draft.pptx
@@ -2,7 +2,7 @@
 <file path=ppt/presentation.xml><?xml version="1.0" encoding="utf-8"?>
 <p:presentation xmlns:a="http://schemas.openxmlformats.org/drawingml/2006/main" xmlns:r="http://schemas.openxmlformats.org/officeDocument/2006/relationships" xmlns:p="http://schemas.openxmlformats.org/presentationml/2006/main" saveSubsetFonts="1">
   <p:sldMasterIdLst>
-    <p:sldMasterId id="2147483648" r:id="rId1"/>
+    <p:sldMasterId id="2147483660" r:id="rId1"/>
   </p:sldMasterIdLst>
   <p:sldIdLst>
     <p:sldId id="256" r:id="rId2"/>
@@ -13,7 +13,7 @@
     <a:defPPr>
       <a:defRPr lang="en-US"/>
     </a:defPPr>
-    <a:lvl1pPr marL="0" algn="l" defTabSz="914400" rtl="0" eaLnBrk="1" latinLnBrk="0" hangingPunct="1">
+    <a:lvl1pPr marL="0" algn="l" defTabSz="457200" rtl="0" eaLnBrk="1" latinLnBrk="0" hangingPunct="1">
       <a:defRPr sz="1800" kern="1200">
         <a:solidFill>
           <a:schemeClr val="tx1"/>
@@ -23,7 +23,7 @@
         <a:cs typeface="+mn-cs"/>
       </a:defRPr>
     </a:lvl1pPr>
-    <a:lvl2pPr marL="457200" algn="l" defTabSz="914400" rtl="0" eaLnBrk="1" latinLnBrk="0" hangingPunct="1">
+    <a:lvl2pPr marL="457200" algn="l" defTabSz="457200" rtl="0" eaLnBrk="1" latinLnBrk="0" hangingPunct="1">
       <a:defRPr sz="1800" kern="1200">
         <a:solidFill>
           <a:schemeClr val="tx1"/>
@@ -33,7 +33,7 @@
         <a:cs typeface="+mn-cs"/>
       </a:defRPr>
     </a:lvl2pPr>
-    <a:lvl3pPr marL="914400" algn="l" defTabSz="914400" rtl="0" eaLnBrk="1" latinLnBrk="0" hangingPunct="1">
+    <a:lvl3pPr marL="914400" algn="l" defTabSz="457200" rtl="0" eaLnBrk="1" latinLnBrk="0" hangingPunct="1">
       <a:defRPr sz="1800" kern="1200">
         <a:solidFill>
           <a:schemeClr val="tx1"/>
@@ -43,7 +43,7 @@
         <a:cs typeface="+mn-cs"/>
       </a:defRPr>
     </a:lvl3pPr>
-    <a:lvl4pPr marL="1371600" algn="l" defTabSz="914400" rtl="0" eaLnBrk="1" latinLnBrk="0" hangingPunct="1">
+    <a:lvl4pPr marL="1371600" algn="l" defTabSz="457200" rtl="0" eaLnBrk="1" latinLnBrk="0" hangingPunct="1">
       <a:defRPr sz="1800" kern="1200">
         <a:solidFill>
           <a:schemeClr val="tx1"/>
@@ -53,7 +53,7 @@
         <a:cs typeface="+mn-cs"/>
       </a:defRPr>
     </a:lvl4pPr>
-    <a:lvl5pPr marL="1828800" algn="l" defTabSz="914400" rtl="0" eaLnBrk="1" latinLnBrk="0" hangingPunct="1">
+    <a:lvl5pPr marL="1828800" algn="l" defTabSz="457200" rtl="0" eaLnBrk="1" latinLnBrk="0" hangingPunct="1">
       <a:defRPr sz="1800" kern="1200">
         <a:solidFill>
           <a:schemeClr val="tx1"/>
@@ -63,7 +63,7 @@
         <a:cs typeface="+mn-cs"/>
       </a:defRPr>
     </a:lvl5pPr>
-    <a:lvl6pPr marL="2286000" algn="l" defTabSz="914400" rtl="0" eaLnBrk="1" latinLnBrk="0" hangingPunct="1">
+    <a:lvl6pPr marL="2286000" algn="l" defTabSz="457200" rtl="0" eaLnBrk="1" latinLnBrk="0" hangingPunct="1">
       <a:defRPr sz="1800" kern="1200">
         <a:solidFill>
           <a:schemeClr val="tx1"/>
@@ -73,7 +73,7 @@
         <a:cs typeface="+mn-cs"/>
       </a:defRPr>
     </a:lvl6pPr>
-    <a:lvl7pPr marL="2743200" algn="l" defTabSz="914400" rtl="0" eaLnBrk="1" latinLnBrk="0" hangingPunct="1">
+    <a:lvl7pPr marL="2743200" algn="l" defTabSz="457200" rtl="0" eaLnBrk="1" latinLnBrk="0" hangingPunct="1">
       <a:defRPr sz="1800" kern="1200">
         <a:solidFill>
           <a:schemeClr val="tx1"/>
@@ -83,7 +83,7 @@
         <a:cs typeface="+mn-cs"/>
       </a:defRPr>
     </a:lvl7pPr>
-    <a:lvl8pPr marL="3200400" algn="l" defTabSz="914400" rtl="0" eaLnBrk="1" latinLnBrk="0" hangingPunct="1">
+    <a:lvl8pPr marL="3200400" algn="l" defTabSz="457200" rtl="0" eaLnBrk="1" latinLnBrk="0" hangingPunct="1">
       <a:defRPr sz="1800" kern="1200">
         <a:solidFill>
           <a:schemeClr val="tx1"/>
@@ -93,7 +93,7 @@
         <a:cs typeface="+mn-cs"/>
       </a:defRPr>
     </a:lvl8pPr>
-    <a:lvl9pPr marL="3657600" algn="l" defTabSz="914400" rtl="0" eaLnBrk="1" latinLnBrk="0" hangingPunct="1">
+    <a:lvl9pPr marL="3657600" algn="l" defTabSz="457200" rtl="0" eaLnBrk="1" latinLnBrk="0" hangingPunct="1">
       <a:defRPr sz="1800" kern="1200">
         <a:solidFill>
           <a:schemeClr val="tx1"/>
@@ -104,6 +104,11 @@
       </a:defRPr>
     </a:lvl9pPr>
   </p:defaultTextStyle>
+  <p:extLst>
+    <p:ext uri="{EFAFB233-063F-42B5-8137-9DF3F51BA10A}">
+      <p15:sldGuideLst xmlns:p15="http://schemas.microsoft.com/office/powerpoint/2012/main"/>
+    </p:ext>
+  </p:extLst>
 </p:presentation>
 </file>
 
@@ -126,13 +131,7 @@
       </p:grpSpPr>
       <p:sp>
         <p:nvSpPr>
-          <p:cNvPr id="2" name="Title 1">
-            <a:extLst>
-              <a:ext uri="{FF2B5EF4-FFF2-40B4-BE49-F238E27FC236}">
-                <a16:creationId xmlns:a16="http://schemas.microsoft.com/office/drawing/2014/main" id="{16CE4949-C697-2E08-3796-1534BD52003A}"/>
-              </a:ext>
-            </a:extLst>
-          </p:cNvPr>
+          <p:cNvPr id="2" name="Title 1"/>
           <p:cNvSpPr>
             <a:spLocks noGrp="1"/>
           </p:cNvSpPr>
@@ -158,19 +157,13 @@
               <a:rPr lang="en-US"/>
               <a:t>Click to edit Master title style</a:t>
             </a:r>
-            <a:endParaRPr lang="en-GB"/>
-          </a:p>
-        </p:txBody>
-      </p:sp>
-      <p:sp>
-        <p:nvSpPr>
-          <p:cNvPr id="3" name="Subtitle 2">
-            <a:extLst>
-              <a:ext uri="{FF2B5EF4-FFF2-40B4-BE49-F238E27FC236}">
-                <a16:creationId xmlns:a16="http://schemas.microsoft.com/office/drawing/2014/main" id="{C1FE0403-31E4-CB05-14B0-D20FAF50C565}"/>
-              </a:ext>
-            </a:extLst>
-          </p:cNvPr>
+            <a:endParaRPr lang="en-US" dirty="0"/>
+          </a:p>
+        </p:txBody>
+      </p:sp>
+      <p:sp>
+        <p:nvSpPr>
+          <p:cNvPr id="3" name="Subtitle 2"/>
           <p:cNvSpPr>
             <a:spLocks noGrp="1"/>
           </p:cNvSpPr>
@@ -229,19 +222,13 @@
               <a:rPr lang="en-US"/>
               <a:t>Click to edit Master subtitle style</a:t>
             </a:r>
-            <a:endParaRPr lang="en-GB"/>
-          </a:p>
-        </p:txBody>
-      </p:sp>
-      <p:sp>
-        <p:nvSpPr>
-          <p:cNvPr id="4" name="Date Placeholder 3">
-            <a:extLst>
-              <a:ext uri="{FF2B5EF4-FFF2-40B4-BE49-F238E27FC236}">
-                <a16:creationId xmlns:a16="http://schemas.microsoft.com/office/drawing/2014/main" id="{A9AAA500-F320-BA3D-DE4F-1547348389F1}"/>
-              </a:ext>
-            </a:extLst>
-          </p:cNvPr>
+            <a:endParaRPr lang="en-US" dirty="0"/>
+          </a:p>
+        </p:txBody>
+      </p:sp>
+      <p:sp>
+        <p:nvSpPr>
+          <p:cNvPr id="4" name="Date Placeholder 3"/>
           <p:cNvSpPr>
             <a:spLocks noGrp="1"/>
           </p:cNvSpPr>
@@ -256,7 +243,7 @@
           <a:p>
             <a:fld id="{E0B1015B-6EC1-4E28-89E8-DADC95F7D7CD}" type="datetimeFigureOut">
               <a:rPr lang="en-GB" smtClean="0"/>
-              <a:t>01/08/2023</a:t>
+              <a:t>04/08/2023</a:t>
             </a:fld>
             <a:endParaRPr lang="en-GB"/>
           </a:p>
@@ -264,13 +251,7 @@
       </p:sp>
       <p:sp>
         <p:nvSpPr>
-          <p:cNvPr id="5" name="Footer Placeholder 4">
-            <a:extLst>
-              <a:ext uri="{FF2B5EF4-FFF2-40B4-BE49-F238E27FC236}">
-                <a16:creationId xmlns:a16="http://schemas.microsoft.com/office/drawing/2014/main" id="{693A4010-74BB-F427-9A18-026327ECAEF1}"/>
-              </a:ext>
-            </a:extLst>
-          </p:cNvPr>
+          <p:cNvPr id="5" name="Footer Placeholder 4"/>
           <p:cNvSpPr>
             <a:spLocks noGrp="1"/>
           </p:cNvSpPr>
@@ -289,13 +270,7 @@
       </p:sp>
       <p:sp>
         <p:nvSpPr>
-          <p:cNvPr id="6" name="Slide Number Placeholder 5">
-            <a:extLst>
-              <a:ext uri="{FF2B5EF4-FFF2-40B4-BE49-F238E27FC236}">
-                <a16:creationId xmlns:a16="http://schemas.microsoft.com/office/drawing/2014/main" id="{16E5EB4B-2F2D-6E9C-F3E9-F028B0164754}"/>
-              </a:ext>
-            </a:extLst>
-          </p:cNvPr>
+          <p:cNvPr id="6" name="Slide Number Placeholder 5"/>
           <p:cNvSpPr>
             <a:spLocks noGrp="1"/>
           </p:cNvSpPr>
@@ -319,7 +294,7 @@
     </p:spTree>
     <p:extLst>
       <p:ext uri="{BB962C8B-B14F-4D97-AF65-F5344CB8AC3E}">
-        <p14:creationId xmlns:p14="http://schemas.microsoft.com/office/powerpoint/2010/main" val="3581066071"/>
+        <p14:creationId xmlns:p14="http://schemas.microsoft.com/office/powerpoint/2010/main" val="3264778555"/>
       </p:ext>
     </p:extLst>
   </p:cSld>
@@ -348,13 +323,7 @@
       </p:grpSpPr>
       <p:sp>
         <p:nvSpPr>
-          <p:cNvPr id="2" name="Title 1">
-            <a:extLst>
-              <a:ext uri="{FF2B5EF4-FFF2-40B4-BE49-F238E27FC236}">
-                <a16:creationId xmlns:a16="http://schemas.microsoft.com/office/drawing/2014/main" id="{5691E0DE-1FC9-070C-1739-F00533DDB912}"/>
-              </a:ext>
-            </a:extLst>
-          </p:cNvPr>
+          <p:cNvPr id="2" name="Title 1"/>
           <p:cNvSpPr>
             <a:spLocks noGrp="1"/>
           </p:cNvSpPr>
@@ -371,19 +340,13 @@
               <a:rPr lang="en-US"/>
               <a:t>Click to edit Master title style</a:t>
             </a:r>
-            <a:endParaRPr lang="en-GB"/>
-          </a:p>
-        </p:txBody>
-      </p:sp>
-      <p:sp>
-        <p:nvSpPr>
-          <p:cNvPr id="3" name="Vertical Text Placeholder 2">
-            <a:extLst>
-              <a:ext uri="{FF2B5EF4-FFF2-40B4-BE49-F238E27FC236}">
-                <a16:creationId xmlns:a16="http://schemas.microsoft.com/office/drawing/2014/main" id="{B67C56DB-284C-1AE2-DFD5-A7196748883D}"/>
-              </a:ext>
-            </a:extLst>
-          </p:cNvPr>
+            <a:endParaRPr lang="en-US" dirty="0"/>
+          </a:p>
+        </p:txBody>
+      </p:sp>
+      <p:sp>
+        <p:nvSpPr>
+          <p:cNvPr id="3" name="Vertical Text Placeholder 2"/>
           <p:cNvSpPr>
             <a:spLocks noGrp="1"/>
           </p:cNvSpPr>
@@ -429,19 +392,13 @@
               <a:rPr lang="en-US"/>
               <a:t>Fifth level</a:t>
             </a:r>
-            <a:endParaRPr lang="en-GB"/>
-          </a:p>
-        </p:txBody>
-      </p:sp>
-      <p:sp>
-        <p:nvSpPr>
-          <p:cNvPr id="4" name="Date Placeholder 3">
-            <a:extLst>
-              <a:ext uri="{FF2B5EF4-FFF2-40B4-BE49-F238E27FC236}">
-                <a16:creationId xmlns:a16="http://schemas.microsoft.com/office/drawing/2014/main" id="{941B6BB8-CBBF-55AE-8726-2EBDDED84ABB}"/>
-              </a:ext>
-            </a:extLst>
-          </p:cNvPr>
+            <a:endParaRPr lang="en-US" dirty="0"/>
+          </a:p>
+        </p:txBody>
+      </p:sp>
+      <p:sp>
+        <p:nvSpPr>
+          <p:cNvPr id="4" name="Date Placeholder 3"/>
           <p:cNvSpPr>
             <a:spLocks noGrp="1"/>
           </p:cNvSpPr>
@@ -456,7 +413,7 @@
           <a:p>
             <a:fld id="{E0B1015B-6EC1-4E28-89E8-DADC95F7D7CD}" type="datetimeFigureOut">
               <a:rPr lang="en-GB" smtClean="0"/>
-              <a:t>01/08/2023</a:t>
+              <a:t>04/08/2023</a:t>
             </a:fld>
             <a:endParaRPr lang="en-GB"/>
           </a:p>
@@ -464,13 +421,7 @@
       </p:sp>
       <p:sp>
         <p:nvSpPr>
-          <p:cNvPr id="5" name="Footer Placeholder 4">
-            <a:extLst>
-              <a:ext uri="{FF2B5EF4-FFF2-40B4-BE49-F238E27FC236}">
-                <a16:creationId xmlns:a16="http://schemas.microsoft.com/office/drawing/2014/main" id="{FE002CFE-A01F-D8B5-1011-2D2093194EFE}"/>
-              </a:ext>
-            </a:extLst>
-          </p:cNvPr>
+          <p:cNvPr id="5" name="Footer Placeholder 4"/>
           <p:cNvSpPr>
             <a:spLocks noGrp="1"/>
           </p:cNvSpPr>
@@ -489,13 +440,7 @@
       </p:sp>
       <p:sp>
         <p:nvSpPr>
-          <p:cNvPr id="6" name="Slide Number Placeholder 5">
-            <a:extLst>
-              <a:ext uri="{FF2B5EF4-FFF2-40B4-BE49-F238E27FC236}">
-                <a16:creationId xmlns:a16="http://schemas.microsoft.com/office/drawing/2014/main" id="{C352A22E-D50D-9192-3C2F-140DB7BF0A0A}"/>
-              </a:ext>
-            </a:extLst>
-          </p:cNvPr>
+          <p:cNvPr id="6" name="Slide Number Placeholder 5"/>
           <p:cNvSpPr>
             <a:spLocks noGrp="1"/>
           </p:cNvSpPr>
@@ -519,7 +464,7 @@
     </p:spTree>
     <p:extLst>
       <p:ext uri="{BB962C8B-B14F-4D97-AF65-F5344CB8AC3E}">
-        <p14:creationId xmlns:p14="http://schemas.microsoft.com/office/powerpoint/2010/main" val="2435434467"/>
+        <p14:creationId xmlns:p14="http://schemas.microsoft.com/office/powerpoint/2010/main" val="231888444"/>
       </p:ext>
     </p:extLst>
   </p:cSld>
@@ -548,13 +493,7 @@
       </p:grpSpPr>
       <p:sp>
         <p:nvSpPr>
-          <p:cNvPr id="2" name="Vertical Title 1">
-            <a:extLst>
-              <a:ext uri="{FF2B5EF4-FFF2-40B4-BE49-F238E27FC236}">
-                <a16:creationId xmlns:a16="http://schemas.microsoft.com/office/drawing/2014/main" id="{C2F6A48D-DD62-FF36-B27E-0902D01BF962}"/>
-              </a:ext>
-            </a:extLst>
-          </p:cNvPr>
+          <p:cNvPr id="2" name="Vertical Title 1"/>
           <p:cNvSpPr>
             <a:spLocks noGrp="1"/>
           </p:cNvSpPr>
@@ -576,19 +515,13 @@
               <a:rPr lang="en-US"/>
               <a:t>Click to edit Master title style</a:t>
             </a:r>
-            <a:endParaRPr lang="en-GB"/>
-          </a:p>
-        </p:txBody>
-      </p:sp>
-      <p:sp>
-        <p:nvSpPr>
-          <p:cNvPr id="3" name="Vertical Text Placeholder 2">
-            <a:extLst>
-              <a:ext uri="{FF2B5EF4-FFF2-40B4-BE49-F238E27FC236}">
-                <a16:creationId xmlns:a16="http://schemas.microsoft.com/office/drawing/2014/main" id="{9F90CE1E-9656-6D94-FDB7-A9A64A833782}"/>
-              </a:ext>
-            </a:extLst>
-          </p:cNvPr>
+            <a:endParaRPr lang="en-US" dirty="0"/>
+          </a:p>
+        </p:txBody>
+      </p:sp>
+      <p:sp>
+        <p:nvSpPr>
+          <p:cNvPr id="3" name="Vertical Text Placeholder 2"/>
           <p:cNvSpPr>
             <a:spLocks noGrp="1"/>
           </p:cNvSpPr>
@@ -639,19 +572,13 @@
               <a:rPr lang="en-US"/>
               <a:t>Fifth level</a:t>
             </a:r>
-            <a:endParaRPr lang="en-GB"/>
-          </a:p>
-        </p:txBody>
-      </p:sp>
-      <p:sp>
-        <p:nvSpPr>
-          <p:cNvPr id="4" name="Date Placeholder 3">
-            <a:extLst>
-              <a:ext uri="{FF2B5EF4-FFF2-40B4-BE49-F238E27FC236}">
-                <a16:creationId xmlns:a16="http://schemas.microsoft.com/office/drawing/2014/main" id="{7D86CC6C-6D9A-0E9B-0C19-11FF1C2D3F94}"/>
-              </a:ext>
-            </a:extLst>
-          </p:cNvPr>
+            <a:endParaRPr lang="en-US" dirty="0"/>
+          </a:p>
+        </p:txBody>
+      </p:sp>
+      <p:sp>
+        <p:nvSpPr>
+          <p:cNvPr id="4" name="Date Placeholder 3"/>
           <p:cNvSpPr>
             <a:spLocks noGrp="1"/>
           </p:cNvSpPr>
@@ -666,7 +593,7 @@
           <a:p>
             <a:fld id="{E0B1015B-6EC1-4E28-89E8-DADC95F7D7CD}" type="datetimeFigureOut">
               <a:rPr lang="en-GB" smtClean="0"/>
-              <a:t>01/08/2023</a:t>
+              <a:t>04/08/2023</a:t>
             </a:fld>
             <a:endParaRPr lang="en-GB"/>
           </a:p>
@@ -674,13 +601,7 @@
       </p:sp>
       <p:sp>
         <p:nvSpPr>
-          <p:cNvPr id="5" name="Footer Placeholder 4">
-            <a:extLst>
-              <a:ext uri="{FF2B5EF4-FFF2-40B4-BE49-F238E27FC236}">
-                <a16:creationId xmlns:a16="http://schemas.microsoft.com/office/drawing/2014/main" id="{86DBD2CF-8B7F-AFBB-EF68-E35398B14C0F}"/>
-              </a:ext>
-            </a:extLst>
-          </p:cNvPr>
+          <p:cNvPr id="5" name="Footer Placeholder 4"/>
           <p:cNvSpPr>
             <a:spLocks noGrp="1"/>
           </p:cNvSpPr>
@@ -699,13 +620,7 @@
       </p:sp>
       <p:sp>
         <p:nvSpPr>
-          <p:cNvPr id="6" name="Slide Number Placeholder 5">
-            <a:extLst>
-              <a:ext uri="{FF2B5EF4-FFF2-40B4-BE49-F238E27FC236}">
-                <a16:creationId xmlns:a16="http://schemas.microsoft.com/office/drawing/2014/main" id="{E5AD7A69-8BEF-79A0-7A09-3789D6CD48B7}"/>
-              </a:ext>
-            </a:extLst>
-          </p:cNvPr>
+          <p:cNvPr id="6" name="Slide Number Placeholder 5"/>
           <p:cNvSpPr>
             <a:spLocks noGrp="1"/>
           </p:cNvSpPr>
@@ -729,7 +644,7 @@
     </p:spTree>
     <p:extLst>
       <p:ext uri="{BB962C8B-B14F-4D97-AF65-F5344CB8AC3E}">
-        <p14:creationId xmlns:p14="http://schemas.microsoft.com/office/powerpoint/2010/main" val="3031032595"/>
+        <p14:creationId xmlns:p14="http://schemas.microsoft.com/office/powerpoint/2010/main" val="922201868"/>
       </p:ext>
     </p:extLst>
   </p:cSld>
@@ -758,13 +673,7 @@
       </p:grpSpPr>
       <p:sp>
         <p:nvSpPr>
-          <p:cNvPr id="2" name="Title 1">
-            <a:extLst>
-              <a:ext uri="{FF2B5EF4-FFF2-40B4-BE49-F238E27FC236}">
-                <a16:creationId xmlns:a16="http://schemas.microsoft.com/office/drawing/2014/main" id="{E2E4238C-701A-A332-9EE3-E42C858D9E53}"/>
-              </a:ext>
-            </a:extLst>
-          </p:cNvPr>
+          <p:cNvPr id="2" name="Title 1"/>
           <p:cNvSpPr>
             <a:spLocks noGrp="1"/>
           </p:cNvSpPr>
@@ -781,19 +690,13 @@
               <a:rPr lang="en-US"/>
               <a:t>Click to edit Master title style</a:t>
             </a:r>
-            <a:endParaRPr lang="en-GB"/>
-          </a:p>
-        </p:txBody>
-      </p:sp>
-      <p:sp>
-        <p:nvSpPr>
-          <p:cNvPr id="3" name="Content Placeholder 2">
-            <a:extLst>
-              <a:ext uri="{FF2B5EF4-FFF2-40B4-BE49-F238E27FC236}">
-                <a16:creationId xmlns:a16="http://schemas.microsoft.com/office/drawing/2014/main" id="{5068E3A0-7E22-201A-68B7-C99C38C1E214}"/>
-              </a:ext>
-            </a:extLst>
-          </p:cNvPr>
+            <a:endParaRPr lang="en-US" dirty="0"/>
+          </a:p>
+        </p:txBody>
+      </p:sp>
+      <p:sp>
+        <p:nvSpPr>
+          <p:cNvPr id="3" name="Content Placeholder 2"/>
           <p:cNvSpPr>
             <a:spLocks noGrp="1"/>
           </p:cNvSpPr>
@@ -839,19 +742,13 @@
               <a:rPr lang="en-US"/>
               <a:t>Fifth level</a:t>
             </a:r>
-            <a:endParaRPr lang="en-GB"/>
-          </a:p>
-        </p:txBody>
-      </p:sp>
-      <p:sp>
-        <p:nvSpPr>
-          <p:cNvPr id="4" name="Date Placeholder 3">
-            <a:extLst>
-              <a:ext uri="{FF2B5EF4-FFF2-40B4-BE49-F238E27FC236}">
-                <a16:creationId xmlns:a16="http://schemas.microsoft.com/office/drawing/2014/main" id="{BAFA2DFF-1D07-1458-0C18-D6FB61711086}"/>
-              </a:ext>
-            </a:extLst>
-          </p:cNvPr>
+            <a:endParaRPr lang="en-US" dirty="0"/>
+          </a:p>
+        </p:txBody>
+      </p:sp>
+      <p:sp>
+        <p:nvSpPr>
+          <p:cNvPr id="4" name="Date Placeholder 3"/>
           <p:cNvSpPr>
             <a:spLocks noGrp="1"/>
           </p:cNvSpPr>
@@ -866,7 +763,7 @@
           <a:p>
             <a:fld id="{E0B1015B-6EC1-4E28-89E8-DADC95F7D7CD}" type="datetimeFigureOut">
               <a:rPr lang="en-GB" smtClean="0"/>
-              <a:t>01/08/2023</a:t>
+              <a:t>04/08/2023</a:t>
             </a:fld>
             <a:endParaRPr lang="en-GB"/>
           </a:p>
@@ -874,13 +771,7 @@
       </p:sp>
       <p:sp>
         <p:nvSpPr>
-          <p:cNvPr id="5" name="Footer Placeholder 4">
-            <a:extLst>
-              <a:ext uri="{FF2B5EF4-FFF2-40B4-BE49-F238E27FC236}">
-                <a16:creationId xmlns:a16="http://schemas.microsoft.com/office/drawing/2014/main" id="{2F13779B-23DD-B6AF-2985-3CA777536E4E}"/>
-              </a:ext>
-            </a:extLst>
-          </p:cNvPr>
+          <p:cNvPr id="5" name="Footer Placeholder 4"/>
           <p:cNvSpPr>
             <a:spLocks noGrp="1"/>
           </p:cNvSpPr>
@@ -899,13 +790,7 @@
       </p:sp>
       <p:sp>
         <p:nvSpPr>
-          <p:cNvPr id="6" name="Slide Number Placeholder 5">
-            <a:extLst>
-              <a:ext uri="{FF2B5EF4-FFF2-40B4-BE49-F238E27FC236}">
-                <a16:creationId xmlns:a16="http://schemas.microsoft.com/office/drawing/2014/main" id="{47CA851F-E93B-3BA3-68B5-55E0150B9D28}"/>
-              </a:ext>
-            </a:extLst>
-          </p:cNvPr>
+          <p:cNvPr id="6" name="Slide Number Placeholder 5"/>
           <p:cNvSpPr>
             <a:spLocks noGrp="1"/>
           </p:cNvSpPr>
@@ -929,7 +814,7 @@
     </p:spTree>
     <p:extLst>
       <p:ext uri="{BB962C8B-B14F-4D97-AF65-F5344CB8AC3E}">
-        <p14:creationId xmlns:p14="http://schemas.microsoft.com/office/powerpoint/2010/main" val="3014766547"/>
+        <p14:creationId xmlns:p14="http://schemas.microsoft.com/office/powerpoint/2010/main" val="1474098272"/>
       </p:ext>
     </p:extLst>
   </p:cSld>
@@ -958,13 +843,7 @@
       </p:grpSpPr>
       <p:sp>
         <p:nvSpPr>
-          <p:cNvPr id="2" name="Title 1">
-            <a:extLst>
-              <a:ext uri="{FF2B5EF4-FFF2-40B4-BE49-F238E27FC236}">
-                <a16:creationId xmlns:a16="http://schemas.microsoft.com/office/drawing/2014/main" id="{2D92B66C-7035-1D71-CA31-A66A120F11A5}"/>
-              </a:ext>
-            </a:extLst>
-          </p:cNvPr>
+          <p:cNvPr id="2" name="Title 1"/>
           <p:cNvSpPr>
             <a:spLocks noGrp="1"/>
           </p:cNvSpPr>
@@ -990,19 +869,13 @@
               <a:rPr lang="en-US"/>
               <a:t>Click to edit Master title style</a:t>
             </a:r>
-            <a:endParaRPr lang="en-GB"/>
-          </a:p>
-        </p:txBody>
-      </p:sp>
-      <p:sp>
-        <p:nvSpPr>
-          <p:cNvPr id="3" name="Text Placeholder 2">
-            <a:extLst>
-              <a:ext uri="{FF2B5EF4-FFF2-40B4-BE49-F238E27FC236}">
-                <a16:creationId xmlns:a16="http://schemas.microsoft.com/office/drawing/2014/main" id="{B51EAEBF-F512-1724-D36F-14542656B5F7}"/>
-              </a:ext>
-            </a:extLst>
-          </p:cNvPr>
+            <a:endParaRPr lang="en-US" dirty="0"/>
+          </a:p>
+        </p:txBody>
+      </p:sp>
+      <p:sp>
+        <p:nvSpPr>
+          <p:cNvPr id="3" name="Text Placeholder 2"/>
           <p:cNvSpPr>
             <a:spLocks noGrp="1"/>
           </p:cNvSpPr>
@@ -1121,13 +994,7 @@
       </p:sp>
       <p:sp>
         <p:nvSpPr>
-          <p:cNvPr id="4" name="Date Placeholder 3">
-            <a:extLst>
-              <a:ext uri="{FF2B5EF4-FFF2-40B4-BE49-F238E27FC236}">
-                <a16:creationId xmlns:a16="http://schemas.microsoft.com/office/drawing/2014/main" id="{DB3E3381-A7D0-623A-43FF-EBC020F1B562}"/>
-              </a:ext>
-            </a:extLst>
-          </p:cNvPr>
+          <p:cNvPr id="4" name="Date Placeholder 3"/>
           <p:cNvSpPr>
             <a:spLocks noGrp="1"/>
           </p:cNvSpPr>
@@ -1142,7 +1009,7 @@
           <a:p>
             <a:fld id="{E0B1015B-6EC1-4E28-89E8-DADC95F7D7CD}" type="datetimeFigureOut">
               <a:rPr lang="en-GB" smtClean="0"/>
-              <a:t>01/08/2023</a:t>
+              <a:t>04/08/2023</a:t>
             </a:fld>
             <a:endParaRPr lang="en-GB"/>
           </a:p>
@@ -1150,13 +1017,7 @@
       </p:sp>
       <p:sp>
         <p:nvSpPr>
-          <p:cNvPr id="5" name="Footer Placeholder 4">
-            <a:extLst>
-              <a:ext uri="{FF2B5EF4-FFF2-40B4-BE49-F238E27FC236}">
-                <a16:creationId xmlns:a16="http://schemas.microsoft.com/office/drawing/2014/main" id="{239E2CE7-2481-062F-4C4B-CB7775B501F2}"/>
-              </a:ext>
-            </a:extLst>
-          </p:cNvPr>
+          <p:cNvPr id="5" name="Footer Placeholder 4"/>
           <p:cNvSpPr>
             <a:spLocks noGrp="1"/>
           </p:cNvSpPr>
@@ -1175,13 +1036,7 @@
       </p:sp>
       <p:sp>
         <p:nvSpPr>
-          <p:cNvPr id="6" name="Slide Number Placeholder 5">
-            <a:extLst>
-              <a:ext uri="{FF2B5EF4-FFF2-40B4-BE49-F238E27FC236}">
-                <a16:creationId xmlns:a16="http://schemas.microsoft.com/office/drawing/2014/main" id="{E0E12722-4E5E-3619-38A9-A163B1106123}"/>
-              </a:ext>
-            </a:extLst>
-          </p:cNvPr>
+          <p:cNvPr id="6" name="Slide Number Placeholder 5"/>
           <p:cNvSpPr>
             <a:spLocks noGrp="1"/>
           </p:cNvSpPr>
@@ -1205,7 +1060,7 @@
     </p:spTree>
     <p:extLst>
       <p:ext uri="{BB962C8B-B14F-4D97-AF65-F5344CB8AC3E}">
-        <p14:creationId xmlns:p14="http://schemas.microsoft.com/office/powerpoint/2010/main" val="3461841684"/>
+        <p14:creationId xmlns:p14="http://schemas.microsoft.com/office/powerpoint/2010/main" val="465765740"/>
       </p:ext>
     </p:extLst>
   </p:cSld>
@@ -1234,13 +1089,7 @@
       </p:grpSpPr>
       <p:sp>
         <p:nvSpPr>
-          <p:cNvPr id="2" name="Title 1">
-            <a:extLst>
-              <a:ext uri="{FF2B5EF4-FFF2-40B4-BE49-F238E27FC236}">
-                <a16:creationId xmlns:a16="http://schemas.microsoft.com/office/drawing/2014/main" id="{1CE48856-DDC8-7539-CCFB-F79E4F88E1F2}"/>
-              </a:ext>
-            </a:extLst>
-          </p:cNvPr>
+          <p:cNvPr id="2" name="Title 1"/>
           <p:cNvSpPr>
             <a:spLocks noGrp="1"/>
           </p:cNvSpPr>
@@ -1257,19 +1106,13 @@
               <a:rPr lang="en-US"/>
               <a:t>Click to edit Master title style</a:t>
             </a:r>
-            <a:endParaRPr lang="en-GB"/>
-          </a:p>
-        </p:txBody>
-      </p:sp>
-      <p:sp>
-        <p:nvSpPr>
-          <p:cNvPr id="3" name="Content Placeholder 2">
-            <a:extLst>
-              <a:ext uri="{FF2B5EF4-FFF2-40B4-BE49-F238E27FC236}">
-                <a16:creationId xmlns:a16="http://schemas.microsoft.com/office/drawing/2014/main" id="{054CCDEC-8CFC-929F-3CF5-982050B1A787}"/>
-              </a:ext>
-            </a:extLst>
-          </p:cNvPr>
+            <a:endParaRPr lang="en-US" dirty="0"/>
+          </a:p>
+        </p:txBody>
+      </p:sp>
+      <p:sp>
+        <p:nvSpPr>
+          <p:cNvPr id="3" name="Content Placeholder 2"/>
           <p:cNvSpPr>
             <a:spLocks noGrp="1"/>
           </p:cNvSpPr>
@@ -1320,19 +1163,13 @@
               <a:rPr lang="en-US"/>
               <a:t>Fifth level</a:t>
             </a:r>
-            <a:endParaRPr lang="en-GB"/>
-          </a:p>
-        </p:txBody>
-      </p:sp>
-      <p:sp>
-        <p:nvSpPr>
-          <p:cNvPr id="4" name="Content Placeholder 3">
-            <a:extLst>
-              <a:ext uri="{FF2B5EF4-FFF2-40B4-BE49-F238E27FC236}">
-                <a16:creationId xmlns:a16="http://schemas.microsoft.com/office/drawing/2014/main" id="{9DDA00DF-D0B9-1CEC-BE81-8A91CDE8C4CC}"/>
-              </a:ext>
-            </a:extLst>
-          </p:cNvPr>
+            <a:endParaRPr lang="en-US" dirty="0"/>
+          </a:p>
+        </p:txBody>
+      </p:sp>
+      <p:sp>
+        <p:nvSpPr>
+          <p:cNvPr id="4" name="Content Placeholder 3"/>
           <p:cNvSpPr>
             <a:spLocks noGrp="1"/>
           </p:cNvSpPr>
@@ -1383,19 +1220,13 @@
               <a:rPr lang="en-US"/>
               <a:t>Fifth level</a:t>
             </a:r>
-            <a:endParaRPr lang="en-GB"/>
-          </a:p>
-        </p:txBody>
-      </p:sp>
-      <p:sp>
-        <p:nvSpPr>
-          <p:cNvPr id="5" name="Date Placeholder 4">
-            <a:extLst>
-              <a:ext uri="{FF2B5EF4-FFF2-40B4-BE49-F238E27FC236}">
-                <a16:creationId xmlns:a16="http://schemas.microsoft.com/office/drawing/2014/main" id="{A2D36E79-AC5C-62D2-5124-8F3889592F67}"/>
-              </a:ext>
-            </a:extLst>
-          </p:cNvPr>
+            <a:endParaRPr lang="en-US" dirty="0"/>
+          </a:p>
+        </p:txBody>
+      </p:sp>
+      <p:sp>
+        <p:nvSpPr>
+          <p:cNvPr id="5" name="Date Placeholder 4"/>
           <p:cNvSpPr>
             <a:spLocks noGrp="1"/>
           </p:cNvSpPr>
@@ -1410,7 +1241,7 @@
           <a:p>
             <a:fld id="{E0B1015B-6EC1-4E28-89E8-DADC95F7D7CD}" type="datetimeFigureOut">
               <a:rPr lang="en-GB" smtClean="0"/>
-              <a:t>01/08/2023</a:t>
+              <a:t>04/08/2023</a:t>
             </a:fld>
             <a:endParaRPr lang="en-GB"/>
           </a:p>
@@ -1418,13 +1249,7 @@
       </p:sp>
       <p:sp>
         <p:nvSpPr>
-          <p:cNvPr id="6" name="Footer Placeholder 5">
-            <a:extLst>
-              <a:ext uri="{FF2B5EF4-FFF2-40B4-BE49-F238E27FC236}">
-                <a16:creationId xmlns:a16="http://schemas.microsoft.com/office/drawing/2014/main" id="{CF629DBF-B076-9A7D-A8AD-1FE3FAEBF53B}"/>
-              </a:ext>
-            </a:extLst>
-          </p:cNvPr>
+          <p:cNvPr id="6" name="Footer Placeholder 5"/>
           <p:cNvSpPr>
             <a:spLocks noGrp="1"/>
           </p:cNvSpPr>
@@ -1443,13 +1268,7 @@
       </p:sp>
       <p:sp>
         <p:nvSpPr>
-          <p:cNvPr id="7" name="Slide Number Placeholder 6">
-            <a:extLst>
-              <a:ext uri="{FF2B5EF4-FFF2-40B4-BE49-F238E27FC236}">
-                <a16:creationId xmlns:a16="http://schemas.microsoft.com/office/drawing/2014/main" id="{3180E92E-285D-6D09-70D6-0D527C0A885B}"/>
-              </a:ext>
-            </a:extLst>
-          </p:cNvPr>
+          <p:cNvPr id="7" name="Slide Number Placeholder 6"/>
           <p:cNvSpPr>
             <a:spLocks noGrp="1"/>
           </p:cNvSpPr>
@@ -1473,7 +1292,7 @@
     </p:spTree>
     <p:extLst>
       <p:ext uri="{BB962C8B-B14F-4D97-AF65-F5344CB8AC3E}">
-        <p14:creationId xmlns:p14="http://schemas.microsoft.com/office/powerpoint/2010/main" val="1143448165"/>
+        <p14:creationId xmlns:p14="http://schemas.microsoft.com/office/powerpoint/2010/main" val="191495102"/>
       </p:ext>
     </p:extLst>
   </p:cSld>
@@ -1502,13 +1321,7 @@
       </p:grpSpPr>
       <p:sp>
         <p:nvSpPr>
-          <p:cNvPr id="2" name="Title 1">
-            <a:extLst>
-              <a:ext uri="{FF2B5EF4-FFF2-40B4-BE49-F238E27FC236}">
-                <a16:creationId xmlns:a16="http://schemas.microsoft.com/office/drawing/2014/main" id="{66BFC329-398D-A684-652E-CEB7888D96F3}"/>
-              </a:ext>
-            </a:extLst>
-          </p:cNvPr>
+          <p:cNvPr id="2" name="Title 1"/>
           <p:cNvSpPr>
             <a:spLocks noGrp="1"/>
           </p:cNvSpPr>
@@ -1530,19 +1343,13 @@
               <a:rPr lang="en-US"/>
               <a:t>Click to edit Master title style</a:t>
             </a:r>
-            <a:endParaRPr lang="en-GB"/>
-          </a:p>
-        </p:txBody>
-      </p:sp>
-      <p:sp>
-        <p:nvSpPr>
-          <p:cNvPr id="3" name="Text Placeholder 2">
-            <a:extLst>
-              <a:ext uri="{FF2B5EF4-FFF2-40B4-BE49-F238E27FC236}">
-                <a16:creationId xmlns:a16="http://schemas.microsoft.com/office/drawing/2014/main" id="{0E128516-3211-3B07-3ED4-DA3FC13BDC7E}"/>
-              </a:ext>
-            </a:extLst>
-          </p:cNvPr>
+            <a:endParaRPr lang="en-US" dirty="0"/>
+          </a:p>
+        </p:txBody>
+      </p:sp>
+      <p:sp>
+        <p:nvSpPr>
+          <p:cNvPr id="3" name="Text Placeholder 2"/>
           <p:cNvSpPr>
             <a:spLocks noGrp="1"/>
           </p:cNvSpPr>
@@ -1607,13 +1414,7 @@
       </p:sp>
       <p:sp>
         <p:nvSpPr>
-          <p:cNvPr id="4" name="Content Placeholder 3">
-            <a:extLst>
-              <a:ext uri="{FF2B5EF4-FFF2-40B4-BE49-F238E27FC236}">
-                <a16:creationId xmlns:a16="http://schemas.microsoft.com/office/drawing/2014/main" id="{04190B2B-1F85-88AA-0C21-D1ECBD0C605C}"/>
-              </a:ext>
-            </a:extLst>
-          </p:cNvPr>
+          <p:cNvPr id="4" name="Content Placeholder 3"/>
           <p:cNvSpPr>
             <a:spLocks noGrp="1"/>
           </p:cNvSpPr>
@@ -1664,19 +1465,13 @@
               <a:rPr lang="en-US"/>
               <a:t>Fifth level</a:t>
             </a:r>
-            <a:endParaRPr lang="en-GB"/>
-          </a:p>
-        </p:txBody>
-      </p:sp>
-      <p:sp>
-        <p:nvSpPr>
-          <p:cNvPr id="5" name="Text Placeholder 4">
-            <a:extLst>
-              <a:ext uri="{FF2B5EF4-FFF2-40B4-BE49-F238E27FC236}">
-                <a16:creationId xmlns:a16="http://schemas.microsoft.com/office/drawing/2014/main" id="{DD9DB01F-D778-1FC9-F946-8E327A611A99}"/>
-              </a:ext>
-            </a:extLst>
-          </p:cNvPr>
+            <a:endParaRPr lang="en-US" dirty="0"/>
+          </a:p>
+        </p:txBody>
+      </p:sp>
+      <p:sp>
+        <p:nvSpPr>
+          <p:cNvPr id="5" name="Text Placeholder 4"/>
           <p:cNvSpPr>
             <a:spLocks noGrp="1"/>
           </p:cNvSpPr>
@@ -1741,13 +1536,7 @@
       </p:sp>
       <p:sp>
         <p:nvSpPr>
-          <p:cNvPr id="6" name="Content Placeholder 5">
-            <a:extLst>
-              <a:ext uri="{FF2B5EF4-FFF2-40B4-BE49-F238E27FC236}">
-                <a16:creationId xmlns:a16="http://schemas.microsoft.com/office/drawing/2014/main" id="{CDD953B8-681E-3AF0-D90A-093D110F5E93}"/>
-              </a:ext>
-            </a:extLst>
-          </p:cNvPr>
+          <p:cNvPr id="6" name="Content Placeholder 5"/>
           <p:cNvSpPr>
             <a:spLocks noGrp="1"/>
           </p:cNvSpPr>
@@ -1798,19 +1587,13 @@
               <a:rPr lang="en-US"/>
               <a:t>Fifth level</a:t>
             </a:r>
-            <a:endParaRPr lang="en-GB"/>
-          </a:p>
-        </p:txBody>
-      </p:sp>
-      <p:sp>
-        <p:nvSpPr>
-          <p:cNvPr id="7" name="Date Placeholder 6">
-            <a:extLst>
-              <a:ext uri="{FF2B5EF4-FFF2-40B4-BE49-F238E27FC236}">
-                <a16:creationId xmlns:a16="http://schemas.microsoft.com/office/drawing/2014/main" id="{B251BE3D-2834-6A4F-D2BC-81104EC07442}"/>
-              </a:ext>
-            </a:extLst>
-          </p:cNvPr>
+            <a:endParaRPr lang="en-US" dirty="0"/>
+          </a:p>
+        </p:txBody>
+      </p:sp>
+      <p:sp>
+        <p:nvSpPr>
+          <p:cNvPr id="7" name="Date Placeholder 6"/>
           <p:cNvSpPr>
             <a:spLocks noGrp="1"/>
           </p:cNvSpPr>
@@ -1825,7 +1608,7 @@
           <a:p>
             <a:fld id="{E0B1015B-6EC1-4E28-89E8-DADC95F7D7CD}" type="datetimeFigureOut">
               <a:rPr lang="en-GB" smtClean="0"/>
-              <a:t>01/08/2023</a:t>
+              <a:t>04/08/2023</a:t>
             </a:fld>
             <a:endParaRPr lang="en-GB"/>
           </a:p>
@@ -1833,13 +1616,7 @@
       </p:sp>
       <p:sp>
         <p:nvSpPr>
-          <p:cNvPr id="8" name="Footer Placeholder 7">
-            <a:extLst>
-              <a:ext uri="{FF2B5EF4-FFF2-40B4-BE49-F238E27FC236}">
-                <a16:creationId xmlns:a16="http://schemas.microsoft.com/office/drawing/2014/main" id="{760831B5-94F9-14C6-63FD-BE78F3D2C2B4}"/>
-              </a:ext>
-            </a:extLst>
-          </p:cNvPr>
+          <p:cNvPr id="8" name="Footer Placeholder 7"/>
           <p:cNvSpPr>
             <a:spLocks noGrp="1"/>
           </p:cNvSpPr>
@@ -1858,13 +1635,7 @@
       </p:sp>
       <p:sp>
         <p:nvSpPr>
-          <p:cNvPr id="9" name="Slide Number Placeholder 8">
-            <a:extLst>
-              <a:ext uri="{FF2B5EF4-FFF2-40B4-BE49-F238E27FC236}">
-                <a16:creationId xmlns:a16="http://schemas.microsoft.com/office/drawing/2014/main" id="{3A4E130C-B083-9152-6C19-C6A11FFE478E}"/>
-              </a:ext>
-            </a:extLst>
-          </p:cNvPr>
+          <p:cNvPr id="9" name="Slide Number Placeholder 8"/>
           <p:cNvSpPr>
             <a:spLocks noGrp="1"/>
           </p:cNvSpPr>
@@ -1888,7 +1659,7 @@
     </p:spTree>
     <p:extLst>
       <p:ext uri="{BB962C8B-B14F-4D97-AF65-F5344CB8AC3E}">
-        <p14:creationId xmlns:p14="http://schemas.microsoft.com/office/powerpoint/2010/main" val="1653005965"/>
+        <p14:creationId xmlns:p14="http://schemas.microsoft.com/office/powerpoint/2010/main" val="2119905427"/>
       </p:ext>
     </p:extLst>
   </p:cSld>
@@ -1917,13 +1688,7 @@
       </p:grpSpPr>
       <p:sp>
         <p:nvSpPr>
-          <p:cNvPr id="2" name="Title 1">
-            <a:extLst>
-              <a:ext uri="{FF2B5EF4-FFF2-40B4-BE49-F238E27FC236}">
-                <a16:creationId xmlns:a16="http://schemas.microsoft.com/office/drawing/2014/main" id="{B88AE26E-E686-7486-39F8-A2F8254ABFD5}"/>
-              </a:ext>
-            </a:extLst>
-          </p:cNvPr>
+          <p:cNvPr id="2" name="Title 1"/>
           <p:cNvSpPr>
             <a:spLocks noGrp="1"/>
           </p:cNvSpPr>
@@ -1940,19 +1705,13 @@
               <a:rPr lang="en-US"/>
               <a:t>Click to edit Master title style</a:t>
             </a:r>
-            <a:endParaRPr lang="en-GB"/>
-          </a:p>
-        </p:txBody>
-      </p:sp>
-      <p:sp>
-        <p:nvSpPr>
-          <p:cNvPr id="3" name="Date Placeholder 2">
-            <a:extLst>
-              <a:ext uri="{FF2B5EF4-FFF2-40B4-BE49-F238E27FC236}">
-                <a16:creationId xmlns:a16="http://schemas.microsoft.com/office/drawing/2014/main" id="{E30D9BAC-2EC1-BCB4-CD70-B1C02E68906F}"/>
-              </a:ext>
-            </a:extLst>
-          </p:cNvPr>
+            <a:endParaRPr lang="en-US" dirty="0"/>
+          </a:p>
+        </p:txBody>
+      </p:sp>
+      <p:sp>
+        <p:nvSpPr>
+          <p:cNvPr id="3" name="Date Placeholder 2"/>
           <p:cNvSpPr>
             <a:spLocks noGrp="1"/>
           </p:cNvSpPr>
@@ -1967,7 +1726,7 @@
           <a:p>
             <a:fld id="{E0B1015B-6EC1-4E28-89E8-DADC95F7D7CD}" type="datetimeFigureOut">
               <a:rPr lang="en-GB" smtClean="0"/>
-              <a:t>01/08/2023</a:t>
+              <a:t>04/08/2023</a:t>
             </a:fld>
             <a:endParaRPr lang="en-GB"/>
           </a:p>
@@ -1975,13 +1734,7 @@
       </p:sp>
       <p:sp>
         <p:nvSpPr>
-          <p:cNvPr id="4" name="Footer Placeholder 3">
-            <a:extLst>
-              <a:ext uri="{FF2B5EF4-FFF2-40B4-BE49-F238E27FC236}">
-                <a16:creationId xmlns:a16="http://schemas.microsoft.com/office/drawing/2014/main" id="{92D0A16D-72DC-3C15-A33A-37A3074E5972}"/>
-              </a:ext>
-            </a:extLst>
-          </p:cNvPr>
+          <p:cNvPr id="4" name="Footer Placeholder 3"/>
           <p:cNvSpPr>
             <a:spLocks noGrp="1"/>
           </p:cNvSpPr>
@@ -2000,13 +1753,7 @@
       </p:sp>
       <p:sp>
         <p:nvSpPr>
-          <p:cNvPr id="5" name="Slide Number Placeholder 4">
-            <a:extLst>
-              <a:ext uri="{FF2B5EF4-FFF2-40B4-BE49-F238E27FC236}">
-                <a16:creationId xmlns:a16="http://schemas.microsoft.com/office/drawing/2014/main" id="{21251DA9-D0A7-E44D-4E35-1001D80F843D}"/>
-              </a:ext>
-            </a:extLst>
-          </p:cNvPr>
+          <p:cNvPr id="5" name="Slide Number Placeholder 4"/>
           <p:cNvSpPr>
             <a:spLocks noGrp="1"/>
           </p:cNvSpPr>
@@ -2030,7 +1777,7 @@
     </p:spTree>
     <p:extLst>
       <p:ext uri="{BB962C8B-B14F-4D97-AF65-F5344CB8AC3E}">
-        <p14:creationId xmlns:p14="http://schemas.microsoft.com/office/powerpoint/2010/main" val="1211626043"/>
+        <p14:creationId xmlns:p14="http://schemas.microsoft.com/office/powerpoint/2010/main" val="3183593794"/>
       </p:ext>
     </p:extLst>
   </p:cSld>
@@ -2059,13 +1806,7 @@
       </p:grpSpPr>
       <p:sp>
         <p:nvSpPr>
-          <p:cNvPr id="2" name="Date Placeholder 1">
-            <a:extLst>
-              <a:ext uri="{FF2B5EF4-FFF2-40B4-BE49-F238E27FC236}">
-                <a16:creationId xmlns:a16="http://schemas.microsoft.com/office/drawing/2014/main" id="{ACA44CFF-1A10-DF56-CAF0-073CA8E931B1}"/>
-              </a:ext>
-            </a:extLst>
-          </p:cNvPr>
+          <p:cNvPr id="2" name="Date Placeholder 1"/>
           <p:cNvSpPr>
             <a:spLocks noGrp="1"/>
           </p:cNvSpPr>
@@ -2080,7 +1821,7 @@
           <a:p>
             <a:fld id="{E0B1015B-6EC1-4E28-89E8-DADC95F7D7CD}" type="datetimeFigureOut">
               <a:rPr lang="en-GB" smtClean="0"/>
-              <a:t>01/08/2023</a:t>
+              <a:t>04/08/2023</a:t>
             </a:fld>
             <a:endParaRPr lang="en-GB"/>
           </a:p>
@@ -2088,13 +1829,7 @@
       </p:sp>
       <p:sp>
         <p:nvSpPr>
-          <p:cNvPr id="3" name="Footer Placeholder 2">
-            <a:extLst>
-              <a:ext uri="{FF2B5EF4-FFF2-40B4-BE49-F238E27FC236}">
-                <a16:creationId xmlns:a16="http://schemas.microsoft.com/office/drawing/2014/main" id="{111A22BA-27C3-79A2-0D07-7AAC3B0B988E}"/>
-              </a:ext>
-            </a:extLst>
-          </p:cNvPr>
+          <p:cNvPr id="3" name="Footer Placeholder 2"/>
           <p:cNvSpPr>
             <a:spLocks noGrp="1"/>
           </p:cNvSpPr>
@@ -2113,13 +1848,7 @@
       </p:sp>
       <p:sp>
         <p:nvSpPr>
-          <p:cNvPr id="4" name="Slide Number Placeholder 3">
-            <a:extLst>
-              <a:ext uri="{FF2B5EF4-FFF2-40B4-BE49-F238E27FC236}">
-                <a16:creationId xmlns:a16="http://schemas.microsoft.com/office/drawing/2014/main" id="{798A91EF-3F05-0AE1-A3E3-8E893A49234F}"/>
-              </a:ext>
-            </a:extLst>
-          </p:cNvPr>
+          <p:cNvPr id="4" name="Slide Number Placeholder 3"/>
           <p:cNvSpPr>
             <a:spLocks noGrp="1"/>
           </p:cNvSpPr>
@@ -2143,7 +1872,7 @@
     </p:spTree>
     <p:extLst>
       <p:ext uri="{BB962C8B-B14F-4D97-AF65-F5344CB8AC3E}">
-        <p14:creationId xmlns:p14="http://schemas.microsoft.com/office/powerpoint/2010/main" val="3302196902"/>
+        <p14:creationId xmlns:p14="http://schemas.microsoft.com/office/powerpoint/2010/main" val="2688359992"/>
       </p:ext>
     </p:extLst>
   </p:cSld>
@@ -2172,13 +1901,7 @@
       </p:grpSpPr>
       <p:sp>
         <p:nvSpPr>
-          <p:cNvPr id="2" name="Title 1">
-            <a:extLst>
-              <a:ext uri="{FF2B5EF4-FFF2-40B4-BE49-F238E27FC236}">
-                <a16:creationId xmlns:a16="http://schemas.microsoft.com/office/drawing/2014/main" id="{DDBBA6CB-7BB9-9A58-BB75-7C8E4E5B7734}"/>
-              </a:ext>
-            </a:extLst>
-          </p:cNvPr>
+          <p:cNvPr id="2" name="Title 1"/>
           <p:cNvSpPr>
             <a:spLocks noGrp="1"/>
           </p:cNvSpPr>
@@ -2204,19 +1927,13 @@
               <a:rPr lang="en-US"/>
               <a:t>Click to edit Master title style</a:t>
             </a:r>
-            <a:endParaRPr lang="en-GB"/>
-          </a:p>
-        </p:txBody>
-      </p:sp>
-      <p:sp>
-        <p:nvSpPr>
-          <p:cNvPr id="3" name="Content Placeholder 2">
-            <a:extLst>
-              <a:ext uri="{FF2B5EF4-FFF2-40B4-BE49-F238E27FC236}">
-                <a16:creationId xmlns:a16="http://schemas.microsoft.com/office/drawing/2014/main" id="{2709D149-C945-4347-AACF-BBA2B09F2773}"/>
-              </a:ext>
-            </a:extLst>
-          </p:cNvPr>
+            <a:endParaRPr lang="en-US" dirty="0"/>
+          </a:p>
+        </p:txBody>
+      </p:sp>
+      <p:sp>
+        <p:nvSpPr>
+          <p:cNvPr id="3" name="Content Placeholder 2"/>
           <p:cNvSpPr>
             <a:spLocks noGrp="1"/>
           </p:cNvSpPr>
@@ -2295,19 +2012,13 @@
               <a:rPr lang="en-US"/>
               <a:t>Fifth level</a:t>
             </a:r>
-            <a:endParaRPr lang="en-GB"/>
-          </a:p>
-        </p:txBody>
-      </p:sp>
-      <p:sp>
-        <p:nvSpPr>
-          <p:cNvPr id="4" name="Text Placeholder 3">
-            <a:extLst>
-              <a:ext uri="{FF2B5EF4-FFF2-40B4-BE49-F238E27FC236}">
-                <a16:creationId xmlns:a16="http://schemas.microsoft.com/office/drawing/2014/main" id="{262A5C3B-C555-26B9-25AA-13324D8C5FCD}"/>
-              </a:ext>
-            </a:extLst>
-          </p:cNvPr>
+            <a:endParaRPr lang="en-US" dirty="0"/>
+          </a:p>
+        </p:txBody>
+      </p:sp>
+      <p:sp>
+        <p:nvSpPr>
+          <p:cNvPr id="4" name="Text Placeholder 3"/>
           <p:cNvSpPr>
             <a:spLocks noGrp="1"/>
           </p:cNvSpPr>
@@ -2372,13 +2083,7 @@
       </p:sp>
       <p:sp>
         <p:nvSpPr>
-          <p:cNvPr id="5" name="Date Placeholder 4">
-            <a:extLst>
-              <a:ext uri="{FF2B5EF4-FFF2-40B4-BE49-F238E27FC236}">
-                <a16:creationId xmlns:a16="http://schemas.microsoft.com/office/drawing/2014/main" id="{79E04AE7-8595-5A10-1FAA-DC3768933590}"/>
-              </a:ext>
-            </a:extLst>
-          </p:cNvPr>
+          <p:cNvPr id="5" name="Date Placeholder 4"/>
           <p:cNvSpPr>
             <a:spLocks noGrp="1"/>
           </p:cNvSpPr>
@@ -2393,7 +2098,7 @@
           <a:p>
             <a:fld id="{E0B1015B-6EC1-4E28-89E8-DADC95F7D7CD}" type="datetimeFigureOut">
               <a:rPr lang="en-GB" smtClean="0"/>
-              <a:t>01/08/2023</a:t>
+              <a:t>04/08/2023</a:t>
             </a:fld>
             <a:endParaRPr lang="en-GB"/>
           </a:p>
@@ -2401,13 +2106,7 @@
       </p:sp>
       <p:sp>
         <p:nvSpPr>
-          <p:cNvPr id="6" name="Footer Placeholder 5">
-            <a:extLst>
-              <a:ext uri="{FF2B5EF4-FFF2-40B4-BE49-F238E27FC236}">
-                <a16:creationId xmlns:a16="http://schemas.microsoft.com/office/drawing/2014/main" id="{2D48511F-60C5-3229-3AE0-E39259BC34D0}"/>
-              </a:ext>
-            </a:extLst>
-          </p:cNvPr>
+          <p:cNvPr id="6" name="Footer Placeholder 5"/>
           <p:cNvSpPr>
             <a:spLocks noGrp="1"/>
           </p:cNvSpPr>
@@ -2426,13 +2125,7 @@
       </p:sp>
       <p:sp>
         <p:nvSpPr>
-          <p:cNvPr id="7" name="Slide Number Placeholder 6">
-            <a:extLst>
-              <a:ext uri="{FF2B5EF4-FFF2-40B4-BE49-F238E27FC236}">
-                <a16:creationId xmlns:a16="http://schemas.microsoft.com/office/drawing/2014/main" id="{0F57B1F4-2CA6-4406-9C3A-5F5FBC179F59}"/>
-              </a:ext>
-            </a:extLst>
-          </p:cNvPr>
+          <p:cNvPr id="7" name="Slide Number Placeholder 6"/>
           <p:cNvSpPr>
             <a:spLocks noGrp="1"/>
           </p:cNvSpPr>
@@ -2456,7 +2149,7 @@
     </p:spTree>
     <p:extLst>
       <p:ext uri="{BB962C8B-B14F-4D97-AF65-F5344CB8AC3E}">
-        <p14:creationId xmlns:p14="http://schemas.microsoft.com/office/powerpoint/2010/main" val="1073633667"/>
+        <p14:creationId xmlns:p14="http://schemas.microsoft.com/office/powerpoint/2010/main" val="179362180"/>
       </p:ext>
     </p:extLst>
   </p:cSld>
@@ -2485,13 +2178,7 @@
       </p:grpSpPr>
       <p:sp>
         <p:nvSpPr>
-          <p:cNvPr id="2" name="Title 1">
-            <a:extLst>
-              <a:ext uri="{FF2B5EF4-FFF2-40B4-BE49-F238E27FC236}">
-                <a16:creationId xmlns:a16="http://schemas.microsoft.com/office/drawing/2014/main" id="{DDF3AB79-3895-9255-F5B1-20115EA005FE}"/>
-              </a:ext>
-            </a:extLst>
-          </p:cNvPr>
+          <p:cNvPr id="2" name="Title 1"/>
           <p:cNvSpPr>
             <a:spLocks noGrp="1"/>
           </p:cNvSpPr>
@@ -2517,21 +2204,15 @@
               <a:rPr lang="en-US"/>
               <a:t>Click to edit Master title style</a:t>
             </a:r>
-            <a:endParaRPr lang="en-GB"/>
-          </a:p>
-        </p:txBody>
-      </p:sp>
-      <p:sp>
-        <p:nvSpPr>
-          <p:cNvPr id="3" name="Picture Placeholder 2">
-            <a:extLst>
-              <a:ext uri="{FF2B5EF4-FFF2-40B4-BE49-F238E27FC236}">
-                <a16:creationId xmlns:a16="http://schemas.microsoft.com/office/drawing/2014/main" id="{22AE49BB-79C3-F30E-0643-4D19805FD586}"/>
-              </a:ext>
-            </a:extLst>
-          </p:cNvPr>
+            <a:endParaRPr lang="en-US" dirty="0"/>
+          </a:p>
+        </p:txBody>
+      </p:sp>
+      <p:sp>
+        <p:nvSpPr>
+          <p:cNvPr id="3" name="Picture Placeholder 2"/>
           <p:cNvSpPr>
-            <a:spLocks noGrp="1"/>
+            <a:spLocks noGrp="1" noChangeAspect="1"/>
           </p:cNvSpPr>
           <p:nvPr>
             <p:ph type="pic" idx="1"/>
@@ -2544,7 +2225,7 @@
           </a:xfrm>
         </p:spPr>
         <p:txBody>
-          <a:bodyPr/>
+          <a:bodyPr anchor="t"/>
           <a:lstStyle>
             <a:lvl1pPr marL="0" indent="0">
               <a:buNone/>
@@ -2584,19 +2265,17 @@
             </a:lvl9pPr>
           </a:lstStyle>
           <a:p>
-            <a:endParaRPr lang="en-GB"/>
-          </a:p>
-        </p:txBody>
-      </p:sp>
-      <p:sp>
-        <p:nvSpPr>
-          <p:cNvPr id="4" name="Text Placeholder 3">
-            <a:extLst>
-              <a:ext uri="{FF2B5EF4-FFF2-40B4-BE49-F238E27FC236}">
-                <a16:creationId xmlns:a16="http://schemas.microsoft.com/office/drawing/2014/main" id="{FF225D5B-8D2F-B466-F394-2BCC8EDA34FC}"/>
-              </a:ext>
-            </a:extLst>
-          </p:cNvPr>
+            <a:r>
+              <a:rPr lang="en-US"/>
+              <a:t>Click icon to add picture</a:t>
+            </a:r>
+            <a:endParaRPr lang="en-US" dirty="0"/>
+          </a:p>
+        </p:txBody>
+      </p:sp>
+      <p:sp>
+        <p:nvSpPr>
+          <p:cNvPr id="4" name="Text Placeholder 3"/>
           <p:cNvSpPr>
             <a:spLocks noGrp="1"/>
           </p:cNvSpPr>
@@ -2661,13 +2340,7 @@
       </p:sp>
       <p:sp>
         <p:nvSpPr>
-          <p:cNvPr id="5" name="Date Placeholder 4">
-            <a:extLst>
-              <a:ext uri="{FF2B5EF4-FFF2-40B4-BE49-F238E27FC236}">
-                <a16:creationId xmlns:a16="http://schemas.microsoft.com/office/drawing/2014/main" id="{F82CFCEC-FEA7-2D19-B1F7-5E5DAB93D049}"/>
-              </a:ext>
-            </a:extLst>
-          </p:cNvPr>
+          <p:cNvPr id="5" name="Date Placeholder 4"/>
           <p:cNvSpPr>
             <a:spLocks noGrp="1"/>
           </p:cNvSpPr>
@@ -2682,7 +2355,7 @@
           <a:p>
             <a:fld id="{E0B1015B-6EC1-4E28-89E8-DADC95F7D7CD}" type="datetimeFigureOut">
               <a:rPr lang="en-GB" smtClean="0"/>
-              <a:t>01/08/2023</a:t>
+              <a:t>04/08/2023</a:t>
             </a:fld>
             <a:endParaRPr lang="en-GB"/>
           </a:p>
@@ -2690,13 +2363,7 @@
       </p:sp>
       <p:sp>
         <p:nvSpPr>
-          <p:cNvPr id="6" name="Footer Placeholder 5">
-            <a:extLst>
-              <a:ext uri="{FF2B5EF4-FFF2-40B4-BE49-F238E27FC236}">
-                <a16:creationId xmlns:a16="http://schemas.microsoft.com/office/drawing/2014/main" id="{66977C17-544A-A322-3DB3-B0857FEA6DDB}"/>
-              </a:ext>
-            </a:extLst>
-          </p:cNvPr>
+          <p:cNvPr id="6" name="Footer Placeholder 5"/>
           <p:cNvSpPr>
             <a:spLocks noGrp="1"/>
           </p:cNvSpPr>
@@ -2715,13 +2382,7 @@
       </p:sp>
       <p:sp>
         <p:nvSpPr>
-          <p:cNvPr id="7" name="Slide Number Placeholder 6">
-            <a:extLst>
-              <a:ext uri="{FF2B5EF4-FFF2-40B4-BE49-F238E27FC236}">
-                <a16:creationId xmlns:a16="http://schemas.microsoft.com/office/drawing/2014/main" id="{E07E60D1-9164-77F9-9F96-947C57CFD4B3}"/>
-              </a:ext>
-            </a:extLst>
-          </p:cNvPr>
+          <p:cNvPr id="7" name="Slide Number Placeholder 6"/>
           <p:cNvSpPr>
             <a:spLocks noGrp="1"/>
           </p:cNvSpPr>
@@ -2745,7 +2406,7 @@
     </p:spTree>
     <p:extLst>
       <p:ext uri="{BB962C8B-B14F-4D97-AF65-F5344CB8AC3E}">
-        <p14:creationId xmlns:p14="http://schemas.microsoft.com/office/powerpoint/2010/main" val="3934695456"/>
+        <p14:creationId xmlns:p14="http://schemas.microsoft.com/office/powerpoint/2010/main" val="3155107149"/>
       </p:ext>
     </p:extLst>
   </p:cSld>
@@ -2779,13 +2440,7 @@
       </p:grpSpPr>
       <p:sp>
         <p:nvSpPr>
-          <p:cNvPr id="2" name="Title Placeholder 1">
-            <a:extLst>
-              <a:ext uri="{FF2B5EF4-FFF2-40B4-BE49-F238E27FC236}">
-                <a16:creationId xmlns:a16="http://schemas.microsoft.com/office/drawing/2014/main" id="{284141FE-5350-B733-6F33-22C23006FB5C}"/>
-              </a:ext>
-            </a:extLst>
-          </p:cNvPr>
+          <p:cNvPr id="2" name="Title Placeholder 1"/>
           <p:cNvSpPr>
             <a:spLocks noGrp="1"/>
           </p:cNvSpPr>
@@ -2812,19 +2467,13 @@
               <a:rPr lang="en-US"/>
               <a:t>Click to edit Master title style</a:t>
             </a:r>
-            <a:endParaRPr lang="en-GB"/>
-          </a:p>
-        </p:txBody>
-      </p:sp>
-      <p:sp>
-        <p:nvSpPr>
-          <p:cNvPr id="3" name="Text Placeholder 2">
-            <a:extLst>
-              <a:ext uri="{FF2B5EF4-FFF2-40B4-BE49-F238E27FC236}">
-                <a16:creationId xmlns:a16="http://schemas.microsoft.com/office/drawing/2014/main" id="{74B9A72B-C2B7-A26F-F986-A40A7A9A9202}"/>
-              </a:ext>
-            </a:extLst>
-          </p:cNvPr>
+            <a:endParaRPr lang="en-US" dirty="0"/>
+          </a:p>
+        </p:txBody>
+      </p:sp>
+      <p:sp>
+        <p:nvSpPr>
+          <p:cNvPr id="3" name="Text Placeholder 2"/>
           <p:cNvSpPr>
             <a:spLocks noGrp="1"/>
           </p:cNvSpPr>
@@ -2880,19 +2529,13 @@
               <a:rPr lang="en-US"/>
               <a:t>Fifth level</a:t>
             </a:r>
-            <a:endParaRPr lang="en-GB"/>
-          </a:p>
-        </p:txBody>
-      </p:sp>
-      <p:sp>
-        <p:nvSpPr>
-          <p:cNvPr id="4" name="Date Placeholder 3">
-            <a:extLst>
-              <a:ext uri="{FF2B5EF4-FFF2-40B4-BE49-F238E27FC236}">
-                <a16:creationId xmlns:a16="http://schemas.microsoft.com/office/drawing/2014/main" id="{711AC8AC-B457-B422-3D00-98075A5BB181}"/>
-              </a:ext>
-            </a:extLst>
-          </p:cNvPr>
+            <a:endParaRPr lang="en-US" dirty="0"/>
+          </a:p>
+        </p:txBody>
+      </p:sp>
+      <p:sp>
+        <p:nvSpPr>
+          <p:cNvPr id="4" name="Date Placeholder 3"/>
           <p:cNvSpPr>
             <a:spLocks noGrp="1"/>
           </p:cNvSpPr>
@@ -2925,7 +2568,7 @@
           <a:p>
             <a:fld id="{E0B1015B-6EC1-4E28-89E8-DADC95F7D7CD}" type="datetimeFigureOut">
               <a:rPr lang="en-GB" smtClean="0"/>
-              <a:t>01/08/2023</a:t>
+              <a:t>04/08/2023</a:t>
             </a:fld>
             <a:endParaRPr lang="en-GB"/>
           </a:p>
@@ -2933,13 +2576,7 @@
       </p:sp>
       <p:sp>
         <p:nvSpPr>
-          <p:cNvPr id="5" name="Footer Placeholder 4">
-            <a:extLst>
-              <a:ext uri="{FF2B5EF4-FFF2-40B4-BE49-F238E27FC236}">
-                <a16:creationId xmlns:a16="http://schemas.microsoft.com/office/drawing/2014/main" id="{72149CF3-D8CA-59F7-A732-767F63492C73}"/>
-              </a:ext>
-            </a:extLst>
-          </p:cNvPr>
+          <p:cNvPr id="5" name="Footer Placeholder 4"/>
           <p:cNvSpPr>
             <a:spLocks noGrp="1"/>
           </p:cNvSpPr>
@@ -2976,13 +2613,7 @@
       </p:sp>
       <p:sp>
         <p:nvSpPr>
-          <p:cNvPr id="6" name="Slide Number Placeholder 5">
-            <a:extLst>
-              <a:ext uri="{FF2B5EF4-FFF2-40B4-BE49-F238E27FC236}">
-                <a16:creationId xmlns:a16="http://schemas.microsoft.com/office/drawing/2014/main" id="{F6041C51-0E3F-B1FD-910D-4B0052EF8178}"/>
-              </a:ext>
-            </a:extLst>
-          </p:cNvPr>
+          <p:cNvPr id="6" name="Slide Number Placeholder 5"/>
           <p:cNvSpPr>
             <a:spLocks noGrp="1"/>
           </p:cNvSpPr>
@@ -3024,23 +2655,23 @@
     </p:spTree>
     <p:extLst>
       <p:ext uri="{BB962C8B-B14F-4D97-AF65-F5344CB8AC3E}">
-        <p14:creationId xmlns:p14="http://schemas.microsoft.com/office/powerpoint/2010/main" val="3560622179"/>
+        <p14:creationId xmlns:p14="http://schemas.microsoft.com/office/powerpoint/2010/main" val="544378480"/>
       </p:ext>
     </p:extLst>
   </p:cSld>
   <p:clrMap bg1="lt1" tx1="dk1" bg2="lt2" tx2="dk2" accent1="accent1" accent2="accent2" accent3="accent3" accent4="accent4" accent5="accent5" accent6="accent6" hlink="hlink" folHlink="folHlink"/>
   <p:sldLayoutIdLst>
-    <p:sldLayoutId id="2147483649" r:id="rId1"/>
-    <p:sldLayoutId id="2147483650" r:id="rId2"/>
-    <p:sldLayoutId id="2147483651" r:id="rId3"/>
-    <p:sldLayoutId id="2147483652" r:id="rId4"/>
-    <p:sldLayoutId id="2147483653" r:id="rId5"/>
-    <p:sldLayoutId id="2147483654" r:id="rId6"/>
-    <p:sldLayoutId id="2147483655" r:id="rId7"/>
-    <p:sldLayoutId id="2147483656" r:id="rId8"/>
-    <p:sldLayoutId id="2147483657" r:id="rId9"/>
-    <p:sldLayoutId id="2147483658" r:id="rId10"/>
-    <p:sldLayoutId id="2147483659" r:id="rId11"/>
+    <p:sldLayoutId id="2147483661" r:id="rId1"/>
+    <p:sldLayoutId id="2147483662" r:id="rId2"/>
+    <p:sldLayoutId id="2147483663" r:id="rId3"/>
+    <p:sldLayoutId id="2147483664" r:id="rId4"/>
+    <p:sldLayoutId id="2147483665" r:id="rId5"/>
+    <p:sldLayoutId id="2147483666" r:id="rId6"/>
+    <p:sldLayoutId id="2147483667" r:id="rId7"/>
+    <p:sldLayoutId id="2147483668" r:id="rId8"/>
+    <p:sldLayoutId id="2147483669" r:id="rId9"/>
+    <p:sldLayoutId id="2147483670" r:id="rId10"/>
+    <p:sldLayoutId id="2147483671" r:id="rId11"/>
   </p:sldLayoutIdLst>
   <p:txStyles>
     <p:titleStyle>
@@ -3328,6 +2959,41 @@
 <file path=ppt/slides/slide1.xml><?xml version="1.0" encoding="utf-8"?>
 <p:sld xmlns:a="http://schemas.openxmlformats.org/drawingml/2006/main" xmlns:r="http://schemas.openxmlformats.org/officeDocument/2006/relationships" xmlns:p="http://schemas.openxmlformats.org/presentationml/2006/main">
   <p:cSld>
+    <p:bg>
+      <p:bgPr>
+        <a:gradFill flip="none" rotWithShape="1">
+          <a:gsLst>
+            <a:gs pos="0">
+              <a:schemeClr val="accent5">
+                <a:lumMod val="5000"/>
+                <a:lumOff val="95000"/>
+              </a:schemeClr>
+            </a:gs>
+            <a:gs pos="74000">
+              <a:schemeClr val="accent5">
+                <a:lumMod val="45000"/>
+                <a:lumOff val="55000"/>
+              </a:schemeClr>
+            </a:gs>
+            <a:gs pos="83000">
+              <a:schemeClr val="accent5">
+                <a:lumMod val="45000"/>
+                <a:lumOff val="55000"/>
+              </a:schemeClr>
+            </a:gs>
+            <a:gs pos="100000">
+              <a:schemeClr val="accent5">
+                <a:lumMod val="30000"/>
+                <a:lumOff val="70000"/>
+              </a:schemeClr>
+            </a:gs>
+          </a:gsLst>
+          <a:lin ang="5400000" scaled="1"/>
+          <a:tileRect/>
+        </a:gradFill>
+        <a:effectLst/>
+      </p:bgPr>
+    </p:bg>
     <p:spTree>
       <p:nvGrpSpPr>
         <p:cNvPr id="1" name=""/>
@@ -3344,34 +3010,61 @@
       </p:grpSpPr>
       <p:sp>
         <p:nvSpPr>
-          <p:cNvPr id="2" name="Title 1">
+          <p:cNvPr id="15" name="Rectangle 14">
             <a:extLst>
               <a:ext uri="{FF2B5EF4-FFF2-40B4-BE49-F238E27FC236}">
-                <a16:creationId xmlns:a16="http://schemas.microsoft.com/office/drawing/2014/main" id="{979066D6-FFBD-2262-2A72-380EF7EEAB17}"/>
+                <a16:creationId xmlns:a16="http://schemas.microsoft.com/office/drawing/2014/main" id="{4AFD89C6-4107-000D-1E92-3140096901FB}"/>
               </a:ext>
             </a:extLst>
           </p:cNvPr>
           <p:cNvSpPr>
-            <a:spLocks noGrp="1"/>
+            <a:spLocks noGrp="1" noRot="1" noMove="1" noResize="1" noEditPoints="1" noAdjustHandles="1" noChangeArrowheads="1" noChangeShapeType="1"/>
           </p:cNvSpPr>
-          <p:nvPr>
-            <p:ph type="ctrTitle"/>
-          </p:nvPr>
+          <p:nvPr/>
         </p:nvSpPr>
         <p:spPr>
           <a:xfrm>
             <a:off x="0" y="0"/>
-            <a:ext cx="12192000" cy="1223010"/>
+            <a:ext cx="12192000" cy="1212263"/>
           </a:xfrm>
+          <a:prstGeom prst="rect">
+            <a:avLst/>
+          </a:prstGeom>
+          <a:solidFill>
+            <a:schemeClr val="accent1">
+              <a:lumMod val="75000"/>
+            </a:schemeClr>
+          </a:solidFill>
+          <a:ln>
+            <a:solidFill>
+              <a:schemeClr val="accent1">
+                <a:lumMod val="50000"/>
+              </a:schemeClr>
+            </a:solidFill>
+          </a:ln>
         </p:spPr>
-        <p:txBody>
-          <a:bodyPr/>
+        <p:style>
+          <a:lnRef idx="2">
+            <a:schemeClr val="accent1">
+              <a:shade val="15000"/>
+            </a:schemeClr>
+          </a:lnRef>
+          <a:fillRef idx="1">
+            <a:schemeClr val="accent1"/>
+          </a:fillRef>
+          <a:effectRef idx="0">
+            <a:schemeClr val="accent1"/>
+          </a:effectRef>
+          <a:fontRef idx="minor">
+            <a:schemeClr val="lt1"/>
+          </a:fontRef>
+        </p:style>
+        <p:txBody>
+          <a:bodyPr rtlCol="0" anchor="ctr"/>
           <a:lstStyle/>
           <a:p>
-            <a:r>
-              <a:rPr lang="en-GB" dirty="0"/>
-              <a:t>Title and info</a:t>
-            </a:r>
+            <a:pPr algn="ctr"/>
+            <a:endParaRPr lang="en-GB" dirty="0"/>
           </a:p>
         </p:txBody>
       </p:sp>
@@ -3389,74 +3082,710 @@
         </p:nvSpPr>
         <p:spPr>
           <a:xfrm>
-            <a:off x="548011" y="1223010"/>
-            <a:ext cx="3447351" cy="3231654"/>
+            <a:off x="57150" y="1280582"/>
+            <a:ext cx="3960000" cy="2826415"/>
+          </a:xfrm>
+          <a:prstGeom prst="rect">
+            <a:avLst/>
+          </a:prstGeom>
+          <a:solidFill>
+            <a:schemeClr val="accent1">
+              <a:lumMod val="20000"/>
+              <a:lumOff val="80000"/>
+            </a:schemeClr>
+          </a:solidFill>
+          <a:ln w="57150" cmpd="thickThin">
+            <a:solidFill>
+              <a:schemeClr val="accent5">
+                <a:lumMod val="50000"/>
+                <a:alpha val="50000"/>
+              </a:schemeClr>
+            </a:solidFill>
+            <a:extLst>
+              <a:ext uri="{C807C97D-BFC1-408E-A445-0C87EB9F89A2}">
+                <ask:lineSketchStyleProps xmlns:ask="http://schemas.microsoft.com/office/drawing/2018/sketchyshapes" sd="1219033472">
+                  <a:custGeom>
+                    <a:avLst/>
+                    <a:gdLst>
+                      <a:gd name="connsiteX0" fmla="*/ 0 w 3447351"/>
+                      <a:gd name="connsiteY0" fmla="*/ 0 h 3231654"/>
+                      <a:gd name="connsiteX1" fmla="*/ 471138 w 3447351"/>
+                      <a:gd name="connsiteY1" fmla="*/ 0 h 3231654"/>
+                      <a:gd name="connsiteX2" fmla="*/ 1114643 w 3447351"/>
+                      <a:gd name="connsiteY2" fmla="*/ 0 h 3231654"/>
+                      <a:gd name="connsiteX3" fmla="*/ 1723676 w 3447351"/>
+                      <a:gd name="connsiteY3" fmla="*/ 0 h 3231654"/>
+                      <a:gd name="connsiteX4" fmla="*/ 2194813 w 3447351"/>
+                      <a:gd name="connsiteY4" fmla="*/ 0 h 3231654"/>
+                      <a:gd name="connsiteX5" fmla="*/ 2734898 w 3447351"/>
+                      <a:gd name="connsiteY5" fmla="*/ 0 h 3231654"/>
+                      <a:gd name="connsiteX6" fmla="*/ 3447351 w 3447351"/>
+                      <a:gd name="connsiteY6" fmla="*/ 0 h 3231654"/>
+                      <a:gd name="connsiteX7" fmla="*/ 3447351 w 3447351"/>
+                      <a:gd name="connsiteY7" fmla="*/ 538609 h 3231654"/>
+                      <a:gd name="connsiteX8" fmla="*/ 3447351 w 3447351"/>
+                      <a:gd name="connsiteY8" fmla="*/ 1012585 h 3231654"/>
+                      <a:gd name="connsiteX9" fmla="*/ 3447351 w 3447351"/>
+                      <a:gd name="connsiteY9" fmla="*/ 1454244 h 3231654"/>
+                      <a:gd name="connsiteX10" fmla="*/ 3447351 w 3447351"/>
+                      <a:gd name="connsiteY10" fmla="*/ 1928220 h 3231654"/>
+                      <a:gd name="connsiteX11" fmla="*/ 3447351 w 3447351"/>
+                      <a:gd name="connsiteY11" fmla="*/ 2499146 h 3231654"/>
+                      <a:gd name="connsiteX12" fmla="*/ 3447351 w 3447351"/>
+                      <a:gd name="connsiteY12" fmla="*/ 3231654 h 3231654"/>
+                      <a:gd name="connsiteX13" fmla="*/ 2976213 w 3447351"/>
+                      <a:gd name="connsiteY13" fmla="*/ 3231654 h 3231654"/>
+                      <a:gd name="connsiteX14" fmla="*/ 2505075 w 3447351"/>
+                      <a:gd name="connsiteY14" fmla="*/ 3231654 h 3231654"/>
+                      <a:gd name="connsiteX15" fmla="*/ 1896043 w 3447351"/>
+                      <a:gd name="connsiteY15" fmla="*/ 3231654 h 3231654"/>
+                      <a:gd name="connsiteX16" fmla="*/ 1424905 w 3447351"/>
+                      <a:gd name="connsiteY16" fmla="*/ 3231654 h 3231654"/>
+                      <a:gd name="connsiteX17" fmla="*/ 850347 w 3447351"/>
+                      <a:gd name="connsiteY17" fmla="*/ 3231654 h 3231654"/>
+                      <a:gd name="connsiteX18" fmla="*/ 0 w 3447351"/>
+                      <a:gd name="connsiteY18" fmla="*/ 3231654 h 3231654"/>
+                      <a:gd name="connsiteX19" fmla="*/ 0 w 3447351"/>
+                      <a:gd name="connsiteY19" fmla="*/ 2693045 h 3231654"/>
+                      <a:gd name="connsiteX20" fmla="*/ 0 w 3447351"/>
+                      <a:gd name="connsiteY20" fmla="*/ 2154436 h 3231654"/>
+                      <a:gd name="connsiteX21" fmla="*/ 0 w 3447351"/>
+                      <a:gd name="connsiteY21" fmla="*/ 1551194 h 3231654"/>
+                      <a:gd name="connsiteX22" fmla="*/ 0 w 3447351"/>
+                      <a:gd name="connsiteY22" fmla="*/ 1044901 h 3231654"/>
+                      <a:gd name="connsiteX23" fmla="*/ 0 w 3447351"/>
+                      <a:gd name="connsiteY23" fmla="*/ 538609 h 3231654"/>
+                      <a:gd name="connsiteX24" fmla="*/ 0 w 3447351"/>
+                      <a:gd name="connsiteY24" fmla="*/ 0 h 3231654"/>
+                    </a:gdLst>
+                    <a:ahLst/>
+                    <a:cxnLst>
+                      <a:cxn ang="0">
+                        <a:pos x="connsiteX0" y="connsiteY0"/>
+                      </a:cxn>
+                      <a:cxn ang="0">
+                        <a:pos x="connsiteX1" y="connsiteY1"/>
+                      </a:cxn>
+                      <a:cxn ang="0">
+                        <a:pos x="connsiteX2" y="connsiteY2"/>
+                      </a:cxn>
+                      <a:cxn ang="0">
+                        <a:pos x="connsiteX3" y="connsiteY3"/>
+                      </a:cxn>
+                      <a:cxn ang="0">
+                        <a:pos x="connsiteX4" y="connsiteY4"/>
+                      </a:cxn>
+                      <a:cxn ang="0">
+                        <a:pos x="connsiteX5" y="connsiteY5"/>
+                      </a:cxn>
+                      <a:cxn ang="0">
+                        <a:pos x="connsiteX6" y="connsiteY6"/>
+                      </a:cxn>
+                      <a:cxn ang="0">
+                        <a:pos x="connsiteX7" y="connsiteY7"/>
+                      </a:cxn>
+                      <a:cxn ang="0">
+                        <a:pos x="connsiteX8" y="connsiteY8"/>
+                      </a:cxn>
+                      <a:cxn ang="0">
+                        <a:pos x="connsiteX9" y="connsiteY9"/>
+                      </a:cxn>
+                      <a:cxn ang="0">
+                        <a:pos x="connsiteX10" y="connsiteY10"/>
+                      </a:cxn>
+                      <a:cxn ang="0">
+                        <a:pos x="connsiteX11" y="connsiteY11"/>
+                      </a:cxn>
+                      <a:cxn ang="0">
+                        <a:pos x="connsiteX12" y="connsiteY12"/>
+                      </a:cxn>
+                      <a:cxn ang="0">
+                        <a:pos x="connsiteX13" y="connsiteY13"/>
+                      </a:cxn>
+                      <a:cxn ang="0">
+                        <a:pos x="connsiteX14" y="connsiteY14"/>
+                      </a:cxn>
+                      <a:cxn ang="0">
+                        <a:pos x="connsiteX15" y="connsiteY15"/>
+                      </a:cxn>
+                      <a:cxn ang="0">
+                        <a:pos x="connsiteX16" y="connsiteY16"/>
+                      </a:cxn>
+                      <a:cxn ang="0">
+                        <a:pos x="connsiteX17" y="connsiteY17"/>
+                      </a:cxn>
+                      <a:cxn ang="0">
+                        <a:pos x="connsiteX18" y="connsiteY18"/>
+                      </a:cxn>
+                      <a:cxn ang="0">
+                        <a:pos x="connsiteX19" y="connsiteY19"/>
+                      </a:cxn>
+                      <a:cxn ang="0">
+                        <a:pos x="connsiteX20" y="connsiteY20"/>
+                      </a:cxn>
+                      <a:cxn ang="0">
+                        <a:pos x="connsiteX21" y="connsiteY21"/>
+                      </a:cxn>
+                      <a:cxn ang="0">
+                        <a:pos x="connsiteX22" y="connsiteY22"/>
+                      </a:cxn>
+                      <a:cxn ang="0">
+                        <a:pos x="connsiteX23" y="connsiteY23"/>
+                      </a:cxn>
+                      <a:cxn ang="0">
+                        <a:pos x="connsiteX24" y="connsiteY24"/>
+                      </a:cxn>
+                    </a:cxnLst>
+                    <a:rect l="l" t="t" r="r" b="b"/>
+                    <a:pathLst>
+                      <a:path w="3447351" h="3231654" fill="none" extrusionOk="0">
+                        <a:moveTo>
+                          <a:pt x="0" y="0"/>
+                        </a:moveTo>
+                        <a:cubicBezTo>
+                          <a:pt x="202617" y="-38501"/>
+                          <a:pt x="285997" y="13940"/>
+                          <a:pt x="471138" y="0"/>
+                        </a:cubicBezTo>
+                        <a:cubicBezTo>
+                          <a:pt x="656279" y="-13940"/>
+                          <a:pt x="817291" y="59168"/>
+                          <a:pt x="1114643" y="0"/>
+                        </a:cubicBezTo>
+                        <a:cubicBezTo>
+                          <a:pt x="1411995" y="-59168"/>
+                          <a:pt x="1499799" y="47491"/>
+                          <a:pt x="1723676" y="0"/>
+                        </a:cubicBezTo>
+                        <a:cubicBezTo>
+                          <a:pt x="1947553" y="-47491"/>
+                          <a:pt x="2013086" y="38759"/>
+                          <a:pt x="2194813" y="0"/>
+                        </a:cubicBezTo>
+                        <a:cubicBezTo>
+                          <a:pt x="2376540" y="-38759"/>
+                          <a:pt x="2541738" y="1750"/>
+                          <a:pt x="2734898" y="0"/>
+                        </a:cubicBezTo>
+                        <a:cubicBezTo>
+                          <a:pt x="2928059" y="-1750"/>
+                          <a:pt x="3161502" y="82291"/>
+                          <a:pt x="3447351" y="0"/>
+                        </a:cubicBezTo>
+                        <a:cubicBezTo>
+                          <a:pt x="3490015" y="207135"/>
+                          <a:pt x="3414320" y="293708"/>
+                          <a:pt x="3447351" y="538609"/>
+                        </a:cubicBezTo>
+                        <a:cubicBezTo>
+                          <a:pt x="3480382" y="783510"/>
+                          <a:pt x="3419511" y="859737"/>
+                          <a:pt x="3447351" y="1012585"/>
+                        </a:cubicBezTo>
+                        <a:cubicBezTo>
+                          <a:pt x="3475191" y="1165433"/>
+                          <a:pt x="3427395" y="1263319"/>
+                          <a:pt x="3447351" y="1454244"/>
+                        </a:cubicBezTo>
+                        <a:cubicBezTo>
+                          <a:pt x="3467307" y="1645169"/>
+                          <a:pt x="3442103" y="1734714"/>
+                          <a:pt x="3447351" y="1928220"/>
+                        </a:cubicBezTo>
+                        <a:cubicBezTo>
+                          <a:pt x="3452599" y="2121726"/>
+                          <a:pt x="3394624" y="2345628"/>
+                          <a:pt x="3447351" y="2499146"/>
+                        </a:cubicBezTo>
+                        <a:cubicBezTo>
+                          <a:pt x="3500078" y="2652664"/>
+                          <a:pt x="3400934" y="3048573"/>
+                          <a:pt x="3447351" y="3231654"/>
+                        </a:cubicBezTo>
+                        <a:cubicBezTo>
+                          <a:pt x="3332184" y="3280629"/>
+                          <a:pt x="3088320" y="3179403"/>
+                          <a:pt x="2976213" y="3231654"/>
+                        </a:cubicBezTo>
+                        <a:cubicBezTo>
+                          <a:pt x="2864106" y="3283905"/>
+                          <a:pt x="2712431" y="3215636"/>
+                          <a:pt x="2505075" y="3231654"/>
+                        </a:cubicBezTo>
+                        <a:cubicBezTo>
+                          <a:pt x="2297719" y="3247672"/>
+                          <a:pt x="2035543" y="3218695"/>
+                          <a:pt x="1896043" y="3231654"/>
+                        </a:cubicBezTo>
+                        <a:cubicBezTo>
+                          <a:pt x="1756543" y="3244613"/>
+                          <a:pt x="1539554" y="3188205"/>
+                          <a:pt x="1424905" y="3231654"/>
+                        </a:cubicBezTo>
+                        <a:cubicBezTo>
+                          <a:pt x="1310256" y="3275103"/>
+                          <a:pt x="1122117" y="3191936"/>
+                          <a:pt x="850347" y="3231654"/>
+                        </a:cubicBezTo>
+                        <a:cubicBezTo>
+                          <a:pt x="578577" y="3271372"/>
+                          <a:pt x="356669" y="3160269"/>
+                          <a:pt x="0" y="3231654"/>
+                        </a:cubicBezTo>
+                        <a:cubicBezTo>
+                          <a:pt x="-63190" y="3096310"/>
+                          <a:pt x="29888" y="2810014"/>
+                          <a:pt x="0" y="2693045"/>
+                        </a:cubicBezTo>
+                        <a:cubicBezTo>
+                          <a:pt x="-29888" y="2576076"/>
+                          <a:pt x="36511" y="2343962"/>
+                          <a:pt x="0" y="2154436"/>
+                        </a:cubicBezTo>
+                        <a:cubicBezTo>
+                          <a:pt x="-36511" y="1964910"/>
+                          <a:pt x="65838" y="1758956"/>
+                          <a:pt x="0" y="1551194"/>
+                        </a:cubicBezTo>
+                        <a:cubicBezTo>
+                          <a:pt x="-65838" y="1343432"/>
+                          <a:pt x="60058" y="1245117"/>
+                          <a:pt x="0" y="1044901"/>
+                        </a:cubicBezTo>
+                        <a:cubicBezTo>
+                          <a:pt x="-60058" y="844685"/>
+                          <a:pt x="31697" y="687041"/>
+                          <a:pt x="0" y="538609"/>
+                        </a:cubicBezTo>
+                        <a:cubicBezTo>
+                          <a:pt x="-31697" y="390177"/>
+                          <a:pt x="29076" y="258859"/>
+                          <a:pt x="0" y="0"/>
+                        </a:cubicBezTo>
+                        <a:close/>
+                      </a:path>
+                      <a:path w="3447351" h="3231654" stroke="0" extrusionOk="0">
+                        <a:moveTo>
+                          <a:pt x="0" y="0"/>
+                        </a:moveTo>
+                        <a:cubicBezTo>
+                          <a:pt x="252612" y="-34767"/>
+                          <a:pt x="295373" y="63397"/>
+                          <a:pt x="540085" y="0"/>
+                        </a:cubicBezTo>
+                        <a:cubicBezTo>
+                          <a:pt x="784798" y="-63397"/>
+                          <a:pt x="799207" y="29328"/>
+                          <a:pt x="1011223" y="0"/>
+                        </a:cubicBezTo>
+                        <a:cubicBezTo>
+                          <a:pt x="1223239" y="-29328"/>
+                          <a:pt x="1335103" y="33963"/>
+                          <a:pt x="1654728" y="0"/>
+                        </a:cubicBezTo>
+                        <a:cubicBezTo>
+                          <a:pt x="1974353" y="-33963"/>
+                          <a:pt x="2052982" y="60940"/>
+                          <a:pt x="2194813" y="0"/>
+                        </a:cubicBezTo>
+                        <a:cubicBezTo>
+                          <a:pt x="2336645" y="-60940"/>
+                          <a:pt x="2589346" y="63105"/>
+                          <a:pt x="2734898" y="0"/>
+                        </a:cubicBezTo>
+                        <a:cubicBezTo>
+                          <a:pt x="2880450" y="-63105"/>
+                          <a:pt x="3146632" y="57316"/>
+                          <a:pt x="3447351" y="0"/>
+                        </a:cubicBezTo>
+                        <a:cubicBezTo>
+                          <a:pt x="3452612" y="179247"/>
+                          <a:pt x="3429303" y="267860"/>
+                          <a:pt x="3447351" y="473976"/>
+                        </a:cubicBezTo>
+                        <a:cubicBezTo>
+                          <a:pt x="3465399" y="680092"/>
+                          <a:pt x="3443516" y="822397"/>
+                          <a:pt x="3447351" y="1012585"/>
+                        </a:cubicBezTo>
+                        <a:cubicBezTo>
+                          <a:pt x="3451186" y="1202773"/>
+                          <a:pt x="3410607" y="1359367"/>
+                          <a:pt x="3447351" y="1486561"/>
+                        </a:cubicBezTo>
+                        <a:cubicBezTo>
+                          <a:pt x="3484095" y="1613755"/>
+                          <a:pt x="3422779" y="1783261"/>
+                          <a:pt x="3447351" y="1960537"/>
+                        </a:cubicBezTo>
+                        <a:cubicBezTo>
+                          <a:pt x="3471923" y="2137813"/>
+                          <a:pt x="3444785" y="2265381"/>
+                          <a:pt x="3447351" y="2499146"/>
+                        </a:cubicBezTo>
+                        <a:cubicBezTo>
+                          <a:pt x="3449917" y="2732911"/>
+                          <a:pt x="3411884" y="2980010"/>
+                          <a:pt x="3447351" y="3231654"/>
+                        </a:cubicBezTo>
+                        <a:cubicBezTo>
+                          <a:pt x="3325713" y="3268489"/>
+                          <a:pt x="3093879" y="3203295"/>
+                          <a:pt x="2976213" y="3231654"/>
+                        </a:cubicBezTo>
+                        <a:cubicBezTo>
+                          <a:pt x="2858547" y="3260013"/>
+                          <a:pt x="2643384" y="3219798"/>
+                          <a:pt x="2332708" y="3231654"/>
+                        </a:cubicBezTo>
+                        <a:cubicBezTo>
+                          <a:pt x="2022032" y="3243510"/>
+                          <a:pt x="1963606" y="3185379"/>
+                          <a:pt x="1827096" y="3231654"/>
+                        </a:cubicBezTo>
+                        <a:cubicBezTo>
+                          <a:pt x="1690586" y="3277929"/>
+                          <a:pt x="1426047" y="3197462"/>
+                          <a:pt x="1252538" y="3231654"/>
+                        </a:cubicBezTo>
+                        <a:cubicBezTo>
+                          <a:pt x="1079029" y="3265846"/>
+                          <a:pt x="785885" y="3216091"/>
+                          <a:pt x="609032" y="3231654"/>
+                        </a:cubicBezTo>
+                        <a:cubicBezTo>
+                          <a:pt x="432179" y="3247217"/>
+                          <a:pt x="220609" y="3169402"/>
+                          <a:pt x="0" y="3231654"/>
+                        </a:cubicBezTo>
+                        <a:cubicBezTo>
+                          <a:pt x="-29416" y="3102452"/>
+                          <a:pt x="46493" y="2921206"/>
+                          <a:pt x="0" y="2789995"/>
+                        </a:cubicBezTo>
+                        <a:cubicBezTo>
+                          <a:pt x="-46493" y="2658784"/>
+                          <a:pt x="15126" y="2429629"/>
+                          <a:pt x="0" y="2316019"/>
+                        </a:cubicBezTo>
+                        <a:cubicBezTo>
+                          <a:pt x="-15126" y="2202409"/>
+                          <a:pt x="31117" y="2047663"/>
+                          <a:pt x="0" y="1809726"/>
+                        </a:cubicBezTo>
+                        <a:cubicBezTo>
+                          <a:pt x="-31117" y="1571789"/>
+                          <a:pt x="1647" y="1455054"/>
+                          <a:pt x="0" y="1206484"/>
+                        </a:cubicBezTo>
+                        <a:cubicBezTo>
+                          <a:pt x="-1647" y="957914"/>
+                          <a:pt x="40717" y="818700"/>
+                          <a:pt x="0" y="667875"/>
+                        </a:cubicBezTo>
+                        <a:cubicBezTo>
+                          <a:pt x="-40717" y="517050"/>
+                          <a:pt x="69327" y="148129"/>
+                          <a:pt x="0" y="0"/>
+                        </a:cubicBezTo>
+                        <a:close/>
+                      </a:path>
+                    </a:pathLst>
+                  </a:custGeom>
+                  <ask:type>
+                    <ask:lineSketchNone/>
+                  </ask:type>
+                </ask:lineSketchStyleProps>
+              </a:ext>
+            </a:extLst>
+          </a:ln>
+          <a:effectLst>
+            <a:softEdge rad="0"/>
+          </a:effectLst>
+        </p:spPr>
+        <p:txBody>
+          <a:bodyPr wrap="square" rtlCol="0">
+            <a:spAutoFit/>
+          </a:bodyPr>
+          <a:lstStyle/>
+          <a:p>
+            <a:pPr algn="ctr">
+              <a:spcAft>
+                <a:spcPts val="400"/>
+              </a:spcAft>
+            </a:pPr>
+            <a:r>
+              <a:rPr lang="en-GB" sz="1400" u="sng" dirty="0">
+                <a:latin typeface="Amasis MT Pro Light" panose="02040304050005020304" pitchFamily="18" charset="0"/>
+              </a:rPr>
+              <a:t>Introduction</a:t>
+            </a:r>
+          </a:p>
+          <a:p>
+            <a:pPr algn="just">
+              <a:spcAft>
+                <a:spcPts val="400"/>
+              </a:spcAft>
+            </a:pPr>
+            <a:r>
+              <a:rPr lang="en-GB" sz="1050" b="1" dirty="0">
+                <a:latin typeface="Amasis MT Pro Light" panose="02040304050005020304" pitchFamily="18" charset="0"/>
+              </a:rPr>
+              <a:t>Data visualisations </a:t>
+            </a:r>
+            <a:r>
+              <a:rPr lang="en-GB" sz="1050" dirty="0">
+                <a:latin typeface="Amasis MT Pro Light" panose="02040304050005020304" pitchFamily="18" charset="0"/>
+              </a:rPr>
+              <a:t>are becoming increasingly prevalent in more industries and has traditionally played a pivotal role in financial reporting. The utilisation of data visualisations in financial reporting facilitates a clear and concise understanding of intricate financial information</a:t>
+            </a:r>
+          </a:p>
+          <a:p>
+            <a:pPr algn="just">
+              <a:spcAft>
+                <a:spcPts val="400"/>
+              </a:spcAft>
+            </a:pPr>
+            <a:r>
+              <a:rPr lang="en-GB" sz="1050" dirty="0">
+                <a:latin typeface="Amasis MT Pro Light" panose="02040304050005020304" pitchFamily="18" charset="0"/>
+              </a:rPr>
+              <a:t>This study examines how data visualisations affect financial reporting by analysing participants' eye gaze data</a:t>
+            </a:r>
+          </a:p>
+          <a:p>
+            <a:pPr algn="just">
+              <a:spcAft>
+                <a:spcPts val="400"/>
+              </a:spcAft>
+            </a:pPr>
+            <a:r>
+              <a:rPr lang="en-GB" sz="1050" dirty="0">
+                <a:latin typeface="Amasis MT Pro Light" panose="02040304050005020304" pitchFamily="18" charset="0"/>
+              </a:rPr>
+              <a:t>Impact of financial data</a:t>
+            </a:r>
+          </a:p>
+          <a:p>
+            <a:pPr marL="171450" indent="-171450" algn="just">
+              <a:spcAft>
+                <a:spcPts val="400"/>
+              </a:spcAft>
+              <a:buFont typeface="Arial" panose="020B0604020202020204" pitchFamily="34" charset="0"/>
+              <a:buChar char="•"/>
+            </a:pPr>
+            <a:r>
+              <a:rPr lang="en-GB" sz="1050" b="1" dirty="0">
+                <a:latin typeface="Amasis MT Pro Light" panose="02040304050005020304" pitchFamily="18" charset="0"/>
+              </a:rPr>
+              <a:t>Assessing Profitability</a:t>
+            </a:r>
+            <a:r>
+              <a:rPr lang="en-GB" sz="1050" dirty="0">
+                <a:latin typeface="Amasis MT Pro Light" panose="02040304050005020304" pitchFamily="18" charset="0"/>
+              </a:rPr>
+              <a:t>: The income statement reveals if a company is making a profit or loss, providing critical insights into its financial health</a:t>
+            </a:r>
+          </a:p>
+          <a:p>
+            <a:pPr marL="171450" indent="-171450" algn="just">
+              <a:spcAft>
+                <a:spcPts val="400"/>
+              </a:spcAft>
+              <a:buFont typeface="Arial" panose="020B0604020202020204" pitchFamily="34" charset="0"/>
+              <a:buChar char="•"/>
+            </a:pPr>
+            <a:r>
+              <a:rPr lang="en-GB" sz="1050" b="1" dirty="0">
+                <a:latin typeface="Amasis MT Pro Light" panose="02040304050005020304" pitchFamily="18" charset="0"/>
+              </a:rPr>
+              <a:t>Financial Decision Making</a:t>
+            </a:r>
+            <a:r>
+              <a:rPr lang="en-GB" sz="1050" dirty="0">
+                <a:latin typeface="Amasis MT Pro Light" panose="02040304050005020304" pitchFamily="18" charset="0"/>
+              </a:rPr>
+              <a:t>: Understanding the  income statement helps in informed financial decision-making, including identifying revenue drivers and cost components</a:t>
+            </a:r>
+          </a:p>
+        </p:txBody>
+      </p:sp>
+      <p:sp>
+        <p:nvSpPr>
+          <p:cNvPr id="3" name="Rectangle 2">
+            <a:extLst>
+              <a:ext uri="{FF2B5EF4-FFF2-40B4-BE49-F238E27FC236}">
+                <a16:creationId xmlns:a16="http://schemas.microsoft.com/office/drawing/2014/main" id="{AD986106-BC7E-0ADB-AE5A-C5228D9BEB31}"/>
+              </a:ext>
+            </a:extLst>
+          </p:cNvPr>
+          <p:cNvSpPr/>
+          <p:nvPr/>
+        </p:nvSpPr>
+        <p:spPr>
+          <a:xfrm>
+            <a:off x="1497210" y="80226"/>
+            <a:ext cx="9197580" cy="1077218"/>
           </a:xfrm>
           <a:prstGeom prst="rect">
             <a:avLst/>
           </a:prstGeom>
           <a:noFill/>
-          <a:ln>
-            <a:solidFill>
-              <a:schemeClr val="tx1"/>
-            </a:solidFill>
-          </a:ln>
         </p:spPr>
         <p:txBody>
-          <a:bodyPr wrap="square" rtlCol="0">
+          <a:bodyPr wrap="square" lIns="91440" tIns="45720" rIns="91440" bIns="45720">
             <a:spAutoFit/>
           </a:bodyPr>
           <a:lstStyle/>
           <a:p>
-            <a:r>
-              <a:rPr lang="en-GB" sz="1200" dirty="0"/>
-              <a:t>Intro</a:t>
-            </a:r>
-          </a:p>
-          <a:p>
-            <a:r>
-              <a:rPr lang="en-GB" sz="1200" dirty="0"/>
-              <a:t>- The study examines how data visualizations affect financial reporting by analysing participants' eye gaze data.</a:t>
-            </a:r>
-          </a:p>
-          <a:p>
-            <a:r>
-              <a:rPr lang="en-GB" sz="1200" dirty="0"/>
-              <a:t>- Three images are presented to participants: a standard income statement and two visual representations of the same data.</a:t>
-            </a:r>
-          </a:p>
-          <a:p>
-            <a:endParaRPr lang="en-GB" sz="1200" dirty="0"/>
-          </a:p>
-          <a:p>
-            <a:r>
-              <a:rPr lang="en-GB" sz="1200" dirty="0"/>
-              <a:t>Impact of financial data</a:t>
-            </a:r>
-          </a:p>
-          <a:p>
-            <a:r>
-              <a:rPr lang="en-GB" sz="1200" dirty="0"/>
-              <a:t>- Assessing Profitability: The P&amp;L statement reveals if a company is making a profit or loss, providing critical insights into its financial health.</a:t>
-            </a:r>
-          </a:p>
-          <a:p>
-            <a:r>
-              <a:rPr lang="en-GB" sz="1200" dirty="0"/>
-              <a:t>- Financial Decision Making: Understanding the P&amp;L statement helps in informed financial decision-making, including identifying revenue drivers and cost components.</a:t>
-            </a:r>
-          </a:p>
-          <a:p>
-            <a:endParaRPr lang="en-GB" sz="1200" dirty="0"/>
-          </a:p>
-        </p:txBody>
-      </p:sp>
-      <p:sp>
-        <p:nvSpPr>
-          <p:cNvPr id="5" name="TextBox 4">
+            <a:pPr algn="ctr"/>
+            <a:r>
+              <a:rPr lang="en-GB" sz="3200" b="0" cap="none" spc="0" dirty="0">
+                <a:ln w="0"/>
+                <a:solidFill>
+                  <a:schemeClr val="bg1"/>
+                </a:solidFill>
+                <a:effectLst>
+                  <a:outerShdw blurRad="38100" dist="25400" dir="5400000" algn="ctr" rotWithShape="0">
+                    <a:srgbClr val="6E747A">
+                      <a:alpha val="43000"/>
+                    </a:srgbClr>
+                  </a:outerShdw>
+                </a:effectLst>
+                <a:latin typeface="Amasis MT Pro Light" panose="02040304050005020304" pitchFamily="18" charset="0"/>
+              </a:rPr>
+              <a:t>Compare The Ocular Behaviour of Novices and Visualisation Experts </a:t>
+            </a:r>
+          </a:p>
+        </p:txBody>
+      </p:sp>
+      <p:sp>
+        <p:nvSpPr>
+          <p:cNvPr id="14" name="Rectangle 13">
             <a:extLst>
               <a:ext uri="{FF2B5EF4-FFF2-40B4-BE49-F238E27FC236}">
-                <a16:creationId xmlns:a16="http://schemas.microsoft.com/office/drawing/2014/main" id="{EB09FD2A-4414-2B1C-7857-5B69E52CE172}"/>
+                <a16:creationId xmlns:a16="http://schemas.microsoft.com/office/drawing/2014/main" id="{0AAA521A-8632-E446-3ECF-9D6AEE1D2DFD}"/>
+              </a:ext>
+            </a:extLst>
+          </p:cNvPr>
+          <p:cNvSpPr/>
+          <p:nvPr/>
+        </p:nvSpPr>
+        <p:spPr>
+          <a:xfrm>
+            <a:off x="0" y="156008"/>
+            <a:ext cx="1631949" cy="900246"/>
+          </a:xfrm>
+          <a:prstGeom prst="rect">
+            <a:avLst/>
+          </a:prstGeom>
+          <a:noFill/>
+        </p:spPr>
+        <p:txBody>
+          <a:bodyPr wrap="square" lIns="91440" tIns="45720" rIns="91440" bIns="45720">
+            <a:spAutoFit/>
+          </a:bodyPr>
+          <a:lstStyle/>
+          <a:p>
+            <a:r>
+              <a:rPr lang="en-GB" sz="1050" b="0" cap="none" spc="0" dirty="0">
+                <a:ln w="0"/>
+                <a:solidFill>
+                  <a:schemeClr val="bg1"/>
+                </a:solidFill>
+                <a:effectLst>
+                  <a:outerShdw blurRad="38100" dist="25400" dir="5400000" algn="ctr" rotWithShape="0">
+                    <a:srgbClr val="6E747A">
+                      <a:alpha val="43000"/>
+                    </a:srgbClr>
+                  </a:outerShdw>
+                </a:effectLst>
+                <a:latin typeface="Amasis MT Pro Light" panose="02040304050005020304" pitchFamily="18" charset="0"/>
+              </a:rPr>
+              <a:t>Harvey Yuan</a:t>
+            </a:r>
+          </a:p>
+          <a:p>
+            <a:endParaRPr lang="en-GB" sz="1050" b="0" cap="none" spc="0" dirty="0">
+              <a:ln w="0"/>
+              <a:solidFill>
+                <a:schemeClr val="bg1"/>
+              </a:solidFill>
+              <a:effectLst>
+                <a:outerShdw blurRad="38100" dist="25400" dir="5400000" algn="ctr" rotWithShape="0">
+                  <a:srgbClr val="6E747A">
+                    <a:alpha val="43000"/>
+                  </a:srgbClr>
+                </a:outerShdw>
+              </a:effectLst>
+              <a:latin typeface="Amasis MT Pro Light" panose="02040304050005020304" pitchFamily="18" charset="0"/>
+            </a:endParaRPr>
+          </a:p>
+          <a:p>
+            <a:r>
+              <a:rPr lang="en-GB" sz="1050" b="0" cap="none" spc="0" dirty="0">
+                <a:ln w="0"/>
+                <a:solidFill>
+                  <a:schemeClr val="bg1"/>
+                </a:solidFill>
+                <a:effectLst>
+                  <a:outerShdw blurRad="38100" dist="25400" dir="5400000" algn="ctr" rotWithShape="0">
+                    <a:srgbClr val="6E747A">
+                      <a:alpha val="43000"/>
+                    </a:srgbClr>
+                  </a:outerShdw>
+                </a:effectLst>
+                <a:latin typeface="Amasis MT Pro Light" panose="02040304050005020304" pitchFamily="18" charset="0"/>
+              </a:rPr>
+              <a:t>CSC8639</a:t>
+            </a:r>
+          </a:p>
+          <a:p>
+            <a:r>
+              <a:rPr lang="en-GB" sz="1050" dirty="0">
+                <a:ln w="0"/>
+                <a:solidFill>
+                  <a:schemeClr val="bg1"/>
+                </a:solidFill>
+                <a:effectLst>
+                  <a:outerShdw blurRad="38100" dist="25400" dir="5400000" algn="ctr" rotWithShape="0">
+                    <a:srgbClr val="6E747A">
+                      <a:alpha val="43000"/>
+                    </a:srgbClr>
+                  </a:outerShdw>
+                </a:effectLst>
+                <a:latin typeface="Amasis MT Pro Light" panose="02040304050005020304" pitchFamily="18" charset="0"/>
+              </a:rPr>
+              <a:t>Supervisor – Alma Cantu</a:t>
+            </a:r>
+          </a:p>
+          <a:p>
+            <a:r>
+              <a:rPr lang="en-GB" sz="1050" dirty="0">
+                <a:ln w="0"/>
+                <a:solidFill>
+                  <a:schemeClr val="bg1"/>
+                </a:solidFill>
+                <a:effectLst>
+                  <a:outerShdw blurRad="38100" dist="25400" dir="5400000" algn="ctr" rotWithShape="0">
+                    <a:srgbClr val="6E747A">
+                      <a:alpha val="43000"/>
+                    </a:srgbClr>
+                  </a:outerShdw>
+                </a:effectLst>
+                <a:latin typeface="Amasis MT Pro Light" panose="02040304050005020304" pitchFamily="18" charset="0"/>
+              </a:rPr>
+              <a:t>Newcastle University</a:t>
+            </a:r>
+          </a:p>
+        </p:txBody>
+      </p:sp>
+      <p:sp>
+        <p:nvSpPr>
+          <p:cNvPr id="17" name="TextBox 16">
+            <a:extLst>
+              <a:ext uri="{FF2B5EF4-FFF2-40B4-BE49-F238E27FC236}">
+                <a16:creationId xmlns:a16="http://schemas.microsoft.com/office/drawing/2014/main" id="{CB9EE6CD-950D-3814-6695-70A343F3D168}"/>
               </a:ext>
             </a:extLst>
           </p:cNvPr>
@@ -3465,18 +3794,426 @@
         </p:nvSpPr>
         <p:spPr>
           <a:xfrm>
-            <a:off x="548011" y="4585797"/>
-            <a:ext cx="3447351" cy="1754326"/>
+            <a:off x="57150" y="4180931"/>
+            <a:ext cx="3960000" cy="2405787"/>
           </a:xfrm>
           <a:prstGeom prst="rect">
             <a:avLst/>
           </a:prstGeom>
-          <a:noFill/>
-          <a:ln>
+          <a:solidFill>
+            <a:schemeClr val="accent1">
+              <a:lumMod val="20000"/>
+              <a:lumOff val="80000"/>
+            </a:schemeClr>
+          </a:solidFill>
+          <a:ln w="57150" cmpd="thickThin">
             <a:solidFill>
-              <a:schemeClr val="tx1"/>
+              <a:schemeClr val="accent5">
+                <a:lumMod val="50000"/>
+                <a:alpha val="50000"/>
+              </a:schemeClr>
             </a:solidFill>
+            <a:extLst>
+              <a:ext uri="{C807C97D-BFC1-408E-A445-0C87EB9F89A2}">
+                <ask:lineSketchStyleProps xmlns:ask="http://schemas.microsoft.com/office/drawing/2018/sketchyshapes" sd="1219033472">
+                  <a:custGeom>
+                    <a:avLst/>
+                    <a:gdLst>
+                      <a:gd name="connsiteX0" fmla="*/ 0 w 3447351"/>
+                      <a:gd name="connsiteY0" fmla="*/ 0 h 3231654"/>
+                      <a:gd name="connsiteX1" fmla="*/ 471138 w 3447351"/>
+                      <a:gd name="connsiteY1" fmla="*/ 0 h 3231654"/>
+                      <a:gd name="connsiteX2" fmla="*/ 1114643 w 3447351"/>
+                      <a:gd name="connsiteY2" fmla="*/ 0 h 3231654"/>
+                      <a:gd name="connsiteX3" fmla="*/ 1723676 w 3447351"/>
+                      <a:gd name="connsiteY3" fmla="*/ 0 h 3231654"/>
+                      <a:gd name="connsiteX4" fmla="*/ 2194813 w 3447351"/>
+                      <a:gd name="connsiteY4" fmla="*/ 0 h 3231654"/>
+                      <a:gd name="connsiteX5" fmla="*/ 2734898 w 3447351"/>
+                      <a:gd name="connsiteY5" fmla="*/ 0 h 3231654"/>
+                      <a:gd name="connsiteX6" fmla="*/ 3447351 w 3447351"/>
+                      <a:gd name="connsiteY6" fmla="*/ 0 h 3231654"/>
+                      <a:gd name="connsiteX7" fmla="*/ 3447351 w 3447351"/>
+                      <a:gd name="connsiteY7" fmla="*/ 538609 h 3231654"/>
+                      <a:gd name="connsiteX8" fmla="*/ 3447351 w 3447351"/>
+                      <a:gd name="connsiteY8" fmla="*/ 1012585 h 3231654"/>
+                      <a:gd name="connsiteX9" fmla="*/ 3447351 w 3447351"/>
+                      <a:gd name="connsiteY9" fmla="*/ 1454244 h 3231654"/>
+                      <a:gd name="connsiteX10" fmla="*/ 3447351 w 3447351"/>
+                      <a:gd name="connsiteY10" fmla="*/ 1928220 h 3231654"/>
+                      <a:gd name="connsiteX11" fmla="*/ 3447351 w 3447351"/>
+                      <a:gd name="connsiteY11" fmla="*/ 2499146 h 3231654"/>
+                      <a:gd name="connsiteX12" fmla="*/ 3447351 w 3447351"/>
+                      <a:gd name="connsiteY12" fmla="*/ 3231654 h 3231654"/>
+                      <a:gd name="connsiteX13" fmla="*/ 2976213 w 3447351"/>
+                      <a:gd name="connsiteY13" fmla="*/ 3231654 h 3231654"/>
+                      <a:gd name="connsiteX14" fmla="*/ 2505075 w 3447351"/>
+                      <a:gd name="connsiteY14" fmla="*/ 3231654 h 3231654"/>
+                      <a:gd name="connsiteX15" fmla="*/ 1896043 w 3447351"/>
+                      <a:gd name="connsiteY15" fmla="*/ 3231654 h 3231654"/>
+                      <a:gd name="connsiteX16" fmla="*/ 1424905 w 3447351"/>
+                      <a:gd name="connsiteY16" fmla="*/ 3231654 h 3231654"/>
+                      <a:gd name="connsiteX17" fmla="*/ 850347 w 3447351"/>
+                      <a:gd name="connsiteY17" fmla="*/ 3231654 h 3231654"/>
+                      <a:gd name="connsiteX18" fmla="*/ 0 w 3447351"/>
+                      <a:gd name="connsiteY18" fmla="*/ 3231654 h 3231654"/>
+                      <a:gd name="connsiteX19" fmla="*/ 0 w 3447351"/>
+                      <a:gd name="connsiteY19" fmla="*/ 2693045 h 3231654"/>
+                      <a:gd name="connsiteX20" fmla="*/ 0 w 3447351"/>
+                      <a:gd name="connsiteY20" fmla="*/ 2154436 h 3231654"/>
+                      <a:gd name="connsiteX21" fmla="*/ 0 w 3447351"/>
+                      <a:gd name="connsiteY21" fmla="*/ 1551194 h 3231654"/>
+                      <a:gd name="connsiteX22" fmla="*/ 0 w 3447351"/>
+                      <a:gd name="connsiteY22" fmla="*/ 1044901 h 3231654"/>
+                      <a:gd name="connsiteX23" fmla="*/ 0 w 3447351"/>
+                      <a:gd name="connsiteY23" fmla="*/ 538609 h 3231654"/>
+                      <a:gd name="connsiteX24" fmla="*/ 0 w 3447351"/>
+                      <a:gd name="connsiteY24" fmla="*/ 0 h 3231654"/>
+                    </a:gdLst>
+                    <a:ahLst/>
+                    <a:cxnLst>
+                      <a:cxn ang="0">
+                        <a:pos x="connsiteX0" y="connsiteY0"/>
+                      </a:cxn>
+                      <a:cxn ang="0">
+                        <a:pos x="connsiteX1" y="connsiteY1"/>
+                      </a:cxn>
+                      <a:cxn ang="0">
+                        <a:pos x="connsiteX2" y="connsiteY2"/>
+                      </a:cxn>
+                      <a:cxn ang="0">
+                        <a:pos x="connsiteX3" y="connsiteY3"/>
+                      </a:cxn>
+                      <a:cxn ang="0">
+                        <a:pos x="connsiteX4" y="connsiteY4"/>
+                      </a:cxn>
+                      <a:cxn ang="0">
+                        <a:pos x="connsiteX5" y="connsiteY5"/>
+                      </a:cxn>
+                      <a:cxn ang="0">
+                        <a:pos x="connsiteX6" y="connsiteY6"/>
+                      </a:cxn>
+                      <a:cxn ang="0">
+                        <a:pos x="connsiteX7" y="connsiteY7"/>
+                      </a:cxn>
+                      <a:cxn ang="0">
+                        <a:pos x="connsiteX8" y="connsiteY8"/>
+                      </a:cxn>
+                      <a:cxn ang="0">
+                        <a:pos x="connsiteX9" y="connsiteY9"/>
+                      </a:cxn>
+                      <a:cxn ang="0">
+                        <a:pos x="connsiteX10" y="connsiteY10"/>
+                      </a:cxn>
+                      <a:cxn ang="0">
+                        <a:pos x="connsiteX11" y="connsiteY11"/>
+                      </a:cxn>
+                      <a:cxn ang="0">
+                        <a:pos x="connsiteX12" y="connsiteY12"/>
+                      </a:cxn>
+                      <a:cxn ang="0">
+                        <a:pos x="connsiteX13" y="connsiteY13"/>
+                      </a:cxn>
+                      <a:cxn ang="0">
+                        <a:pos x="connsiteX14" y="connsiteY14"/>
+                      </a:cxn>
+                      <a:cxn ang="0">
+                        <a:pos x="connsiteX15" y="connsiteY15"/>
+                      </a:cxn>
+                      <a:cxn ang="0">
+                        <a:pos x="connsiteX16" y="connsiteY16"/>
+                      </a:cxn>
+                      <a:cxn ang="0">
+                        <a:pos x="connsiteX17" y="connsiteY17"/>
+                      </a:cxn>
+                      <a:cxn ang="0">
+                        <a:pos x="connsiteX18" y="connsiteY18"/>
+                      </a:cxn>
+                      <a:cxn ang="0">
+                        <a:pos x="connsiteX19" y="connsiteY19"/>
+                      </a:cxn>
+                      <a:cxn ang="0">
+                        <a:pos x="connsiteX20" y="connsiteY20"/>
+                      </a:cxn>
+                      <a:cxn ang="0">
+                        <a:pos x="connsiteX21" y="connsiteY21"/>
+                      </a:cxn>
+                      <a:cxn ang="0">
+                        <a:pos x="connsiteX22" y="connsiteY22"/>
+                      </a:cxn>
+                      <a:cxn ang="0">
+                        <a:pos x="connsiteX23" y="connsiteY23"/>
+                      </a:cxn>
+                      <a:cxn ang="0">
+                        <a:pos x="connsiteX24" y="connsiteY24"/>
+                      </a:cxn>
+                    </a:cxnLst>
+                    <a:rect l="l" t="t" r="r" b="b"/>
+                    <a:pathLst>
+                      <a:path w="3447351" h="3231654" fill="none" extrusionOk="0">
+                        <a:moveTo>
+                          <a:pt x="0" y="0"/>
+                        </a:moveTo>
+                        <a:cubicBezTo>
+                          <a:pt x="202617" y="-38501"/>
+                          <a:pt x="285997" y="13940"/>
+                          <a:pt x="471138" y="0"/>
+                        </a:cubicBezTo>
+                        <a:cubicBezTo>
+                          <a:pt x="656279" y="-13940"/>
+                          <a:pt x="817291" y="59168"/>
+                          <a:pt x="1114643" y="0"/>
+                        </a:cubicBezTo>
+                        <a:cubicBezTo>
+                          <a:pt x="1411995" y="-59168"/>
+                          <a:pt x="1499799" y="47491"/>
+                          <a:pt x="1723676" y="0"/>
+                        </a:cubicBezTo>
+                        <a:cubicBezTo>
+                          <a:pt x="1947553" y="-47491"/>
+                          <a:pt x="2013086" y="38759"/>
+                          <a:pt x="2194813" y="0"/>
+                        </a:cubicBezTo>
+                        <a:cubicBezTo>
+                          <a:pt x="2376540" y="-38759"/>
+                          <a:pt x="2541738" y="1750"/>
+                          <a:pt x="2734898" y="0"/>
+                        </a:cubicBezTo>
+                        <a:cubicBezTo>
+                          <a:pt x="2928059" y="-1750"/>
+                          <a:pt x="3161502" y="82291"/>
+                          <a:pt x="3447351" y="0"/>
+                        </a:cubicBezTo>
+                        <a:cubicBezTo>
+                          <a:pt x="3490015" y="207135"/>
+                          <a:pt x="3414320" y="293708"/>
+                          <a:pt x="3447351" y="538609"/>
+                        </a:cubicBezTo>
+                        <a:cubicBezTo>
+                          <a:pt x="3480382" y="783510"/>
+                          <a:pt x="3419511" y="859737"/>
+                          <a:pt x="3447351" y="1012585"/>
+                        </a:cubicBezTo>
+                        <a:cubicBezTo>
+                          <a:pt x="3475191" y="1165433"/>
+                          <a:pt x="3427395" y="1263319"/>
+                          <a:pt x="3447351" y="1454244"/>
+                        </a:cubicBezTo>
+                        <a:cubicBezTo>
+                          <a:pt x="3467307" y="1645169"/>
+                          <a:pt x="3442103" y="1734714"/>
+                          <a:pt x="3447351" y="1928220"/>
+                        </a:cubicBezTo>
+                        <a:cubicBezTo>
+                          <a:pt x="3452599" y="2121726"/>
+                          <a:pt x="3394624" y="2345628"/>
+                          <a:pt x="3447351" y="2499146"/>
+                        </a:cubicBezTo>
+                        <a:cubicBezTo>
+                          <a:pt x="3500078" y="2652664"/>
+                          <a:pt x="3400934" y="3048573"/>
+                          <a:pt x="3447351" y="3231654"/>
+                        </a:cubicBezTo>
+                        <a:cubicBezTo>
+                          <a:pt x="3332184" y="3280629"/>
+                          <a:pt x="3088320" y="3179403"/>
+                          <a:pt x="2976213" y="3231654"/>
+                        </a:cubicBezTo>
+                        <a:cubicBezTo>
+                          <a:pt x="2864106" y="3283905"/>
+                          <a:pt x="2712431" y="3215636"/>
+                          <a:pt x="2505075" y="3231654"/>
+                        </a:cubicBezTo>
+                        <a:cubicBezTo>
+                          <a:pt x="2297719" y="3247672"/>
+                          <a:pt x="2035543" y="3218695"/>
+                          <a:pt x="1896043" y="3231654"/>
+                        </a:cubicBezTo>
+                        <a:cubicBezTo>
+                          <a:pt x="1756543" y="3244613"/>
+                          <a:pt x="1539554" y="3188205"/>
+                          <a:pt x="1424905" y="3231654"/>
+                        </a:cubicBezTo>
+                        <a:cubicBezTo>
+                          <a:pt x="1310256" y="3275103"/>
+                          <a:pt x="1122117" y="3191936"/>
+                          <a:pt x="850347" y="3231654"/>
+                        </a:cubicBezTo>
+                        <a:cubicBezTo>
+                          <a:pt x="578577" y="3271372"/>
+                          <a:pt x="356669" y="3160269"/>
+                          <a:pt x="0" y="3231654"/>
+                        </a:cubicBezTo>
+                        <a:cubicBezTo>
+                          <a:pt x="-63190" y="3096310"/>
+                          <a:pt x="29888" y="2810014"/>
+                          <a:pt x="0" y="2693045"/>
+                        </a:cubicBezTo>
+                        <a:cubicBezTo>
+                          <a:pt x="-29888" y="2576076"/>
+                          <a:pt x="36511" y="2343962"/>
+                          <a:pt x="0" y="2154436"/>
+                        </a:cubicBezTo>
+                        <a:cubicBezTo>
+                          <a:pt x="-36511" y="1964910"/>
+                          <a:pt x="65838" y="1758956"/>
+                          <a:pt x="0" y="1551194"/>
+                        </a:cubicBezTo>
+                        <a:cubicBezTo>
+                          <a:pt x="-65838" y="1343432"/>
+                          <a:pt x="60058" y="1245117"/>
+                          <a:pt x="0" y="1044901"/>
+                        </a:cubicBezTo>
+                        <a:cubicBezTo>
+                          <a:pt x="-60058" y="844685"/>
+                          <a:pt x="31697" y="687041"/>
+                          <a:pt x="0" y="538609"/>
+                        </a:cubicBezTo>
+                        <a:cubicBezTo>
+                          <a:pt x="-31697" y="390177"/>
+                          <a:pt x="29076" y="258859"/>
+                          <a:pt x="0" y="0"/>
+                        </a:cubicBezTo>
+                        <a:close/>
+                      </a:path>
+                      <a:path w="3447351" h="3231654" stroke="0" extrusionOk="0">
+                        <a:moveTo>
+                          <a:pt x="0" y="0"/>
+                        </a:moveTo>
+                        <a:cubicBezTo>
+                          <a:pt x="252612" y="-34767"/>
+                          <a:pt x="295373" y="63397"/>
+                          <a:pt x="540085" y="0"/>
+                        </a:cubicBezTo>
+                        <a:cubicBezTo>
+                          <a:pt x="784798" y="-63397"/>
+                          <a:pt x="799207" y="29328"/>
+                          <a:pt x="1011223" y="0"/>
+                        </a:cubicBezTo>
+                        <a:cubicBezTo>
+                          <a:pt x="1223239" y="-29328"/>
+                          <a:pt x="1335103" y="33963"/>
+                          <a:pt x="1654728" y="0"/>
+                        </a:cubicBezTo>
+                        <a:cubicBezTo>
+                          <a:pt x="1974353" y="-33963"/>
+                          <a:pt x="2052982" y="60940"/>
+                          <a:pt x="2194813" y="0"/>
+                        </a:cubicBezTo>
+                        <a:cubicBezTo>
+                          <a:pt x="2336645" y="-60940"/>
+                          <a:pt x="2589346" y="63105"/>
+                          <a:pt x="2734898" y="0"/>
+                        </a:cubicBezTo>
+                        <a:cubicBezTo>
+                          <a:pt x="2880450" y="-63105"/>
+                          <a:pt x="3146632" y="57316"/>
+                          <a:pt x="3447351" y="0"/>
+                        </a:cubicBezTo>
+                        <a:cubicBezTo>
+                          <a:pt x="3452612" y="179247"/>
+                          <a:pt x="3429303" y="267860"/>
+                          <a:pt x="3447351" y="473976"/>
+                        </a:cubicBezTo>
+                        <a:cubicBezTo>
+                          <a:pt x="3465399" y="680092"/>
+                          <a:pt x="3443516" y="822397"/>
+                          <a:pt x="3447351" y="1012585"/>
+                        </a:cubicBezTo>
+                        <a:cubicBezTo>
+                          <a:pt x="3451186" y="1202773"/>
+                          <a:pt x="3410607" y="1359367"/>
+                          <a:pt x="3447351" y="1486561"/>
+                        </a:cubicBezTo>
+                        <a:cubicBezTo>
+                          <a:pt x="3484095" y="1613755"/>
+                          <a:pt x="3422779" y="1783261"/>
+                          <a:pt x="3447351" y="1960537"/>
+                        </a:cubicBezTo>
+                        <a:cubicBezTo>
+                          <a:pt x="3471923" y="2137813"/>
+                          <a:pt x="3444785" y="2265381"/>
+                          <a:pt x="3447351" y="2499146"/>
+                        </a:cubicBezTo>
+                        <a:cubicBezTo>
+                          <a:pt x="3449917" y="2732911"/>
+                          <a:pt x="3411884" y="2980010"/>
+                          <a:pt x="3447351" y="3231654"/>
+                        </a:cubicBezTo>
+                        <a:cubicBezTo>
+                          <a:pt x="3325713" y="3268489"/>
+                          <a:pt x="3093879" y="3203295"/>
+                          <a:pt x="2976213" y="3231654"/>
+                        </a:cubicBezTo>
+                        <a:cubicBezTo>
+                          <a:pt x="2858547" y="3260013"/>
+                          <a:pt x="2643384" y="3219798"/>
+                          <a:pt x="2332708" y="3231654"/>
+                        </a:cubicBezTo>
+                        <a:cubicBezTo>
+                          <a:pt x="2022032" y="3243510"/>
+                          <a:pt x="1963606" y="3185379"/>
+                          <a:pt x="1827096" y="3231654"/>
+                        </a:cubicBezTo>
+                        <a:cubicBezTo>
+                          <a:pt x="1690586" y="3277929"/>
+                          <a:pt x="1426047" y="3197462"/>
+                          <a:pt x="1252538" y="3231654"/>
+                        </a:cubicBezTo>
+                        <a:cubicBezTo>
+                          <a:pt x="1079029" y="3265846"/>
+                          <a:pt x="785885" y="3216091"/>
+                          <a:pt x="609032" y="3231654"/>
+                        </a:cubicBezTo>
+                        <a:cubicBezTo>
+                          <a:pt x="432179" y="3247217"/>
+                          <a:pt x="220609" y="3169402"/>
+                          <a:pt x="0" y="3231654"/>
+                        </a:cubicBezTo>
+                        <a:cubicBezTo>
+                          <a:pt x="-29416" y="3102452"/>
+                          <a:pt x="46493" y="2921206"/>
+                          <a:pt x="0" y="2789995"/>
+                        </a:cubicBezTo>
+                        <a:cubicBezTo>
+                          <a:pt x="-46493" y="2658784"/>
+                          <a:pt x="15126" y="2429629"/>
+                          <a:pt x="0" y="2316019"/>
+                        </a:cubicBezTo>
+                        <a:cubicBezTo>
+                          <a:pt x="-15126" y="2202409"/>
+                          <a:pt x="31117" y="2047663"/>
+                          <a:pt x="0" y="1809726"/>
+                        </a:cubicBezTo>
+                        <a:cubicBezTo>
+                          <a:pt x="-31117" y="1571789"/>
+                          <a:pt x="1647" y="1455054"/>
+                          <a:pt x="0" y="1206484"/>
+                        </a:cubicBezTo>
+                        <a:cubicBezTo>
+                          <a:pt x="-1647" y="957914"/>
+                          <a:pt x="40717" y="818700"/>
+                          <a:pt x="0" y="667875"/>
+                        </a:cubicBezTo>
+                        <a:cubicBezTo>
+                          <a:pt x="-40717" y="517050"/>
+                          <a:pt x="69327" y="148129"/>
+                          <a:pt x="0" y="0"/>
+                        </a:cubicBezTo>
+                        <a:close/>
+                      </a:path>
+                    </a:pathLst>
+                  </a:custGeom>
+                  <ask:type>
+                    <ask:lineSketchNone/>
+                  </ask:type>
+                </ask:lineSketchStyleProps>
+              </a:ext>
+            </a:extLst>
           </a:ln>
+          <a:effectLst>
+            <a:softEdge rad="0"/>
+          </a:effectLst>
         </p:spPr>
         <p:txBody>
           <a:bodyPr wrap="square" rtlCol="0">
@@ -3484,34 +4221,137 @@
           </a:bodyPr>
           <a:lstStyle/>
           <a:p>
-            <a:r>
-              <a:rPr lang="en-GB" sz="1200" dirty="0"/>
+            <a:pPr algn="ctr">
+              <a:spcAft>
+                <a:spcPts val="400"/>
+              </a:spcAft>
+            </a:pPr>
+            <a:r>
+              <a:rPr lang="en-GB" sz="1400" u="sng" dirty="0">
+                <a:latin typeface="Amasis MT Pro Light" panose="02040304050005020304" pitchFamily="18" charset="0"/>
+              </a:rPr>
               <a:t>Method</a:t>
             </a:r>
           </a:p>
           <a:p>
-            <a:r>
-              <a:rPr lang="en-GB" sz="1200" dirty="0"/>
-              <a:t>- The study aims to compare eye gaze patterns of novices and experts viewing financial data visualizations.</a:t>
-            </a:r>
-          </a:p>
-          <a:p>
-            <a:r>
-              <a:rPr lang="en-GB" sz="1200" dirty="0"/>
-              <a:t>- Tobii X2-30 eye tracker will capture precise eye gaze data during participants' observations of three visuals: a standard income statement table and two visual representations of the same data.</a:t>
-            </a:r>
-          </a:p>
-          <a:p>
-            <a:endParaRPr lang="en-GB" sz="1200" dirty="0"/>
-          </a:p>
-        </p:txBody>
-      </p:sp>
-      <p:sp>
-        <p:nvSpPr>
-          <p:cNvPr id="6" name="TextBox 5">
+            <a:pPr>
+              <a:spcAft>
+                <a:spcPts val="400"/>
+              </a:spcAft>
+            </a:pPr>
+            <a:r>
+              <a:rPr lang="en-GB" sz="1050" dirty="0">
+                <a:latin typeface="Amasis MT Pro Light" panose="02040304050005020304" pitchFamily="18" charset="0"/>
+              </a:rPr>
+              <a:t>The study </a:t>
+            </a:r>
+            <a:r>
+              <a:rPr lang="en-GB" sz="1050" b="1" dirty="0">
+                <a:latin typeface="Amasis MT Pro Light" panose="02040304050005020304" pitchFamily="18" charset="0"/>
+              </a:rPr>
+              <a:t>compared the eye gaze patterns </a:t>
+            </a:r>
+            <a:r>
+              <a:rPr lang="en-GB" sz="1050" dirty="0">
+                <a:latin typeface="Amasis MT Pro Light" panose="02040304050005020304" pitchFamily="18" charset="0"/>
+              </a:rPr>
+              <a:t>of novices and experts while they viewed financial data visualisations</a:t>
+            </a:r>
+          </a:p>
+          <a:p>
+            <a:pPr>
+              <a:spcAft>
+                <a:spcPts val="400"/>
+              </a:spcAft>
+            </a:pPr>
+            <a:r>
+              <a:rPr lang="en-GB" sz="1050" dirty="0">
+                <a:latin typeface="Amasis MT Pro Light" panose="02040304050005020304" pitchFamily="18" charset="0"/>
+              </a:rPr>
+              <a:t>Three visuals are  presented  to participants:                                          a standard income statement and two visual                                       representations of the same data</a:t>
+            </a:r>
+          </a:p>
+          <a:p>
+            <a:pPr marL="628650" lvl="1" indent="-171450">
+              <a:spcAft>
+                <a:spcPts val="400"/>
+              </a:spcAft>
+              <a:buFont typeface="Arial" panose="020B0604020202020204" pitchFamily="34" charset="0"/>
+              <a:buChar char="•"/>
+            </a:pPr>
+            <a:r>
+              <a:rPr lang="en-GB" sz="1050" dirty="0">
+                <a:latin typeface="Amasis MT Pro Light" panose="02040304050005020304" pitchFamily="18" charset="0"/>
+              </a:rPr>
+              <a:t>Basic income statement*</a:t>
+            </a:r>
+          </a:p>
+          <a:p>
+            <a:pPr marL="628650" lvl="1" indent="-171450">
+              <a:spcAft>
+                <a:spcPts val="400"/>
+              </a:spcAft>
+              <a:buFont typeface="Arial" panose="020B0604020202020204" pitchFamily="34" charset="0"/>
+              <a:buChar char="•"/>
+            </a:pPr>
+            <a:r>
+              <a:rPr lang="en-GB" sz="1050" dirty="0">
+                <a:latin typeface="Amasis MT Pro Light" panose="02040304050005020304" pitchFamily="18" charset="0"/>
+              </a:rPr>
+              <a:t>Sankey Diagram</a:t>
+            </a:r>
+          </a:p>
+          <a:p>
+            <a:pPr marL="628650" lvl="1" indent="-171450">
+              <a:spcAft>
+                <a:spcPts val="400"/>
+              </a:spcAft>
+              <a:buFont typeface="Arial" panose="020B0604020202020204" pitchFamily="34" charset="0"/>
+              <a:buChar char="•"/>
+            </a:pPr>
+            <a:r>
+              <a:rPr lang="en-GB" sz="1050" dirty="0">
+                <a:latin typeface="Amasis MT Pro Light" panose="02040304050005020304" pitchFamily="18" charset="0"/>
+              </a:rPr>
+              <a:t>Waterfall Chart</a:t>
+            </a:r>
+          </a:p>
+          <a:p>
+            <a:pPr marL="171450" indent="-171450">
+              <a:spcAft>
+                <a:spcPts val="400"/>
+              </a:spcAft>
+              <a:buFont typeface="Arial" panose="020B0604020202020204" pitchFamily="34" charset="0"/>
+              <a:buChar char="•"/>
+            </a:pPr>
+            <a:r>
+              <a:rPr lang="en-GB" sz="1050" dirty="0">
+                <a:latin typeface="Amasis MT Pro Light" panose="02040304050005020304" pitchFamily="18" charset="0"/>
+              </a:rPr>
+              <a:t>Tobii X2-30 eye tracker will capture precise eye gaze data during participants' observations of three visuals</a:t>
+            </a:r>
+          </a:p>
+          <a:p>
+            <a:pPr>
+              <a:spcAft>
+                <a:spcPts val="400"/>
+              </a:spcAft>
+            </a:pPr>
+            <a:r>
+              <a:rPr lang="en-GB" sz="800" dirty="0">
+                <a:latin typeface="Amasis MT Pro Light" panose="02040304050005020304" pitchFamily="18" charset="0"/>
+              </a:rPr>
+              <a:t>*fictitious financial data in in UK GAAP format was used to conduct this study</a:t>
+            </a:r>
+          </a:p>
+        </p:txBody>
+      </p:sp>
+      <p:sp>
+        <p:nvSpPr>
+          <p:cNvPr id="18" name="TextBox 17">
             <a:extLst>
               <a:ext uri="{FF2B5EF4-FFF2-40B4-BE49-F238E27FC236}">
-                <a16:creationId xmlns:a16="http://schemas.microsoft.com/office/drawing/2014/main" id="{726B11DB-E0F7-F7B3-FE3F-2579A9E3BE69}"/>
+                <a16:creationId xmlns:a16="http://schemas.microsoft.com/office/drawing/2014/main" id="{B03E431B-9A17-160E-76C9-140A1E4DE53B}"/>
               </a:ext>
             </a:extLst>
           </p:cNvPr>
@@ -3520,18 +4360,426 @@
         </p:nvSpPr>
         <p:spPr>
           <a:xfrm>
-            <a:off x="4410075" y="1212263"/>
-            <a:ext cx="3371850" cy="4339650"/>
+            <a:off x="4116000" y="1292489"/>
+            <a:ext cx="3960000" cy="3785652"/>
           </a:xfrm>
           <a:prstGeom prst="rect">
             <a:avLst/>
           </a:prstGeom>
-          <a:noFill/>
-          <a:ln>
+          <a:solidFill>
+            <a:schemeClr val="accent1">
+              <a:lumMod val="20000"/>
+              <a:lumOff val="80000"/>
+            </a:schemeClr>
+          </a:solidFill>
+          <a:ln w="57150" cmpd="thickThin">
             <a:solidFill>
-              <a:schemeClr val="tx1"/>
+              <a:schemeClr val="accent5">
+                <a:lumMod val="50000"/>
+                <a:alpha val="50000"/>
+              </a:schemeClr>
             </a:solidFill>
+            <a:extLst>
+              <a:ext uri="{C807C97D-BFC1-408E-A445-0C87EB9F89A2}">
+                <ask:lineSketchStyleProps xmlns:ask="http://schemas.microsoft.com/office/drawing/2018/sketchyshapes" sd="1219033472">
+                  <a:custGeom>
+                    <a:avLst/>
+                    <a:gdLst>
+                      <a:gd name="connsiteX0" fmla="*/ 0 w 3447351"/>
+                      <a:gd name="connsiteY0" fmla="*/ 0 h 3231654"/>
+                      <a:gd name="connsiteX1" fmla="*/ 471138 w 3447351"/>
+                      <a:gd name="connsiteY1" fmla="*/ 0 h 3231654"/>
+                      <a:gd name="connsiteX2" fmla="*/ 1114643 w 3447351"/>
+                      <a:gd name="connsiteY2" fmla="*/ 0 h 3231654"/>
+                      <a:gd name="connsiteX3" fmla="*/ 1723676 w 3447351"/>
+                      <a:gd name="connsiteY3" fmla="*/ 0 h 3231654"/>
+                      <a:gd name="connsiteX4" fmla="*/ 2194813 w 3447351"/>
+                      <a:gd name="connsiteY4" fmla="*/ 0 h 3231654"/>
+                      <a:gd name="connsiteX5" fmla="*/ 2734898 w 3447351"/>
+                      <a:gd name="connsiteY5" fmla="*/ 0 h 3231654"/>
+                      <a:gd name="connsiteX6" fmla="*/ 3447351 w 3447351"/>
+                      <a:gd name="connsiteY6" fmla="*/ 0 h 3231654"/>
+                      <a:gd name="connsiteX7" fmla="*/ 3447351 w 3447351"/>
+                      <a:gd name="connsiteY7" fmla="*/ 538609 h 3231654"/>
+                      <a:gd name="connsiteX8" fmla="*/ 3447351 w 3447351"/>
+                      <a:gd name="connsiteY8" fmla="*/ 1012585 h 3231654"/>
+                      <a:gd name="connsiteX9" fmla="*/ 3447351 w 3447351"/>
+                      <a:gd name="connsiteY9" fmla="*/ 1454244 h 3231654"/>
+                      <a:gd name="connsiteX10" fmla="*/ 3447351 w 3447351"/>
+                      <a:gd name="connsiteY10" fmla="*/ 1928220 h 3231654"/>
+                      <a:gd name="connsiteX11" fmla="*/ 3447351 w 3447351"/>
+                      <a:gd name="connsiteY11" fmla="*/ 2499146 h 3231654"/>
+                      <a:gd name="connsiteX12" fmla="*/ 3447351 w 3447351"/>
+                      <a:gd name="connsiteY12" fmla="*/ 3231654 h 3231654"/>
+                      <a:gd name="connsiteX13" fmla="*/ 2976213 w 3447351"/>
+                      <a:gd name="connsiteY13" fmla="*/ 3231654 h 3231654"/>
+                      <a:gd name="connsiteX14" fmla="*/ 2505075 w 3447351"/>
+                      <a:gd name="connsiteY14" fmla="*/ 3231654 h 3231654"/>
+                      <a:gd name="connsiteX15" fmla="*/ 1896043 w 3447351"/>
+                      <a:gd name="connsiteY15" fmla="*/ 3231654 h 3231654"/>
+                      <a:gd name="connsiteX16" fmla="*/ 1424905 w 3447351"/>
+                      <a:gd name="connsiteY16" fmla="*/ 3231654 h 3231654"/>
+                      <a:gd name="connsiteX17" fmla="*/ 850347 w 3447351"/>
+                      <a:gd name="connsiteY17" fmla="*/ 3231654 h 3231654"/>
+                      <a:gd name="connsiteX18" fmla="*/ 0 w 3447351"/>
+                      <a:gd name="connsiteY18" fmla="*/ 3231654 h 3231654"/>
+                      <a:gd name="connsiteX19" fmla="*/ 0 w 3447351"/>
+                      <a:gd name="connsiteY19" fmla="*/ 2693045 h 3231654"/>
+                      <a:gd name="connsiteX20" fmla="*/ 0 w 3447351"/>
+                      <a:gd name="connsiteY20" fmla="*/ 2154436 h 3231654"/>
+                      <a:gd name="connsiteX21" fmla="*/ 0 w 3447351"/>
+                      <a:gd name="connsiteY21" fmla="*/ 1551194 h 3231654"/>
+                      <a:gd name="connsiteX22" fmla="*/ 0 w 3447351"/>
+                      <a:gd name="connsiteY22" fmla="*/ 1044901 h 3231654"/>
+                      <a:gd name="connsiteX23" fmla="*/ 0 w 3447351"/>
+                      <a:gd name="connsiteY23" fmla="*/ 538609 h 3231654"/>
+                      <a:gd name="connsiteX24" fmla="*/ 0 w 3447351"/>
+                      <a:gd name="connsiteY24" fmla="*/ 0 h 3231654"/>
+                    </a:gdLst>
+                    <a:ahLst/>
+                    <a:cxnLst>
+                      <a:cxn ang="0">
+                        <a:pos x="connsiteX0" y="connsiteY0"/>
+                      </a:cxn>
+                      <a:cxn ang="0">
+                        <a:pos x="connsiteX1" y="connsiteY1"/>
+                      </a:cxn>
+                      <a:cxn ang="0">
+                        <a:pos x="connsiteX2" y="connsiteY2"/>
+                      </a:cxn>
+                      <a:cxn ang="0">
+                        <a:pos x="connsiteX3" y="connsiteY3"/>
+                      </a:cxn>
+                      <a:cxn ang="0">
+                        <a:pos x="connsiteX4" y="connsiteY4"/>
+                      </a:cxn>
+                      <a:cxn ang="0">
+                        <a:pos x="connsiteX5" y="connsiteY5"/>
+                      </a:cxn>
+                      <a:cxn ang="0">
+                        <a:pos x="connsiteX6" y="connsiteY6"/>
+                      </a:cxn>
+                      <a:cxn ang="0">
+                        <a:pos x="connsiteX7" y="connsiteY7"/>
+                      </a:cxn>
+                      <a:cxn ang="0">
+                        <a:pos x="connsiteX8" y="connsiteY8"/>
+                      </a:cxn>
+                      <a:cxn ang="0">
+                        <a:pos x="connsiteX9" y="connsiteY9"/>
+                      </a:cxn>
+                      <a:cxn ang="0">
+                        <a:pos x="connsiteX10" y="connsiteY10"/>
+                      </a:cxn>
+                      <a:cxn ang="0">
+                        <a:pos x="connsiteX11" y="connsiteY11"/>
+                      </a:cxn>
+                      <a:cxn ang="0">
+                        <a:pos x="connsiteX12" y="connsiteY12"/>
+                      </a:cxn>
+                      <a:cxn ang="0">
+                        <a:pos x="connsiteX13" y="connsiteY13"/>
+                      </a:cxn>
+                      <a:cxn ang="0">
+                        <a:pos x="connsiteX14" y="connsiteY14"/>
+                      </a:cxn>
+                      <a:cxn ang="0">
+                        <a:pos x="connsiteX15" y="connsiteY15"/>
+                      </a:cxn>
+                      <a:cxn ang="0">
+                        <a:pos x="connsiteX16" y="connsiteY16"/>
+                      </a:cxn>
+                      <a:cxn ang="0">
+                        <a:pos x="connsiteX17" y="connsiteY17"/>
+                      </a:cxn>
+                      <a:cxn ang="0">
+                        <a:pos x="connsiteX18" y="connsiteY18"/>
+                      </a:cxn>
+                      <a:cxn ang="0">
+                        <a:pos x="connsiteX19" y="connsiteY19"/>
+                      </a:cxn>
+                      <a:cxn ang="0">
+                        <a:pos x="connsiteX20" y="connsiteY20"/>
+                      </a:cxn>
+                      <a:cxn ang="0">
+                        <a:pos x="connsiteX21" y="connsiteY21"/>
+                      </a:cxn>
+                      <a:cxn ang="0">
+                        <a:pos x="connsiteX22" y="connsiteY22"/>
+                      </a:cxn>
+                      <a:cxn ang="0">
+                        <a:pos x="connsiteX23" y="connsiteY23"/>
+                      </a:cxn>
+                      <a:cxn ang="0">
+                        <a:pos x="connsiteX24" y="connsiteY24"/>
+                      </a:cxn>
+                    </a:cxnLst>
+                    <a:rect l="l" t="t" r="r" b="b"/>
+                    <a:pathLst>
+                      <a:path w="3447351" h="3231654" fill="none" extrusionOk="0">
+                        <a:moveTo>
+                          <a:pt x="0" y="0"/>
+                        </a:moveTo>
+                        <a:cubicBezTo>
+                          <a:pt x="202617" y="-38501"/>
+                          <a:pt x="285997" y="13940"/>
+                          <a:pt x="471138" y="0"/>
+                        </a:cubicBezTo>
+                        <a:cubicBezTo>
+                          <a:pt x="656279" y="-13940"/>
+                          <a:pt x="817291" y="59168"/>
+                          <a:pt x="1114643" y="0"/>
+                        </a:cubicBezTo>
+                        <a:cubicBezTo>
+                          <a:pt x="1411995" y="-59168"/>
+                          <a:pt x="1499799" y="47491"/>
+                          <a:pt x="1723676" y="0"/>
+                        </a:cubicBezTo>
+                        <a:cubicBezTo>
+                          <a:pt x="1947553" y="-47491"/>
+                          <a:pt x="2013086" y="38759"/>
+                          <a:pt x="2194813" y="0"/>
+                        </a:cubicBezTo>
+                        <a:cubicBezTo>
+                          <a:pt x="2376540" y="-38759"/>
+                          <a:pt x="2541738" y="1750"/>
+                          <a:pt x="2734898" y="0"/>
+                        </a:cubicBezTo>
+                        <a:cubicBezTo>
+                          <a:pt x="2928059" y="-1750"/>
+                          <a:pt x="3161502" y="82291"/>
+                          <a:pt x="3447351" y="0"/>
+                        </a:cubicBezTo>
+                        <a:cubicBezTo>
+                          <a:pt x="3490015" y="207135"/>
+                          <a:pt x="3414320" y="293708"/>
+                          <a:pt x="3447351" y="538609"/>
+                        </a:cubicBezTo>
+                        <a:cubicBezTo>
+                          <a:pt x="3480382" y="783510"/>
+                          <a:pt x="3419511" y="859737"/>
+                          <a:pt x="3447351" y="1012585"/>
+                        </a:cubicBezTo>
+                        <a:cubicBezTo>
+                          <a:pt x="3475191" y="1165433"/>
+                          <a:pt x="3427395" y="1263319"/>
+                          <a:pt x="3447351" y="1454244"/>
+                        </a:cubicBezTo>
+                        <a:cubicBezTo>
+                          <a:pt x="3467307" y="1645169"/>
+                          <a:pt x="3442103" y="1734714"/>
+                          <a:pt x="3447351" y="1928220"/>
+                        </a:cubicBezTo>
+                        <a:cubicBezTo>
+                          <a:pt x="3452599" y="2121726"/>
+                          <a:pt x="3394624" y="2345628"/>
+                          <a:pt x="3447351" y="2499146"/>
+                        </a:cubicBezTo>
+                        <a:cubicBezTo>
+                          <a:pt x="3500078" y="2652664"/>
+                          <a:pt x="3400934" y="3048573"/>
+                          <a:pt x="3447351" y="3231654"/>
+                        </a:cubicBezTo>
+                        <a:cubicBezTo>
+                          <a:pt x="3332184" y="3280629"/>
+                          <a:pt x="3088320" y="3179403"/>
+                          <a:pt x="2976213" y="3231654"/>
+                        </a:cubicBezTo>
+                        <a:cubicBezTo>
+                          <a:pt x="2864106" y="3283905"/>
+                          <a:pt x="2712431" y="3215636"/>
+                          <a:pt x="2505075" y="3231654"/>
+                        </a:cubicBezTo>
+                        <a:cubicBezTo>
+                          <a:pt x="2297719" y="3247672"/>
+                          <a:pt x="2035543" y="3218695"/>
+                          <a:pt x="1896043" y="3231654"/>
+                        </a:cubicBezTo>
+                        <a:cubicBezTo>
+                          <a:pt x="1756543" y="3244613"/>
+                          <a:pt x="1539554" y="3188205"/>
+                          <a:pt x="1424905" y="3231654"/>
+                        </a:cubicBezTo>
+                        <a:cubicBezTo>
+                          <a:pt x="1310256" y="3275103"/>
+                          <a:pt x="1122117" y="3191936"/>
+                          <a:pt x="850347" y="3231654"/>
+                        </a:cubicBezTo>
+                        <a:cubicBezTo>
+                          <a:pt x="578577" y="3271372"/>
+                          <a:pt x="356669" y="3160269"/>
+                          <a:pt x="0" y="3231654"/>
+                        </a:cubicBezTo>
+                        <a:cubicBezTo>
+                          <a:pt x="-63190" y="3096310"/>
+                          <a:pt x="29888" y="2810014"/>
+                          <a:pt x="0" y="2693045"/>
+                        </a:cubicBezTo>
+                        <a:cubicBezTo>
+                          <a:pt x="-29888" y="2576076"/>
+                          <a:pt x="36511" y="2343962"/>
+                          <a:pt x="0" y="2154436"/>
+                        </a:cubicBezTo>
+                        <a:cubicBezTo>
+                          <a:pt x="-36511" y="1964910"/>
+                          <a:pt x="65838" y="1758956"/>
+                          <a:pt x="0" y="1551194"/>
+                        </a:cubicBezTo>
+                        <a:cubicBezTo>
+                          <a:pt x="-65838" y="1343432"/>
+                          <a:pt x="60058" y="1245117"/>
+                          <a:pt x="0" y="1044901"/>
+                        </a:cubicBezTo>
+                        <a:cubicBezTo>
+                          <a:pt x="-60058" y="844685"/>
+                          <a:pt x="31697" y="687041"/>
+                          <a:pt x="0" y="538609"/>
+                        </a:cubicBezTo>
+                        <a:cubicBezTo>
+                          <a:pt x="-31697" y="390177"/>
+                          <a:pt x="29076" y="258859"/>
+                          <a:pt x="0" y="0"/>
+                        </a:cubicBezTo>
+                        <a:close/>
+                      </a:path>
+                      <a:path w="3447351" h="3231654" stroke="0" extrusionOk="0">
+                        <a:moveTo>
+                          <a:pt x="0" y="0"/>
+                        </a:moveTo>
+                        <a:cubicBezTo>
+                          <a:pt x="252612" y="-34767"/>
+                          <a:pt x="295373" y="63397"/>
+                          <a:pt x="540085" y="0"/>
+                        </a:cubicBezTo>
+                        <a:cubicBezTo>
+                          <a:pt x="784798" y="-63397"/>
+                          <a:pt x="799207" y="29328"/>
+                          <a:pt x="1011223" y="0"/>
+                        </a:cubicBezTo>
+                        <a:cubicBezTo>
+                          <a:pt x="1223239" y="-29328"/>
+                          <a:pt x="1335103" y="33963"/>
+                          <a:pt x="1654728" y="0"/>
+                        </a:cubicBezTo>
+                        <a:cubicBezTo>
+                          <a:pt x="1974353" y="-33963"/>
+                          <a:pt x="2052982" y="60940"/>
+                          <a:pt x="2194813" y="0"/>
+                        </a:cubicBezTo>
+                        <a:cubicBezTo>
+                          <a:pt x="2336645" y="-60940"/>
+                          <a:pt x="2589346" y="63105"/>
+                          <a:pt x="2734898" y="0"/>
+                        </a:cubicBezTo>
+                        <a:cubicBezTo>
+                          <a:pt x="2880450" y="-63105"/>
+                          <a:pt x="3146632" y="57316"/>
+                          <a:pt x="3447351" y="0"/>
+                        </a:cubicBezTo>
+                        <a:cubicBezTo>
+                          <a:pt x="3452612" y="179247"/>
+                          <a:pt x="3429303" y="267860"/>
+                          <a:pt x="3447351" y="473976"/>
+                        </a:cubicBezTo>
+                        <a:cubicBezTo>
+                          <a:pt x="3465399" y="680092"/>
+                          <a:pt x="3443516" y="822397"/>
+                          <a:pt x="3447351" y="1012585"/>
+                        </a:cubicBezTo>
+                        <a:cubicBezTo>
+                          <a:pt x="3451186" y="1202773"/>
+                          <a:pt x="3410607" y="1359367"/>
+                          <a:pt x="3447351" y="1486561"/>
+                        </a:cubicBezTo>
+                        <a:cubicBezTo>
+                          <a:pt x="3484095" y="1613755"/>
+                          <a:pt x="3422779" y="1783261"/>
+                          <a:pt x="3447351" y="1960537"/>
+                        </a:cubicBezTo>
+                        <a:cubicBezTo>
+                          <a:pt x="3471923" y="2137813"/>
+                          <a:pt x="3444785" y="2265381"/>
+                          <a:pt x="3447351" y="2499146"/>
+                        </a:cubicBezTo>
+                        <a:cubicBezTo>
+                          <a:pt x="3449917" y="2732911"/>
+                          <a:pt x="3411884" y="2980010"/>
+                          <a:pt x="3447351" y="3231654"/>
+                        </a:cubicBezTo>
+                        <a:cubicBezTo>
+                          <a:pt x="3325713" y="3268489"/>
+                          <a:pt x="3093879" y="3203295"/>
+                          <a:pt x="2976213" y="3231654"/>
+                        </a:cubicBezTo>
+                        <a:cubicBezTo>
+                          <a:pt x="2858547" y="3260013"/>
+                          <a:pt x="2643384" y="3219798"/>
+                          <a:pt x="2332708" y="3231654"/>
+                        </a:cubicBezTo>
+                        <a:cubicBezTo>
+                          <a:pt x="2022032" y="3243510"/>
+                          <a:pt x="1963606" y="3185379"/>
+                          <a:pt x="1827096" y="3231654"/>
+                        </a:cubicBezTo>
+                        <a:cubicBezTo>
+                          <a:pt x="1690586" y="3277929"/>
+                          <a:pt x="1426047" y="3197462"/>
+                          <a:pt x="1252538" y="3231654"/>
+                        </a:cubicBezTo>
+                        <a:cubicBezTo>
+                          <a:pt x="1079029" y="3265846"/>
+                          <a:pt x="785885" y="3216091"/>
+                          <a:pt x="609032" y="3231654"/>
+                        </a:cubicBezTo>
+                        <a:cubicBezTo>
+                          <a:pt x="432179" y="3247217"/>
+                          <a:pt x="220609" y="3169402"/>
+                          <a:pt x="0" y="3231654"/>
+                        </a:cubicBezTo>
+                        <a:cubicBezTo>
+                          <a:pt x="-29416" y="3102452"/>
+                          <a:pt x="46493" y="2921206"/>
+                          <a:pt x="0" y="2789995"/>
+                        </a:cubicBezTo>
+                        <a:cubicBezTo>
+                          <a:pt x="-46493" y="2658784"/>
+                          <a:pt x="15126" y="2429629"/>
+                          <a:pt x="0" y="2316019"/>
+                        </a:cubicBezTo>
+                        <a:cubicBezTo>
+                          <a:pt x="-15126" y="2202409"/>
+                          <a:pt x="31117" y="2047663"/>
+                          <a:pt x="0" y="1809726"/>
+                        </a:cubicBezTo>
+                        <a:cubicBezTo>
+                          <a:pt x="-31117" y="1571789"/>
+                          <a:pt x="1647" y="1455054"/>
+                          <a:pt x="0" y="1206484"/>
+                        </a:cubicBezTo>
+                        <a:cubicBezTo>
+                          <a:pt x="-1647" y="957914"/>
+                          <a:pt x="40717" y="818700"/>
+                          <a:pt x="0" y="667875"/>
+                        </a:cubicBezTo>
+                        <a:cubicBezTo>
+                          <a:pt x="-40717" y="517050"/>
+                          <a:pt x="69327" y="148129"/>
+                          <a:pt x="0" y="0"/>
+                        </a:cubicBezTo>
+                        <a:close/>
+                      </a:path>
+                    </a:pathLst>
+                  </a:custGeom>
+                  <ask:type>
+                    <ask:lineSketchNone/>
+                  </ask:type>
+                </ask:lineSketchStyleProps>
+              </a:ext>
+            </a:extLst>
           </a:ln>
+          <a:effectLst>
+            <a:softEdge rad="0"/>
+          </a:effectLst>
         </p:spPr>
         <p:txBody>
           <a:bodyPr wrap="square" rtlCol="0">
@@ -3539,64 +4787,91 @@
           </a:bodyPr>
           <a:lstStyle/>
           <a:p>
-            <a:r>
-              <a:rPr lang="en-GB" sz="1200" dirty="0"/>
-              <a:t>Aim </a:t>
-            </a:r>
-          </a:p>
-          <a:p>
-            <a:r>
-              <a:rPr lang="en-GB" sz="1200" dirty="0"/>
+            <a:pPr algn="ctr"/>
+            <a:r>
+              <a:rPr lang="en-GB" sz="1400" u="sng" dirty="0">
+                <a:latin typeface="Amasis MT Pro Light" panose="02040304050005020304" pitchFamily="18" charset="0"/>
+              </a:rPr>
+              <a:t>Aim</a:t>
+            </a:r>
+            <a:r>
+              <a:rPr lang="en-GB" sz="1200" dirty="0">
+                <a:latin typeface="Amasis MT Pro Light" panose="02040304050005020304" pitchFamily="18" charset="0"/>
+              </a:rPr>
+              <a:t> </a:t>
+            </a:r>
+          </a:p>
+          <a:p>
+            <a:r>
+              <a:rPr lang="en-GB" sz="1200" dirty="0">
+                <a:latin typeface="Amasis MT Pro Light" panose="02040304050005020304" pitchFamily="18" charset="0"/>
+              </a:rPr>
               <a:t>- The objective is to compare eye movement patterns and engagement across the images to gauge the effectiveness of visualisation techniques.</a:t>
             </a:r>
           </a:p>
           <a:p>
             <a:r>
-              <a:rPr lang="en-GB" sz="1200" dirty="0"/>
+              <a:rPr lang="en-GB" sz="1200" dirty="0">
+                <a:latin typeface="Amasis MT Pro Light" panose="02040304050005020304" pitchFamily="18" charset="0"/>
+              </a:rPr>
               <a:t>- The research aims to establish guidelines for income statement reporting to improve understanding and retention of information for readers.</a:t>
             </a:r>
           </a:p>
           <a:p>
-            <a:endParaRPr lang="en-GB" sz="1200" dirty="0"/>
-          </a:p>
-          <a:p>
-            <a:r>
-              <a:rPr lang="en-GB" sz="1200" dirty="0"/>
+            <a:endParaRPr lang="en-GB" sz="1200" dirty="0">
+              <a:latin typeface="Amasis MT Pro Light" panose="02040304050005020304" pitchFamily="18" charset="0"/>
+            </a:endParaRPr>
+          </a:p>
+          <a:p>
+            <a:r>
+              <a:rPr lang="en-GB" sz="1200" dirty="0">
+                <a:latin typeface="Amasis MT Pro Light" panose="02040304050005020304" pitchFamily="18" charset="0"/>
+              </a:rPr>
               <a:t>Why this is important</a:t>
             </a:r>
           </a:p>
           <a:p>
             <a:r>
-              <a:rPr lang="en-GB" sz="1200" dirty="0"/>
+              <a:rPr lang="en-GB" sz="1200" dirty="0">
+                <a:latin typeface="Amasis MT Pro Light" panose="02040304050005020304" pitchFamily="18" charset="0"/>
+              </a:rPr>
               <a:t>- Accuracy and Consistency: Guidelines ensure accurate representation of financial data and maintain consistency in design and formatting across visualizations.</a:t>
             </a:r>
           </a:p>
           <a:p>
             <a:r>
-              <a:rPr lang="en-GB" sz="1200" dirty="0"/>
+              <a:rPr lang="en-GB" sz="1200" dirty="0">
+                <a:latin typeface="Amasis MT Pro Light" panose="02040304050005020304" pitchFamily="18" charset="0"/>
+              </a:rPr>
               <a:t>- Clarity and Comprehension: Guidelines simplify complex financial information, making data visualisations easier to understand.</a:t>
             </a:r>
           </a:p>
           <a:p>
             <a:r>
-              <a:rPr lang="en-GB" sz="1200" dirty="0"/>
+              <a:rPr lang="en-GB" sz="1200" dirty="0">
+                <a:latin typeface="Amasis MT Pro Light" panose="02040304050005020304" pitchFamily="18" charset="0"/>
+              </a:rPr>
               <a:t>- Avoiding Misinterpretation: Guidelines help creators present data without unintended errors or bias, preventing misinterpretation of financial insights.</a:t>
             </a:r>
           </a:p>
           <a:p>
-            <a:endParaRPr lang="en-GB" sz="1200" dirty="0"/>
-          </a:p>
-          <a:p>
-            <a:endParaRPr lang="en-GB" sz="1200" dirty="0"/>
-          </a:p>
-        </p:txBody>
-      </p:sp>
-      <p:sp>
-        <p:nvSpPr>
-          <p:cNvPr id="9" name="TextBox 8">
+            <a:endParaRPr lang="en-GB" sz="1200" dirty="0">
+              <a:latin typeface="Amasis MT Pro Light" panose="02040304050005020304" pitchFamily="18" charset="0"/>
+            </a:endParaRPr>
+          </a:p>
+          <a:p>
+            <a:endParaRPr lang="en-GB" sz="1200" dirty="0">
+              <a:latin typeface="Amasis MT Pro Light" panose="02040304050005020304" pitchFamily="18" charset="0"/>
+            </a:endParaRPr>
+          </a:p>
+        </p:txBody>
+      </p:sp>
+      <p:sp>
+        <p:nvSpPr>
+          <p:cNvPr id="19" name="TextBox 18">
             <a:extLst>
               <a:ext uri="{FF2B5EF4-FFF2-40B4-BE49-F238E27FC236}">
-                <a16:creationId xmlns:a16="http://schemas.microsoft.com/office/drawing/2014/main" id="{43776E4F-9FAC-FE3B-4448-66A0DE98305E}"/>
+                <a16:creationId xmlns:a16="http://schemas.microsoft.com/office/drawing/2014/main" id="{8BB9A75D-E407-A4D2-49F4-C1FD3C2C0E6B}"/>
               </a:ext>
             </a:extLst>
           </p:cNvPr>
@@ -3605,18 +4880,426 @@
         </p:nvSpPr>
         <p:spPr>
           <a:xfrm>
-            <a:off x="8272139" y="1212263"/>
-            <a:ext cx="3371850" cy="3970318"/>
+            <a:off x="8174850" y="1292489"/>
+            <a:ext cx="3960000" cy="3970318"/>
           </a:xfrm>
           <a:prstGeom prst="rect">
             <a:avLst/>
           </a:prstGeom>
-          <a:noFill/>
-          <a:ln>
+          <a:solidFill>
+            <a:schemeClr val="accent1">
+              <a:lumMod val="20000"/>
+              <a:lumOff val="80000"/>
+            </a:schemeClr>
+          </a:solidFill>
+          <a:ln w="57150" cmpd="thickThin">
             <a:solidFill>
-              <a:schemeClr val="tx1"/>
+              <a:schemeClr val="accent5">
+                <a:lumMod val="50000"/>
+                <a:alpha val="50000"/>
+              </a:schemeClr>
             </a:solidFill>
+            <a:extLst>
+              <a:ext uri="{C807C97D-BFC1-408E-A445-0C87EB9F89A2}">
+                <ask:lineSketchStyleProps xmlns:ask="http://schemas.microsoft.com/office/drawing/2018/sketchyshapes" sd="1219033472">
+                  <a:custGeom>
+                    <a:avLst/>
+                    <a:gdLst>
+                      <a:gd name="connsiteX0" fmla="*/ 0 w 3447351"/>
+                      <a:gd name="connsiteY0" fmla="*/ 0 h 3231654"/>
+                      <a:gd name="connsiteX1" fmla="*/ 471138 w 3447351"/>
+                      <a:gd name="connsiteY1" fmla="*/ 0 h 3231654"/>
+                      <a:gd name="connsiteX2" fmla="*/ 1114643 w 3447351"/>
+                      <a:gd name="connsiteY2" fmla="*/ 0 h 3231654"/>
+                      <a:gd name="connsiteX3" fmla="*/ 1723676 w 3447351"/>
+                      <a:gd name="connsiteY3" fmla="*/ 0 h 3231654"/>
+                      <a:gd name="connsiteX4" fmla="*/ 2194813 w 3447351"/>
+                      <a:gd name="connsiteY4" fmla="*/ 0 h 3231654"/>
+                      <a:gd name="connsiteX5" fmla="*/ 2734898 w 3447351"/>
+                      <a:gd name="connsiteY5" fmla="*/ 0 h 3231654"/>
+                      <a:gd name="connsiteX6" fmla="*/ 3447351 w 3447351"/>
+                      <a:gd name="connsiteY6" fmla="*/ 0 h 3231654"/>
+                      <a:gd name="connsiteX7" fmla="*/ 3447351 w 3447351"/>
+                      <a:gd name="connsiteY7" fmla="*/ 538609 h 3231654"/>
+                      <a:gd name="connsiteX8" fmla="*/ 3447351 w 3447351"/>
+                      <a:gd name="connsiteY8" fmla="*/ 1012585 h 3231654"/>
+                      <a:gd name="connsiteX9" fmla="*/ 3447351 w 3447351"/>
+                      <a:gd name="connsiteY9" fmla="*/ 1454244 h 3231654"/>
+                      <a:gd name="connsiteX10" fmla="*/ 3447351 w 3447351"/>
+                      <a:gd name="connsiteY10" fmla="*/ 1928220 h 3231654"/>
+                      <a:gd name="connsiteX11" fmla="*/ 3447351 w 3447351"/>
+                      <a:gd name="connsiteY11" fmla="*/ 2499146 h 3231654"/>
+                      <a:gd name="connsiteX12" fmla="*/ 3447351 w 3447351"/>
+                      <a:gd name="connsiteY12" fmla="*/ 3231654 h 3231654"/>
+                      <a:gd name="connsiteX13" fmla="*/ 2976213 w 3447351"/>
+                      <a:gd name="connsiteY13" fmla="*/ 3231654 h 3231654"/>
+                      <a:gd name="connsiteX14" fmla="*/ 2505075 w 3447351"/>
+                      <a:gd name="connsiteY14" fmla="*/ 3231654 h 3231654"/>
+                      <a:gd name="connsiteX15" fmla="*/ 1896043 w 3447351"/>
+                      <a:gd name="connsiteY15" fmla="*/ 3231654 h 3231654"/>
+                      <a:gd name="connsiteX16" fmla="*/ 1424905 w 3447351"/>
+                      <a:gd name="connsiteY16" fmla="*/ 3231654 h 3231654"/>
+                      <a:gd name="connsiteX17" fmla="*/ 850347 w 3447351"/>
+                      <a:gd name="connsiteY17" fmla="*/ 3231654 h 3231654"/>
+                      <a:gd name="connsiteX18" fmla="*/ 0 w 3447351"/>
+                      <a:gd name="connsiteY18" fmla="*/ 3231654 h 3231654"/>
+                      <a:gd name="connsiteX19" fmla="*/ 0 w 3447351"/>
+                      <a:gd name="connsiteY19" fmla="*/ 2693045 h 3231654"/>
+                      <a:gd name="connsiteX20" fmla="*/ 0 w 3447351"/>
+                      <a:gd name="connsiteY20" fmla="*/ 2154436 h 3231654"/>
+                      <a:gd name="connsiteX21" fmla="*/ 0 w 3447351"/>
+                      <a:gd name="connsiteY21" fmla="*/ 1551194 h 3231654"/>
+                      <a:gd name="connsiteX22" fmla="*/ 0 w 3447351"/>
+                      <a:gd name="connsiteY22" fmla="*/ 1044901 h 3231654"/>
+                      <a:gd name="connsiteX23" fmla="*/ 0 w 3447351"/>
+                      <a:gd name="connsiteY23" fmla="*/ 538609 h 3231654"/>
+                      <a:gd name="connsiteX24" fmla="*/ 0 w 3447351"/>
+                      <a:gd name="connsiteY24" fmla="*/ 0 h 3231654"/>
+                    </a:gdLst>
+                    <a:ahLst/>
+                    <a:cxnLst>
+                      <a:cxn ang="0">
+                        <a:pos x="connsiteX0" y="connsiteY0"/>
+                      </a:cxn>
+                      <a:cxn ang="0">
+                        <a:pos x="connsiteX1" y="connsiteY1"/>
+                      </a:cxn>
+                      <a:cxn ang="0">
+                        <a:pos x="connsiteX2" y="connsiteY2"/>
+                      </a:cxn>
+                      <a:cxn ang="0">
+                        <a:pos x="connsiteX3" y="connsiteY3"/>
+                      </a:cxn>
+                      <a:cxn ang="0">
+                        <a:pos x="connsiteX4" y="connsiteY4"/>
+                      </a:cxn>
+                      <a:cxn ang="0">
+                        <a:pos x="connsiteX5" y="connsiteY5"/>
+                      </a:cxn>
+                      <a:cxn ang="0">
+                        <a:pos x="connsiteX6" y="connsiteY6"/>
+                      </a:cxn>
+                      <a:cxn ang="0">
+                        <a:pos x="connsiteX7" y="connsiteY7"/>
+                      </a:cxn>
+                      <a:cxn ang="0">
+                        <a:pos x="connsiteX8" y="connsiteY8"/>
+                      </a:cxn>
+                      <a:cxn ang="0">
+                        <a:pos x="connsiteX9" y="connsiteY9"/>
+                      </a:cxn>
+                      <a:cxn ang="0">
+                        <a:pos x="connsiteX10" y="connsiteY10"/>
+                      </a:cxn>
+                      <a:cxn ang="0">
+                        <a:pos x="connsiteX11" y="connsiteY11"/>
+                      </a:cxn>
+                      <a:cxn ang="0">
+                        <a:pos x="connsiteX12" y="connsiteY12"/>
+                      </a:cxn>
+                      <a:cxn ang="0">
+                        <a:pos x="connsiteX13" y="connsiteY13"/>
+                      </a:cxn>
+                      <a:cxn ang="0">
+                        <a:pos x="connsiteX14" y="connsiteY14"/>
+                      </a:cxn>
+                      <a:cxn ang="0">
+                        <a:pos x="connsiteX15" y="connsiteY15"/>
+                      </a:cxn>
+                      <a:cxn ang="0">
+                        <a:pos x="connsiteX16" y="connsiteY16"/>
+                      </a:cxn>
+                      <a:cxn ang="0">
+                        <a:pos x="connsiteX17" y="connsiteY17"/>
+                      </a:cxn>
+                      <a:cxn ang="0">
+                        <a:pos x="connsiteX18" y="connsiteY18"/>
+                      </a:cxn>
+                      <a:cxn ang="0">
+                        <a:pos x="connsiteX19" y="connsiteY19"/>
+                      </a:cxn>
+                      <a:cxn ang="0">
+                        <a:pos x="connsiteX20" y="connsiteY20"/>
+                      </a:cxn>
+                      <a:cxn ang="0">
+                        <a:pos x="connsiteX21" y="connsiteY21"/>
+                      </a:cxn>
+                      <a:cxn ang="0">
+                        <a:pos x="connsiteX22" y="connsiteY22"/>
+                      </a:cxn>
+                      <a:cxn ang="0">
+                        <a:pos x="connsiteX23" y="connsiteY23"/>
+                      </a:cxn>
+                      <a:cxn ang="0">
+                        <a:pos x="connsiteX24" y="connsiteY24"/>
+                      </a:cxn>
+                    </a:cxnLst>
+                    <a:rect l="l" t="t" r="r" b="b"/>
+                    <a:pathLst>
+                      <a:path w="3447351" h="3231654" fill="none" extrusionOk="0">
+                        <a:moveTo>
+                          <a:pt x="0" y="0"/>
+                        </a:moveTo>
+                        <a:cubicBezTo>
+                          <a:pt x="202617" y="-38501"/>
+                          <a:pt x="285997" y="13940"/>
+                          <a:pt x="471138" y="0"/>
+                        </a:cubicBezTo>
+                        <a:cubicBezTo>
+                          <a:pt x="656279" y="-13940"/>
+                          <a:pt x="817291" y="59168"/>
+                          <a:pt x="1114643" y="0"/>
+                        </a:cubicBezTo>
+                        <a:cubicBezTo>
+                          <a:pt x="1411995" y="-59168"/>
+                          <a:pt x="1499799" y="47491"/>
+                          <a:pt x="1723676" y="0"/>
+                        </a:cubicBezTo>
+                        <a:cubicBezTo>
+                          <a:pt x="1947553" y="-47491"/>
+                          <a:pt x="2013086" y="38759"/>
+                          <a:pt x="2194813" y="0"/>
+                        </a:cubicBezTo>
+                        <a:cubicBezTo>
+                          <a:pt x="2376540" y="-38759"/>
+                          <a:pt x="2541738" y="1750"/>
+                          <a:pt x="2734898" y="0"/>
+                        </a:cubicBezTo>
+                        <a:cubicBezTo>
+                          <a:pt x="2928059" y="-1750"/>
+                          <a:pt x="3161502" y="82291"/>
+                          <a:pt x="3447351" y="0"/>
+                        </a:cubicBezTo>
+                        <a:cubicBezTo>
+                          <a:pt x="3490015" y="207135"/>
+                          <a:pt x="3414320" y="293708"/>
+                          <a:pt x="3447351" y="538609"/>
+                        </a:cubicBezTo>
+                        <a:cubicBezTo>
+                          <a:pt x="3480382" y="783510"/>
+                          <a:pt x="3419511" y="859737"/>
+                          <a:pt x="3447351" y="1012585"/>
+                        </a:cubicBezTo>
+                        <a:cubicBezTo>
+                          <a:pt x="3475191" y="1165433"/>
+                          <a:pt x="3427395" y="1263319"/>
+                          <a:pt x="3447351" y="1454244"/>
+                        </a:cubicBezTo>
+                        <a:cubicBezTo>
+                          <a:pt x="3467307" y="1645169"/>
+                          <a:pt x="3442103" y="1734714"/>
+                          <a:pt x="3447351" y="1928220"/>
+                        </a:cubicBezTo>
+                        <a:cubicBezTo>
+                          <a:pt x="3452599" y="2121726"/>
+                          <a:pt x="3394624" y="2345628"/>
+                          <a:pt x="3447351" y="2499146"/>
+                        </a:cubicBezTo>
+                        <a:cubicBezTo>
+                          <a:pt x="3500078" y="2652664"/>
+                          <a:pt x="3400934" y="3048573"/>
+                          <a:pt x="3447351" y="3231654"/>
+                        </a:cubicBezTo>
+                        <a:cubicBezTo>
+                          <a:pt x="3332184" y="3280629"/>
+                          <a:pt x="3088320" y="3179403"/>
+                          <a:pt x="2976213" y="3231654"/>
+                        </a:cubicBezTo>
+                        <a:cubicBezTo>
+                          <a:pt x="2864106" y="3283905"/>
+                          <a:pt x="2712431" y="3215636"/>
+                          <a:pt x="2505075" y="3231654"/>
+                        </a:cubicBezTo>
+                        <a:cubicBezTo>
+                          <a:pt x="2297719" y="3247672"/>
+                          <a:pt x="2035543" y="3218695"/>
+                          <a:pt x="1896043" y="3231654"/>
+                        </a:cubicBezTo>
+                        <a:cubicBezTo>
+                          <a:pt x="1756543" y="3244613"/>
+                          <a:pt x="1539554" y="3188205"/>
+                          <a:pt x="1424905" y="3231654"/>
+                        </a:cubicBezTo>
+                        <a:cubicBezTo>
+                          <a:pt x="1310256" y="3275103"/>
+                          <a:pt x="1122117" y="3191936"/>
+                          <a:pt x="850347" y="3231654"/>
+                        </a:cubicBezTo>
+                        <a:cubicBezTo>
+                          <a:pt x="578577" y="3271372"/>
+                          <a:pt x="356669" y="3160269"/>
+                          <a:pt x="0" y="3231654"/>
+                        </a:cubicBezTo>
+                        <a:cubicBezTo>
+                          <a:pt x="-63190" y="3096310"/>
+                          <a:pt x="29888" y="2810014"/>
+                          <a:pt x="0" y="2693045"/>
+                        </a:cubicBezTo>
+                        <a:cubicBezTo>
+                          <a:pt x="-29888" y="2576076"/>
+                          <a:pt x="36511" y="2343962"/>
+                          <a:pt x="0" y="2154436"/>
+                        </a:cubicBezTo>
+                        <a:cubicBezTo>
+                          <a:pt x="-36511" y="1964910"/>
+                          <a:pt x="65838" y="1758956"/>
+                          <a:pt x="0" y="1551194"/>
+                        </a:cubicBezTo>
+                        <a:cubicBezTo>
+                          <a:pt x="-65838" y="1343432"/>
+                          <a:pt x="60058" y="1245117"/>
+                          <a:pt x="0" y="1044901"/>
+                        </a:cubicBezTo>
+                        <a:cubicBezTo>
+                          <a:pt x="-60058" y="844685"/>
+                          <a:pt x="31697" y="687041"/>
+                          <a:pt x="0" y="538609"/>
+                        </a:cubicBezTo>
+                        <a:cubicBezTo>
+                          <a:pt x="-31697" y="390177"/>
+                          <a:pt x="29076" y="258859"/>
+                          <a:pt x="0" y="0"/>
+                        </a:cubicBezTo>
+                        <a:close/>
+                      </a:path>
+                      <a:path w="3447351" h="3231654" stroke="0" extrusionOk="0">
+                        <a:moveTo>
+                          <a:pt x="0" y="0"/>
+                        </a:moveTo>
+                        <a:cubicBezTo>
+                          <a:pt x="252612" y="-34767"/>
+                          <a:pt x="295373" y="63397"/>
+                          <a:pt x="540085" y="0"/>
+                        </a:cubicBezTo>
+                        <a:cubicBezTo>
+                          <a:pt x="784798" y="-63397"/>
+                          <a:pt x="799207" y="29328"/>
+                          <a:pt x="1011223" y="0"/>
+                        </a:cubicBezTo>
+                        <a:cubicBezTo>
+                          <a:pt x="1223239" y="-29328"/>
+                          <a:pt x="1335103" y="33963"/>
+                          <a:pt x="1654728" y="0"/>
+                        </a:cubicBezTo>
+                        <a:cubicBezTo>
+                          <a:pt x="1974353" y="-33963"/>
+                          <a:pt x="2052982" y="60940"/>
+                          <a:pt x="2194813" y="0"/>
+                        </a:cubicBezTo>
+                        <a:cubicBezTo>
+                          <a:pt x="2336645" y="-60940"/>
+                          <a:pt x="2589346" y="63105"/>
+                          <a:pt x="2734898" y="0"/>
+                        </a:cubicBezTo>
+                        <a:cubicBezTo>
+                          <a:pt x="2880450" y="-63105"/>
+                          <a:pt x="3146632" y="57316"/>
+                          <a:pt x="3447351" y="0"/>
+                        </a:cubicBezTo>
+                        <a:cubicBezTo>
+                          <a:pt x="3452612" y="179247"/>
+                          <a:pt x="3429303" y="267860"/>
+                          <a:pt x="3447351" y="473976"/>
+                        </a:cubicBezTo>
+                        <a:cubicBezTo>
+                          <a:pt x="3465399" y="680092"/>
+                          <a:pt x="3443516" y="822397"/>
+                          <a:pt x="3447351" y="1012585"/>
+                        </a:cubicBezTo>
+                        <a:cubicBezTo>
+                          <a:pt x="3451186" y="1202773"/>
+                          <a:pt x="3410607" y="1359367"/>
+                          <a:pt x="3447351" y="1486561"/>
+                        </a:cubicBezTo>
+                        <a:cubicBezTo>
+                          <a:pt x="3484095" y="1613755"/>
+                          <a:pt x="3422779" y="1783261"/>
+                          <a:pt x="3447351" y="1960537"/>
+                        </a:cubicBezTo>
+                        <a:cubicBezTo>
+                          <a:pt x="3471923" y="2137813"/>
+                          <a:pt x="3444785" y="2265381"/>
+                          <a:pt x="3447351" y="2499146"/>
+                        </a:cubicBezTo>
+                        <a:cubicBezTo>
+                          <a:pt x="3449917" y="2732911"/>
+                          <a:pt x="3411884" y="2980010"/>
+                          <a:pt x="3447351" y="3231654"/>
+                        </a:cubicBezTo>
+                        <a:cubicBezTo>
+                          <a:pt x="3325713" y="3268489"/>
+                          <a:pt x="3093879" y="3203295"/>
+                          <a:pt x="2976213" y="3231654"/>
+                        </a:cubicBezTo>
+                        <a:cubicBezTo>
+                          <a:pt x="2858547" y="3260013"/>
+                          <a:pt x="2643384" y="3219798"/>
+                          <a:pt x="2332708" y="3231654"/>
+                        </a:cubicBezTo>
+                        <a:cubicBezTo>
+                          <a:pt x="2022032" y="3243510"/>
+                          <a:pt x="1963606" y="3185379"/>
+                          <a:pt x="1827096" y="3231654"/>
+                        </a:cubicBezTo>
+                        <a:cubicBezTo>
+                          <a:pt x="1690586" y="3277929"/>
+                          <a:pt x="1426047" y="3197462"/>
+                          <a:pt x="1252538" y="3231654"/>
+                        </a:cubicBezTo>
+                        <a:cubicBezTo>
+                          <a:pt x="1079029" y="3265846"/>
+                          <a:pt x="785885" y="3216091"/>
+                          <a:pt x="609032" y="3231654"/>
+                        </a:cubicBezTo>
+                        <a:cubicBezTo>
+                          <a:pt x="432179" y="3247217"/>
+                          <a:pt x="220609" y="3169402"/>
+                          <a:pt x="0" y="3231654"/>
+                        </a:cubicBezTo>
+                        <a:cubicBezTo>
+                          <a:pt x="-29416" y="3102452"/>
+                          <a:pt x="46493" y="2921206"/>
+                          <a:pt x="0" y="2789995"/>
+                        </a:cubicBezTo>
+                        <a:cubicBezTo>
+                          <a:pt x="-46493" y="2658784"/>
+                          <a:pt x="15126" y="2429629"/>
+                          <a:pt x="0" y="2316019"/>
+                        </a:cubicBezTo>
+                        <a:cubicBezTo>
+                          <a:pt x="-15126" y="2202409"/>
+                          <a:pt x="31117" y="2047663"/>
+                          <a:pt x="0" y="1809726"/>
+                        </a:cubicBezTo>
+                        <a:cubicBezTo>
+                          <a:pt x="-31117" y="1571789"/>
+                          <a:pt x="1647" y="1455054"/>
+                          <a:pt x="0" y="1206484"/>
+                        </a:cubicBezTo>
+                        <a:cubicBezTo>
+                          <a:pt x="-1647" y="957914"/>
+                          <a:pt x="40717" y="818700"/>
+                          <a:pt x="0" y="667875"/>
+                        </a:cubicBezTo>
+                        <a:cubicBezTo>
+                          <a:pt x="-40717" y="517050"/>
+                          <a:pt x="69327" y="148129"/>
+                          <a:pt x="0" y="0"/>
+                        </a:cubicBezTo>
+                        <a:close/>
+                      </a:path>
+                    </a:pathLst>
+                  </a:custGeom>
+                  <ask:type>
+                    <ask:lineSketchNone/>
+                  </ask:type>
+                </ask:lineSketchStyleProps>
+              </a:ext>
+            </a:extLst>
           </a:ln>
+          <a:effectLst>
+            <a:softEdge rad="0"/>
+          </a:effectLst>
         </p:spPr>
         <p:txBody>
           <a:bodyPr wrap="square" rtlCol="0">
@@ -3625,7 +5308,7 @@
           <a:lstStyle/>
           <a:p>
             <a:r>
-              <a:rPr lang="en-GB" sz="1050" dirty="0"/>
+              <a:rPr lang="en-GB" sz="1200" dirty="0"/>
               <a:t>Previous works</a:t>
             </a:r>
           </a:p>
@@ -3635,7 +5318,7 @@
               <a:buChar char="-"/>
             </a:pPr>
             <a:r>
-              <a:rPr lang="en-GB" sz="1050" dirty="0"/>
+              <a:rPr lang="en-GB" sz="1200" dirty="0"/>
               <a:t>Kamil Franek</a:t>
             </a:r>
           </a:p>
@@ -3645,18 +5328,18 @@
               <a:buChar char="-"/>
             </a:pPr>
             <a:r>
-              <a:rPr lang="en-GB" sz="1050" dirty="0"/>
+              <a:rPr lang="en-GB" sz="1200" dirty="0"/>
               <a:t>Lauren </a:t>
             </a:r>
             <a:r>
-              <a:rPr lang="en-GB" sz="1050" dirty="0" err="1"/>
+              <a:rPr lang="en-GB" sz="1200" dirty="0" err="1"/>
               <a:t>Matzen</a:t>
             </a:r>
-            <a:endParaRPr lang="en-GB" sz="1050" dirty="0"/>
-          </a:p>
-          <a:p>
-            <a:r>
-              <a:rPr lang="en-GB" sz="1050" dirty="0"/>
+            <a:endParaRPr lang="en-GB" sz="1200" dirty="0"/>
+          </a:p>
+          <a:p>
+            <a:r>
+              <a:rPr lang="en-GB" sz="1200" dirty="0"/>
               <a:t>Results discussion and heatmap</a:t>
             </a:r>
           </a:p>
@@ -3666,7 +5349,7 @@
               <a:buChar char="-"/>
             </a:pPr>
             <a:r>
-              <a:rPr lang="en-GB" sz="1050" dirty="0"/>
+              <a:rPr lang="en-GB" sz="1200" dirty="0"/>
               <a:t>Image of the heatmap</a:t>
             </a:r>
           </a:p>
@@ -3675,116 +5358,61 @@
               <a:buFontTx/>
               <a:buChar char="-"/>
             </a:pPr>
-            <a:endParaRPr lang="en-GB" sz="1050" dirty="0"/>
-          </a:p>
-          <a:p>
-            <a:endParaRPr lang="en-GB" sz="1050" dirty="0"/>
-          </a:p>
-          <a:p>
-            <a:r>
-              <a:rPr lang="en-GB" sz="1050" dirty="0"/>
-              <a:t>	                   Small explanations and 	                   discussion</a:t>
-            </a:r>
-          </a:p>
-          <a:p>
-            <a:endParaRPr lang="en-GB" sz="1050" dirty="0"/>
-          </a:p>
-          <a:p>
-            <a:endParaRPr lang="en-GB" sz="1050" dirty="0"/>
-          </a:p>
-          <a:p>
-            <a:endParaRPr lang="en-GB" sz="1050" dirty="0"/>
-          </a:p>
-          <a:p>
-            <a:endParaRPr lang="en-GB" sz="1050" dirty="0"/>
-          </a:p>
-          <a:p>
-            <a:r>
-              <a:rPr lang="en-GB" sz="1050" dirty="0"/>
-              <a:t>	                   Small explanations and 	                   discussion</a:t>
-            </a:r>
-          </a:p>
-          <a:p>
-            <a:endParaRPr lang="en-GB" sz="1050" dirty="0"/>
-          </a:p>
-          <a:p>
-            <a:endParaRPr lang="en-GB" sz="1050" dirty="0"/>
-          </a:p>
-          <a:p>
-            <a:endParaRPr lang="en-GB" sz="1050" dirty="0"/>
-          </a:p>
-          <a:p>
-            <a:endParaRPr lang="en-GB" sz="1050" dirty="0"/>
-          </a:p>
-          <a:p>
-            <a:r>
-              <a:rPr lang="en-GB" sz="1050" dirty="0"/>
-              <a:t>	                   Small explanations and 	                   discussion</a:t>
-            </a:r>
-          </a:p>
-          <a:p>
-            <a:endParaRPr lang="en-GB" sz="1050" dirty="0"/>
-          </a:p>
-          <a:p>
-            <a:endParaRPr lang="en-GB" sz="1050" dirty="0"/>
-          </a:p>
-          <a:p>
-            <a:endParaRPr lang="en-GB" sz="1050" dirty="0"/>
-          </a:p>
-        </p:txBody>
-      </p:sp>
-      <p:sp>
-        <p:nvSpPr>
-          <p:cNvPr id="10" name="TextBox 9">
+            <a:endParaRPr lang="en-GB" sz="1200" dirty="0"/>
+          </a:p>
+          <a:p>
+            <a:endParaRPr lang="en-GB" sz="1200" dirty="0"/>
+          </a:p>
+          <a:p>
+            <a:r>
+              <a:rPr lang="en-GB" sz="1200" dirty="0"/>
+              <a:t>	                   Small explanations and 	                   		      discussion</a:t>
+            </a:r>
+          </a:p>
+          <a:p>
+            <a:endParaRPr lang="en-GB" sz="1200" dirty="0"/>
+          </a:p>
+          <a:p>
+            <a:endParaRPr lang="en-GB" sz="1200" dirty="0"/>
+          </a:p>
+          <a:p>
+            <a:endParaRPr lang="en-GB" sz="1200" dirty="0"/>
+          </a:p>
+          <a:p>
+            <a:r>
+              <a:rPr lang="en-GB" sz="1200" dirty="0"/>
+              <a:t>	                   Small explanations and 	                   		      discussion</a:t>
+            </a:r>
+          </a:p>
+          <a:p>
+            <a:endParaRPr lang="en-GB" sz="1200" dirty="0"/>
+          </a:p>
+          <a:p>
+            <a:endParaRPr lang="en-GB" sz="1200" dirty="0"/>
+          </a:p>
+          <a:p>
+            <a:r>
+              <a:rPr lang="en-GB" sz="1200" dirty="0"/>
+              <a:t>	                   Small explanations and 	                   		      discussion</a:t>
+            </a:r>
+          </a:p>
+          <a:p>
+            <a:endParaRPr lang="en-GB" sz="1200" dirty="0"/>
+          </a:p>
+          <a:p>
+            <a:endParaRPr lang="en-GB" sz="1200" dirty="0"/>
+          </a:p>
+          <a:p>
+            <a:endParaRPr lang="en-GB" sz="1200" dirty="0"/>
+          </a:p>
+        </p:txBody>
+      </p:sp>
+      <p:sp>
+        <p:nvSpPr>
+          <p:cNvPr id="13" name="Rectangle 12">
             <a:extLst>
               <a:ext uri="{FF2B5EF4-FFF2-40B4-BE49-F238E27FC236}">
-                <a16:creationId xmlns:a16="http://schemas.microsoft.com/office/drawing/2014/main" id="{1923B0B7-1572-7161-4C29-7C7A4CC36DD9}"/>
-              </a:ext>
-            </a:extLst>
-          </p:cNvPr>
-          <p:cNvSpPr txBox="1"/>
-          <p:nvPr/>
-        </p:nvSpPr>
-        <p:spPr>
-          <a:xfrm>
-            <a:off x="8272139" y="5395460"/>
-            <a:ext cx="3371850" cy="923330"/>
-          </a:xfrm>
-          <a:prstGeom prst="rect">
-            <a:avLst/>
-          </a:prstGeom>
-          <a:noFill/>
-          <a:ln>
-            <a:solidFill>
-              <a:schemeClr val="tx1"/>
-            </a:solidFill>
-          </a:ln>
-        </p:spPr>
-        <p:txBody>
-          <a:bodyPr wrap="square" rtlCol="0">
-            <a:spAutoFit/>
-          </a:bodyPr>
-          <a:lstStyle/>
-          <a:p>
-            <a:endParaRPr lang="en-GB" dirty="0"/>
-          </a:p>
-          <a:p>
-            <a:r>
-              <a:rPr lang="en-GB" dirty="0"/>
-              <a:t>Visuals used</a:t>
-            </a:r>
-          </a:p>
-          <a:p>
-            <a:endParaRPr lang="en-GB" dirty="0"/>
-          </a:p>
-        </p:txBody>
-      </p:sp>
-      <p:sp>
-        <p:nvSpPr>
-          <p:cNvPr id="11" name="Rectangle 10">
-            <a:extLst>
-              <a:ext uri="{FF2B5EF4-FFF2-40B4-BE49-F238E27FC236}">
-                <a16:creationId xmlns:a16="http://schemas.microsoft.com/office/drawing/2014/main" id="{F1A99EE6-2F82-F136-726B-81F7405082EF}"/>
+                <a16:creationId xmlns:a16="http://schemas.microsoft.com/office/drawing/2014/main" id="{722F1FB7-37BD-C230-48F0-CDEA34EA17B7}"/>
               </a:ext>
             </a:extLst>
           </p:cNvPr>
@@ -3793,7 +5421,7 @@
         </p:nvSpPr>
         <p:spPr>
           <a:xfrm>
-            <a:off x="8509687" y="2127105"/>
+            <a:off x="8473550" y="2551461"/>
             <a:ext cx="1210962" cy="777298"/>
           </a:xfrm>
           <a:prstGeom prst="rect">
@@ -3839,7 +5467,7 @@
         </p:nvSpPr>
         <p:spPr>
           <a:xfrm>
-            <a:off x="8509687" y="3077809"/>
+            <a:off x="8480312" y="4413048"/>
             <a:ext cx="1210962" cy="777298"/>
           </a:xfrm>
           <a:prstGeom prst="rect">
@@ -3873,10 +5501,10 @@
       </p:sp>
       <p:sp>
         <p:nvSpPr>
-          <p:cNvPr id="13" name="Rectangle 12">
+          <p:cNvPr id="11" name="Rectangle 10">
             <a:extLst>
               <a:ext uri="{FF2B5EF4-FFF2-40B4-BE49-F238E27FC236}">
-                <a16:creationId xmlns:a16="http://schemas.microsoft.com/office/drawing/2014/main" id="{722F1FB7-37BD-C230-48F0-CDEA34EA17B7}"/>
+                <a16:creationId xmlns:a16="http://schemas.microsoft.com/office/drawing/2014/main" id="{F1A99EE6-2F82-F136-726B-81F7405082EF}"/>
               </a:ext>
             </a:extLst>
           </p:cNvPr>
@@ -3885,7 +5513,7 @@
         </p:nvSpPr>
         <p:spPr>
           <a:xfrm>
-            <a:off x="8509687" y="4066015"/>
+            <a:off x="8480662" y="3529242"/>
             <a:ext cx="1210962" cy="777298"/>
           </a:xfrm>
           <a:prstGeom prst="rect">
@@ -3917,6 +5545,577 @@
           </a:p>
         </p:txBody>
       </p:sp>
+      <p:pic>
+        <p:nvPicPr>
+          <p:cNvPr id="23" name="Graphic 22">
+            <a:extLst>
+              <a:ext uri="{FF2B5EF4-FFF2-40B4-BE49-F238E27FC236}">
+                <a16:creationId xmlns:a16="http://schemas.microsoft.com/office/drawing/2014/main" id="{4CFEA841-0277-94EC-7989-6DB21D048C1F}"/>
+              </a:ext>
+            </a:extLst>
+          </p:cNvPr>
+          <p:cNvPicPr>
+            <a:picLocks noChangeAspect="1"/>
+          </p:cNvPicPr>
+          <p:nvPr/>
+        </p:nvPicPr>
+        <p:blipFill>
+          <a:blip r:embed="rId2">
+            <a:extLst>
+              <a:ext uri="{28A0092B-C50C-407E-A947-70E740481C1C}">
+                <a14:useLocalDpi xmlns:a14="http://schemas.microsoft.com/office/drawing/2010/main" val="0"/>
+              </a:ext>
+              <a:ext uri="{96DAC541-7B7A-43D3-8B79-37D633B846F1}">
+                <asvg:svgBlip xmlns:asvg="http://schemas.microsoft.com/office/drawing/2016/SVG/main" r:embed="rId3"/>
+              </a:ext>
+            </a:extLst>
+          </a:blip>
+          <a:stretch>
+            <a:fillRect/>
+          </a:stretch>
+        </p:blipFill>
+        <p:spPr>
+          <a:xfrm>
+            <a:off x="11114211" y="95660"/>
+            <a:ext cx="890016" cy="1046349"/>
+          </a:xfrm>
+          <a:prstGeom prst="rect">
+            <a:avLst/>
+          </a:prstGeom>
+        </p:spPr>
+      </p:pic>
+      <p:pic>
+        <p:nvPicPr>
+          <p:cNvPr id="30" name="Picture 29" descr="A person sitting at a desk with a computer&#10;&#10;Description automatically generated">
+            <a:extLst>
+              <a:ext uri="{FF2B5EF4-FFF2-40B4-BE49-F238E27FC236}">
+                <a16:creationId xmlns:a16="http://schemas.microsoft.com/office/drawing/2014/main" id="{12962718-9293-7B43-AA37-159E07FF5A76}"/>
+              </a:ext>
+            </a:extLst>
+          </p:cNvPr>
+          <p:cNvPicPr>
+            <a:picLocks noChangeAspect="1"/>
+          </p:cNvPicPr>
+          <p:nvPr/>
+        </p:nvPicPr>
+        <p:blipFill>
+          <a:blip r:embed="rId4">
+            <a:extLst>
+              <a:ext uri="{BEBA8EAE-BF5A-486C-A8C5-ECC9F3942E4B}">
+                <a14:imgProps xmlns:a14="http://schemas.microsoft.com/office/drawing/2010/main">
+                  <a14:imgLayer r:embed="rId5">
+                    <a14:imgEffect>
+                      <a14:backgroundRemoval t="10000" b="90000" l="10000" r="90000">
+                        <a14:foregroundMark x1="67513" y1="35924" x2="71574" y2="46639"/>
+                        <a14:foregroundMark x1="71574" y1="46639" x2="71574" y2="50210"/>
+                        <a14:foregroundMark x1="74619" y1="53151" x2="77919" y2="73319"/>
+                        <a14:foregroundMark x1="67005" y1="42857" x2="66751" y2="46639"/>
+                        <a14:foregroundMark x1="70558" y1="41597" x2="71574" y2="47689"/>
+                        <a14:foregroundMark x1="50000" y1="52311" x2="70812" y2="52101"/>
+                        <a14:foregroundMark x1="54822" y1="52941" x2="53046" y2="68487"/>
+                        <a14:foregroundMark x1="55584" y1="50630" x2="60914" y2="50420"/>
+                        <a14:foregroundMark x1="73096" y1="38445" x2="72589" y2="44328"/>
+                        <a14:foregroundMark x1="34772" y1="65756" x2="31472" y2="76471"/>
+                        <a14:foregroundMark x1="31472" y1="76471" x2="26396" y2="77731"/>
+                        <a14:foregroundMark x1="36802" y1="76050" x2="44924" y2="77521"/>
+                        <a14:foregroundMark x1="69289" y1="78361" x2="18274" y2="78782"/>
+                        <a14:foregroundMark x1="54569" y1="74580" x2="60406" y2="73319"/>
+                        <a14:foregroundMark x1="78173" y1="77941" x2="77665" y2="73319"/>
+                        <a14:foregroundMark x1="68528" y1="78571" x2="77665" y2="78571"/>
+                        <a14:backgroundMark x1="28934" y1="10294" x2="28934" y2="10294"/>
+                      </a14:backgroundRemoval>
+                    </a14:imgEffect>
+                  </a14:imgLayer>
+                </a14:imgProps>
+              </a:ext>
+              <a:ext uri="{28A0092B-C50C-407E-A947-70E740481C1C}">
+                <a14:useLocalDpi xmlns:a14="http://schemas.microsoft.com/office/drawing/2010/main" val="0"/>
+              </a:ext>
+            </a:extLst>
+          </a:blip>
+          <a:stretch>
+            <a:fillRect/>
+          </a:stretch>
+        </p:blipFill>
+        <p:spPr>
+          <a:xfrm>
+            <a:off x="2496527" y="4413048"/>
+            <a:ext cx="1520623" cy="1837098"/>
+          </a:xfrm>
+          <a:prstGeom prst="rect">
+            <a:avLst/>
+          </a:prstGeom>
+        </p:spPr>
+      </p:pic>
+      <p:sp>
+        <p:nvSpPr>
+          <p:cNvPr id="2" name="TextBox 1">
+            <a:extLst>
+              <a:ext uri="{FF2B5EF4-FFF2-40B4-BE49-F238E27FC236}">
+                <a16:creationId xmlns:a16="http://schemas.microsoft.com/office/drawing/2014/main" id="{D0B1C96B-52F4-7C90-9B58-D20913F3C38D}"/>
+              </a:ext>
+            </a:extLst>
+          </p:cNvPr>
+          <p:cNvSpPr txBox="1"/>
+          <p:nvPr/>
+        </p:nvSpPr>
+        <p:spPr>
+          <a:xfrm>
+            <a:off x="8174850" y="5331597"/>
+            <a:ext cx="3960000" cy="1000274"/>
+          </a:xfrm>
+          <a:prstGeom prst="rect">
+            <a:avLst/>
+          </a:prstGeom>
+          <a:solidFill>
+            <a:schemeClr val="accent1">
+              <a:lumMod val="20000"/>
+              <a:lumOff val="80000"/>
+            </a:schemeClr>
+          </a:solidFill>
+          <a:ln w="57150" cmpd="thickThin">
+            <a:solidFill>
+              <a:schemeClr val="accent5">
+                <a:lumMod val="50000"/>
+                <a:alpha val="50000"/>
+              </a:schemeClr>
+            </a:solidFill>
+            <a:extLst>
+              <a:ext uri="{C807C97D-BFC1-408E-A445-0C87EB9F89A2}">
+                <ask:lineSketchStyleProps xmlns:ask="http://schemas.microsoft.com/office/drawing/2018/sketchyshapes" sd="1219033472">
+                  <a:custGeom>
+                    <a:avLst/>
+                    <a:gdLst>
+                      <a:gd name="connsiteX0" fmla="*/ 0 w 3447351"/>
+                      <a:gd name="connsiteY0" fmla="*/ 0 h 3231654"/>
+                      <a:gd name="connsiteX1" fmla="*/ 471138 w 3447351"/>
+                      <a:gd name="connsiteY1" fmla="*/ 0 h 3231654"/>
+                      <a:gd name="connsiteX2" fmla="*/ 1114643 w 3447351"/>
+                      <a:gd name="connsiteY2" fmla="*/ 0 h 3231654"/>
+                      <a:gd name="connsiteX3" fmla="*/ 1723676 w 3447351"/>
+                      <a:gd name="connsiteY3" fmla="*/ 0 h 3231654"/>
+                      <a:gd name="connsiteX4" fmla="*/ 2194813 w 3447351"/>
+                      <a:gd name="connsiteY4" fmla="*/ 0 h 3231654"/>
+                      <a:gd name="connsiteX5" fmla="*/ 2734898 w 3447351"/>
+                      <a:gd name="connsiteY5" fmla="*/ 0 h 3231654"/>
+                      <a:gd name="connsiteX6" fmla="*/ 3447351 w 3447351"/>
+                      <a:gd name="connsiteY6" fmla="*/ 0 h 3231654"/>
+                      <a:gd name="connsiteX7" fmla="*/ 3447351 w 3447351"/>
+                      <a:gd name="connsiteY7" fmla="*/ 538609 h 3231654"/>
+                      <a:gd name="connsiteX8" fmla="*/ 3447351 w 3447351"/>
+                      <a:gd name="connsiteY8" fmla="*/ 1012585 h 3231654"/>
+                      <a:gd name="connsiteX9" fmla="*/ 3447351 w 3447351"/>
+                      <a:gd name="connsiteY9" fmla="*/ 1454244 h 3231654"/>
+                      <a:gd name="connsiteX10" fmla="*/ 3447351 w 3447351"/>
+                      <a:gd name="connsiteY10" fmla="*/ 1928220 h 3231654"/>
+                      <a:gd name="connsiteX11" fmla="*/ 3447351 w 3447351"/>
+                      <a:gd name="connsiteY11" fmla="*/ 2499146 h 3231654"/>
+                      <a:gd name="connsiteX12" fmla="*/ 3447351 w 3447351"/>
+                      <a:gd name="connsiteY12" fmla="*/ 3231654 h 3231654"/>
+                      <a:gd name="connsiteX13" fmla="*/ 2976213 w 3447351"/>
+                      <a:gd name="connsiteY13" fmla="*/ 3231654 h 3231654"/>
+                      <a:gd name="connsiteX14" fmla="*/ 2505075 w 3447351"/>
+                      <a:gd name="connsiteY14" fmla="*/ 3231654 h 3231654"/>
+                      <a:gd name="connsiteX15" fmla="*/ 1896043 w 3447351"/>
+                      <a:gd name="connsiteY15" fmla="*/ 3231654 h 3231654"/>
+                      <a:gd name="connsiteX16" fmla="*/ 1424905 w 3447351"/>
+                      <a:gd name="connsiteY16" fmla="*/ 3231654 h 3231654"/>
+                      <a:gd name="connsiteX17" fmla="*/ 850347 w 3447351"/>
+                      <a:gd name="connsiteY17" fmla="*/ 3231654 h 3231654"/>
+                      <a:gd name="connsiteX18" fmla="*/ 0 w 3447351"/>
+                      <a:gd name="connsiteY18" fmla="*/ 3231654 h 3231654"/>
+                      <a:gd name="connsiteX19" fmla="*/ 0 w 3447351"/>
+                      <a:gd name="connsiteY19" fmla="*/ 2693045 h 3231654"/>
+                      <a:gd name="connsiteX20" fmla="*/ 0 w 3447351"/>
+                      <a:gd name="connsiteY20" fmla="*/ 2154436 h 3231654"/>
+                      <a:gd name="connsiteX21" fmla="*/ 0 w 3447351"/>
+                      <a:gd name="connsiteY21" fmla="*/ 1551194 h 3231654"/>
+                      <a:gd name="connsiteX22" fmla="*/ 0 w 3447351"/>
+                      <a:gd name="connsiteY22" fmla="*/ 1044901 h 3231654"/>
+                      <a:gd name="connsiteX23" fmla="*/ 0 w 3447351"/>
+                      <a:gd name="connsiteY23" fmla="*/ 538609 h 3231654"/>
+                      <a:gd name="connsiteX24" fmla="*/ 0 w 3447351"/>
+                      <a:gd name="connsiteY24" fmla="*/ 0 h 3231654"/>
+                    </a:gdLst>
+                    <a:ahLst/>
+                    <a:cxnLst>
+                      <a:cxn ang="0">
+                        <a:pos x="connsiteX0" y="connsiteY0"/>
+                      </a:cxn>
+                      <a:cxn ang="0">
+                        <a:pos x="connsiteX1" y="connsiteY1"/>
+                      </a:cxn>
+                      <a:cxn ang="0">
+                        <a:pos x="connsiteX2" y="connsiteY2"/>
+                      </a:cxn>
+                      <a:cxn ang="0">
+                        <a:pos x="connsiteX3" y="connsiteY3"/>
+                      </a:cxn>
+                      <a:cxn ang="0">
+                        <a:pos x="connsiteX4" y="connsiteY4"/>
+                      </a:cxn>
+                      <a:cxn ang="0">
+                        <a:pos x="connsiteX5" y="connsiteY5"/>
+                      </a:cxn>
+                      <a:cxn ang="0">
+                        <a:pos x="connsiteX6" y="connsiteY6"/>
+                      </a:cxn>
+                      <a:cxn ang="0">
+                        <a:pos x="connsiteX7" y="connsiteY7"/>
+                      </a:cxn>
+                      <a:cxn ang="0">
+                        <a:pos x="connsiteX8" y="connsiteY8"/>
+                      </a:cxn>
+                      <a:cxn ang="0">
+                        <a:pos x="connsiteX9" y="connsiteY9"/>
+                      </a:cxn>
+                      <a:cxn ang="0">
+                        <a:pos x="connsiteX10" y="connsiteY10"/>
+                      </a:cxn>
+                      <a:cxn ang="0">
+                        <a:pos x="connsiteX11" y="connsiteY11"/>
+                      </a:cxn>
+                      <a:cxn ang="0">
+                        <a:pos x="connsiteX12" y="connsiteY12"/>
+                      </a:cxn>
+                      <a:cxn ang="0">
+                        <a:pos x="connsiteX13" y="connsiteY13"/>
+                      </a:cxn>
+                      <a:cxn ang="0">
+                        <a:pos x="connsiteX14" y="connsiteY14"/>
+                      </a:cxn>
+                      <a:cxn ang="0">
+                        <a:pos x="connsiteX15" y="connsiteY15"/>
+                      </a:cxn>
+                      <a:cxn ang="0">
+                        <a:pos x="connsiteX16" y="connsiteY16"/>
+                      </a:cxn>
+                      <a:cxn ang="0">
+                        <a:pos x="connsiteX17" y="connsiteY17"/>
+                      </a:cxn>
+                      <a:cxn ang="0">
+                        <a:pos x="connsiteX18" y="connsiteY18"/>
+                      </a:cxn>
+                      <a:cxn ang="0">
+                        <a:pos x="connsiteX19" y="connsiteY19"/>
+                      </a:cxn>
+                      <a:cxn ang="0">
+                        <a:pos x="connsiteX20" y="connsiteY20"/>
+                      </a:cxn>
+                      <a:cxn ang="0">
+                        <a:pos x="connsiteX21" y="connsiteY21"/>
+                      </a:cxn>
+                      <a:cxn ang="0">
+                        <a:pos x="connsiteX22" y="connsiteY22"/>
+                      </a:cxn>
+                      <a:cxn ang="0">
+                        <a:pos x="connsiteX23" y="connsiteY23"/>
+                      </a:cxn>
+                      <a:cxn ang="0">
+                        <a:pos x="connsiteX24" y="connsiteY24"/>
+                      </a:cxn>
+                    </a:cxnLst>
+                    <a:rect l="l" t="t" r="r" b="b"/>
+                    <a:pathLst>
+                      <a:path w="3447351" h="3231654" fill="none" extrusionOk="0">
+                        <a:moveTo>
+                          <a:pt x="0" y="0"/>
+                        </a:moveTo>
+                        <a:cubicBezTo>
+                          <a:pt x="202617" y="-38501"/>
+                          <a:pt x="285997" y="13940"/>
+                          <a:pt x="471138" y="0"/>
+                        </a:cubicBezTo>
+                        <a:cubicBezTo>
+                          <a:pt x="656279" y="-13940"/>
+                          <a:pt x="817291" y="59168"/>
+                          <a:pt x="1114643" y="0"/>
+                        </a:cubicBezTo>
+                        <a:cubicBezTo>
+                          <a:pt x="1411995" y="-59168"/>
+                          <a:pt x="1499799" y="47491"/>
+                          <a:pt x="1723676" y="0"/>
+                        </a:cubicBezTo>
+                        <a:cubicBezTo>
+                          <a:pt x="1947553" y="-47491"/>
+                          <a:pt x="2013086" y="38759"/>
+                          <a:pt x="2194813" y="0"/>
+                        </a:cubicBezTo>
+                        <a:cubicBezTo>
+                          <a:pt x="2376540" y="-38759"/>
+                          <a:pt x="2541738" y="1750"/>
+                          <a:pt x="2734898" y="0"/>
+                        </a:cubicBezTo>
+                        <a:cubicBezTo>
+                          <a:pt x="2928059" y="-1750"/>
+                          <a:pt x="3161502" y="82291"/>
+                          <a:pt x="3447351" y="0"/>
+                        </a:cubicBezTo>
+                        <a:cubicBezTo>
+                          <a:pt x="3490015" y="207135"/>
+                          <a:pt x="3414320" y="293708"/>
+                          <a:pt x="3447351" y="538609"/>
+                        </a:cubicBezTo>
+                        <a:cubicBezTo>
+                          <a:pt x="3480382" y="783510"/>
+                          <a:pt x="3419511" y="859737"/>
+                          <a:pt x="3447351" y="1012585"/>
+                        </a:cubicBezTo>
+                        <a:cubicBezTo>
+                          <a:pt x="3475191" y="1165433"/>
+                          <a:pt x="3427395" y="1263319"/>
+                          <a:pt x="3447351" y="1454244"/>
+                        </a:cubicBezTo>
+                        <a:cubicBezTo>
+                          <a:pt x="3467307" y="1645169"/>
+                          <a:pt x="3442103" y="1734714"/>
+                          <a:pt x="3447351" y="1928220"/>
+                        </a:cubicBezTo>
+                        <a:cubicBezTo>
+                          <a:pt x="3452599" y="2121726"/>
+                          <a:pt x="3394624" y="2345628"/>
+                          <a:pt x="3447351" y="2499146"/>
+                        </a:cubicBezTo>
+                        <a:cubicBezTo>
+                          <a:pt x="3500078" y="2652664"/>
+                          <a:pt x="3400934" y="3048573"/>
+                          <a:pt x="3447351" y="3231654"/>
+                        </a:cubicBezTo>
+                        <a:cubicBezTo>
+                          <a:pt x="3332184" y="3280629"/>
+                          <a:pt x="3088320" y="3179403"/>
+                          <a:pt x="2976213" y="3231654"/>
+                        </a:cubicBezTo>
+                        <a:cubicBezTo>
+                          <a:pt x="2864106" y="3283905"/>
+                          <a:pt x="2712431" y="3215636"/>
+                          <a:pt x="2505075" y="3231654"/>
+                        </a:cubicBezTo>
+                        <a:cubicBezTo>
+                          <a:pt x="2297719" y="3247672"/>
+                          <a:pt x="2035543" y="3218695"/>
+                          <a:pt x="1896043" y="3231654"/>
+                        </a:cubicBezTo>
+                        <a:cubicBezTo>
+                          <a:pt x="1756543" y="3244613"/>
+                          <a:pt x="1539554" y="3188205"/>
+                          <a:pt x="1424905" y="3231654"/>
+                        </a:cubicBezTo>
+                        <a:cubicBezTo>
+                          <a:pt x="1310256" y="3275103"/>
+                          <a:pt x="1122117" y="3191936"/>
+                          <a:pt x="850347" y="3231654"/>
+                        </a:cubicBezTo>
+                        <a:cubicBezTo>
+                          <a:pt x="578577" y="3271372"/>
+                          <a:pt x="356669" y="3160269"/>
+                          <a:pt x="0" y="3231654"/>
+                        </a:cubicBezTo>
+                        <a:cubicBezTo>
+                          <a:pt x="-63190" y="3096310"/>
+                          <a:pt x="29888" y="2810014"/>
+                          <a:pt x="0" y="2693045"/>
+                        </a:cubicBezTo>
+                        <a:cubicBezTo>
+                          <a:pt x="-29888" y="2576076"/>
+                          <a:pt x="36511" y="2343962"/>
+                          <a:pt x="0" y="2154436"/>
+                        </a:cubicBezTo>
+                        <a:cubicBezTo>
+                          <a:pt x="-36511" y="1964910"/>
+                          <a:pt x="65838" y="1758956"/>
+                          <a:pt x="0" y="1551194"/>
+                        </a:cubicBezTo>
+                        <a:cubicBezTo>
+                          <a:pt x="-65838" y="1343432"/>
+                          <a:pt x="60058" y="1245117"/>
+                          <a:pt x="0" y="1044901"/>
+                        </a:cubicBezTo>
+                        <a:cubicBezTo>
+                          <a:pt x="-60058" y="844685"/>
+                          <a:pt x="31697" y="687041"/>
+                          <a:pt x="0" y="538609"/>
+                        </a:cubicBezTo>
+                        <a:cubicBezTo>
+                          <a:pt x="-31697" y="390177"/>
+                          <a:pt x="29076" y="258859"/>
+                          <a:pt x="0" y="0"/>
+                        </a:cubicBezTo>
+                        <a:close/>
+                      </a:path>
+                      <a:path w="3447351" h="3231654" stroke="0" extrusionOk="0">
+                        <a:moveTo>
+                          <a:pt x="0" y="0"/>
+                        </a:moveTo>
+                        <a:cubicBezTo>
+                          <a:pt x="252612" y="-34767"/>
+                          <a:pt x="295373" y="63397"/>
+                          <a:pt x="540085" y="0"/>
+                        </a:cubicBezTo>
+                        <a:cubicBezTo>
+                          <a:pt x="784798" y="-63397"/>
+                          <a:pt x="799207" y="29328"/>
+                          <a:pt x="1011223" y="0"/>
+                        </a:cubicBezTo>
+                        <a:cubicBezTo>
+                          <a:pt x="1223239" y="-29328"/>
+                          <a:pt x="1335103" y="33963"/>
+                          <a:pt x="1654728" y="0"/>
+                        </a:cubicBezTo>
+                        <a:cubicBezTo>
+                          <a:pt x="1974353" y="-33963"/>
+                          <a:pt x="2052982" y="60940"/>
+                          <a:pt x="2194813" y="0"/>
+                        </a:cubicBezTo>
+                        <a:cubicBezTo>
+                          <a:pt x="2336645" y="-60940"/>
+                          <a:pt x="2589346" y="63105"/>
+                          <a:pt x="2734898" y="0"/>
+                        </a:cubicBezTo>
+                        <a:cubicBezTo>
+                          <a:pt x="2880450" y="-63105"/>
+                          <a:pt x="3146632" y="57316"/>
+                          <a:pt x="3447351" y="0"/>
+                        </a:cubicBezTo>
+                        <a:cubicBezTo>
+                          <a:pt x="3452612" y="179247"/>
+                          <a:pt x="3429303" y="267860"/>
+                          <a:pt x="3447351" y="473976"/>
+                        </a:cubicBezTo>
+                        <a:cubicBezTo>
+                          <a:pt x="3465399" y="680092"/>
+                          <a:pt x="3443516" y="822397"/>
+                          <a:pt x="3447351" y="1012585"/>
+                        </a:cubicBezTo>
+                        <a:cubicBezTo>
+                          <a:pt x="3451186" y="1202773"/>
+                          <a:pt x="3410607" y="1359367"/>
+                          <a:pt x="3447351" y="1486561"/>
+                        </a:cubicBezTo>
+                        <a:cubicBezTo>
+                          <a:pt x="3484095" y="1613755"/>
+                          <a:pt x="3422779" y="1783261"/>
+                          <a:pt x="3447351" y="1960537"/>
+                        </a:cubicBezTo>
+                        <a:cubicBezTo>
+                          <a:pt x="3471923" y="2137813"/>
+                          <a:pt x="3444785" y="2265381"/>
+                          <a:pt x="3447351" y="2499146"/>
+                        </a:cubicBezTo>
+                        <a:cubicBezTo>
+                          <a:pt x="3449917" y="2732911"/>
+                          <a:pt x="3411884" y="2980010"/>
+                          <a:pt x="3447351" y="3231654"/>
+                        </a:cubicBezTo>
+                        <a:cubicBezTo>
+                          <a:pt x="3325713" y="3268489"/>
+                          <a:pt x="3093879" y="3203295"/>
+                          <a:pt x="2976213" y="3231654"/>
+                        </a:cubicBezTo>
+                        <a:cubicBezTo>
+                          <a:pt x="2858547" y="3260013"/>
+                          <a:pt x="2643384" y="3219798"/>
+                          <a:pt x="2332708" y="3231654"/>
+                        </a:cubicBezTo>
+                        <a:cubicBezTo>
+                          <a:pt x="2022032" y="3243510"/>
+                          <a:pt x="1963606" y="3185379"/>
+                          <a:pt x="1827096" y="3231654"/>
+                        </a:cubicBezTo>
+                        <a:cubicBezTo>
+                          <a:pt x="1690586" y="3277929"/>
+                          <a:pt x="1426047" y="3197462"/>
+                          <a:pt x="1252538" y="3231654"/>
+                        </a:cubicBezTo>
+                        <a:cubicBezTo>
+                          <a:pt x="1079029" y="3265846"/>
+                          <a:pt x="785885" y="3216091"/>
+                          <a:pt x="609032" y="3231654"/>
+                        </a:cubicBezTo>
+                        <a:cubicBezTo>
+                          <a:pt x="432179" y="3247217"/>
+                          <a:pt x="220609" y="3169402"/>
+                          <a:pt x="0" y="3231654"/>
+                        </a:cubicBezTo>
+                        <a:cubicBezTo>
+                          <a:pt x="-29416" y="3102452"/>
+                          <a:pt x="46493" y="2921206"/>
+                          <a:pt x="0" y="2789995"/>
+                        </a:cubicBezTo>
+                        <a:cubicBezTo>
+                          <a:pt x="-46493" y="2658784"/>
+                          <a:pt x="15126" y="2429629"/>
+                          <a:pt x="0" y="2316019"/>
+                        </a:cubicBezTo>
+                        <a:cubicBezTo>
+                          <a:pt x="-15126" y="2202409"/>
+                          <a:pt x="31117" y="2047663"/>
+                          <a:pt x="0" y="1809726"/>
+                        </a:cubicBezTo>
+                        <a:cubicBezTo>
+                          <a:pt x="-31117" y="1571789"/>
+                          <a:pt x="1647" y="1455054"/>
+                          <a:pt x="0" y="1206484"/>
+                        </a:cubicBezTo>
+                        <a:cubicBezTo>
+                          <a:pt x="-1647" y="957914"/>
+                          <a:pt x="40717" y="818700"/>
+                          <a:pt x="0" y="667875"/>
+                        </a:cubicBezTo>
+                        <a:cubicBezTo>
+                          <a:pt x="-40717" y="517050"/>
+                          <a:pt x="69327" y="148129"/>
+                          <a:pt x="0" y="0"/>
+                        </a:cubicBezTo>
+                        <a:close/>
+                      </a:path>
+                    </a:pathLst>
+                  </a:custGeom>
+                  <ask:type>
+                    <ask:lineSketchNone/>
+                  </ask:type>
+                </ask:lineSketchStyleProps>
+              </a:ext>
+            </a:extLst>
+          </a:ln>
+          <a:effectLst>
+            <a:softEdge rad="0"/>
+          </a:effectLst>
+        </p:spPr>
+        <p:txBody>
+          <a:bodyPr wrap="square" rtlCol="0">
+            <a:spAutoFit/>
+          </a:bodyPr>
+          <a:lstStyle/>
+          <a:p>
+            <a:pPr algn="ctr"/>
+            <a:r>
+              <a:rPr lang="en-GB" sz="1400" u="sng" dirty="0">
+                <a:latin typeface="Amasis MT Pro Light" panose="02040304050005020304" pitchFamily="18" charset="0"/>
+              </a:rPr>
+              <a:t>Reference</a:t>
+            </a:r>
+          </a:p>
+          <a:p>
+            <a:r>
+              <a:rPr lang="en-GB" sz="1050" dirty="0">
+                <a:latin typeface="Amasis MT Pro Light" panose="02040304050005020304" pitchFamily="18" charset="0"/>
+              </a:rPr>
+              <a:t>https://help.tobii.com/hc/en-us/articles/210250305-Positioning-in-front-of-an-eye-tracker</a:t>
+            </a:r>
+          </a:p>
+          <a:p>
+            <a:endParaRPr lang="en-GB" sz="1200" dirty="0">
+              <a:latin typeface="Amasis MT Pro Light" panose="02040304050005020304" pitchFamily="18" charset="0"/>
+            </a:endParaRPr>
+          </a:p>
+          <a:p>
+            <a:endParaRPr lang="en-GB" sz="1200" dirty="0">
+              <a:latin typeface="Amasis MT Pro Light" panose="02040304050005020304" pitchFamily="18" charset="0"/>
+            </a:endParaRPr>
+          </a:p>
+        </p:txBody>
+      </p:sp>
     </p:spTree>
     <p:extLst>
       <p:ext uri="{BB962C8B-B14F-4D97-AF65-F5344CB8AC3E}">
@@ -3933,7 +6132,7 @@
 <file path=ppt/theme/theme1.xml><?xml version="1.0" encoding="utf-8"?>
 <a:theme xmlns:a="http://schemas.openxmlformats.org/drawingml/2006/main" name="Office Theme">
   <a:themeElements>
-    <a:clrScheme name="Office">
+    <a:clrScheme name="Office Theme">
       <a:dk1>
         <a:sysClr val="windowText" lastClr="000000"/>
       </a:dk1>
@@ -3971,7 +6170,7 @@
         <a:srgbClr val="954F72"/>
       </a:folHlink>
     </a:clrScheme>
-    <a:fontScheme name="Office">
+    <a:fontScheme name="Office Theme">
       <a:majorFont>
         <a:latin typeface="Calibri Light" panose="020F0302020204030204"/>
         <a:ea typeface=""/>
@@ -4006,23 +6205,6 @@
         <a:font script="Viet" typeface="Times New Roman"/>
         <a:font script="Uigh" typeface="Microsoft Uighur"/>
         <a:font script="Geor" typeface="Sylfaen"/>
-        <a:font script="Armn" typeface="Arial"/>
-        <a:font script="Bugi" typeface="Leelawadee UI"/>
-        <a:font script="Bopo" typeface="Microsoft JhengHei"/>
-        <a:font script="Java" typeface="Javanese Text"/>
-        <a:font script="Lisu" typeface="Segoe UI"/>
-        <a:font script="Mymr" typeface="Myanmar Text"/>
-        <a:font script="Nkoo" typeface="Ebrima"/>
-        <a:font script="Olck" typeface="Nirmala UI"/>
-        <a:font script="Osma" typeface="Ebrima"/>
-        <a:font script="Phag" typeface="Phagspa"/>
-        <a:font script="Syrn" typeface="Estrangelo Edessa"/>
-        <a:font script="Syrj" typeface="Estrangelo Edessa"/>
-        <a:font script="Syre" typeface="Estrangelo Edessa"/>
-        <a:font script="Sora" typeface="Nirmala UI"/>
-        <a:font script="Tale" typeface="Microsoft Tai Le"/>
-        <a:font script="Talu" typeface="Microsoft New Tai Lue"/>
-        <a:font script="Tfng" typeface="Ebrima"/>
       </a:majorFont>
       <a:minorFont>
         <a:latin typeface="Calibri" panose="020F0502020204030204"/>
@@ -4058,26 +6240,9 @@
         <a:font script="Viet" typeface="Arial"/>
         <a:font script="Uigh" typeface="Microsoft Uighur"/>
         <a:font script="Geor" typeface="Sylfaen"/>
-        <a:font script="Armn" typeface="Arial"/>
-        <a:font script="Bugi" typeface="Leelawadee UI"/>
-        <a:font script="Bopo" typeface="Microsoft JhengHei"/>
-        <a:font script="Java" typeface="Javanese Text"/>
-        <a:font script="Lisu" typeface="Segoe UI"/>
-        <a:font script="Mymr" typeface="Myanmar Text"/>
-        <a:font script="Nkoo" typeface="Ebrima"/>
-        <a:font script="Olck" typeface="Nirmala UI"/>
-        <a:font script="Osma" typeface="Ebrima"/>
-        <a:font script="Phag" typeface="Phagspa"/>
-        <a:font script="Syrn" typeface="Estrangelo Edessa"/>
-        <a:font script="Syrj" typeface="Estrangelo Edessa"/>
-        <a:font script="Syre" typeface="Estrangelo Edessa"/>
-        <a:font script="Sora" typeface="Nirmala UI"/>
-        <a:font script="Tale" typeface="Microsoft Tai Le"/>
-        <a:font script="Talu" typeface="Microsoft New Tai Lue"/>
-        <a:font script="Tfng" typeface="Ebrima"/>
       </a:minorFont>
     </a:fontScheme>
-    <a:fmtScheme name="Office">
+    <a:fmtScheme name="Office Theme">
       <a:fillStyleLst>
         <a:solidFill>
           <a:schemeClr val="phClr"/>
@@ -4219,7 +6384,7 @@
   <a:extraClrSchemeLst/>
   <a:extLst>
     <a:ext uri="{05A4C25C-085E-4340-85A3-A5531E510DB2}">
-      <thm15:themeFamily xmlns:thm15="http://schemas.microsoft.com/office/thememl/2012/main" name="Office Theme" id="{62F939B6-93AF-4DB8-9C6B-D6C7DFDC589F}" vid="{4A3C46E8-61CC-4603-A589-7422A47A8E4A}"/>
+      <thm15:themeFamily xmlns:thm15="http://schemas.microsoft.com/office/thememl/2012/main" name="Office Theme 2013 - 2022" id="{62F939B6-93AF-4DB8-9C6B-D6C7DFDC589F}" vid="{4A3C46E8-61CC-4603-A589-7422A47A8E4A}"/>
     </a:ext>
   </a:extLst>
 </a:theme>

--- a/Poster/CSC_8639_HY_Poster_draft.pptx
+++ b/Poster/CSC_8639_HY_Poster_draft.pptx
@@ -4,6 +4,9 @@
   <p:sldMasterIdLst>
     <p:sldMasterId id="2147483660" r:id="rId1"/>
   </p:sldMasterIdLst>
+  <p:notesMasterIdLst>
+    <p:notesMasterId r:id="rId3"/>
+  </p:notesMasterIdLst>
   <p:sldIdLst>
     <p:sldId id="256" r:id="rId2"/>
   </p:sldIdLst>
@@ -112,6 +115,440 @@
 </p:presentation>
 </file>
 
+<file path=ppt/notesMasters/notesMaster1.xml><?xml version="1.0" encoding="utf-8"?>
+<p:notesMaster xmlns:a="http://schemas.openxmlformats.org/drawingml/2006/main" xmlns:r="http://schemas.openxmlformats.org/officeDocument/2006/relationships" xmlns:p="http://schemas.openxmlformats.org/presentationml/2006/main">
+  <p:cSld>
+    <p:bg>
+      <p:bgRef idx="1001">
+        <a:schemeClr val="bg1"/>
+      </p:bgRef>
+    </p:bg>
+    <p:spTree>
+      <p:nvGrpSpPr>
+        <p:cNvPr id="1" name=""/>
+        <p:cNvGrpSpPr/>
+        <p:nvPr/>
+      </p:nvGrpSpPr>
+      <p:grpSpPr>
+        <a:xfrm>
+          <a:off x="0" y="0"/>
+          <a:ext cx="0" cy="0"/>
+          <a:chOff x="0" y="0"/>
+          <a:chExt cx="0" cy="0"/>
+        </a:xfrm>
+      </p:grpSpPr>
+      <p:sp>
+        <p:nvSpPr>
+          <p:cNvPr id="2" name="Header Placeholder 1"/>
+          <p:cNvSpPr>
+            <a:spLocks noGrp="1"/>
+          </p:cNvSpPr>
+          <p:nvPr>
+            <p:ph type="hdr" sz="quarter"/>
+          </p:nvPr>
+        </p:nvSpPr>
+        <p:spPr>
+          <a:xfrm>
+            <a:off x="0" y="0"/>
+            <a:ext cx="2971800" cy="458788"/>
+          </a:xfrm>
+          <a:prstGeom prst="rect">
+            <a:avLst/>
+          </a:prstGeom>
+        </p:spPr>
+        <p:txBody>
+          <a:bodyPr vert="horz" lIns="91440" tIns="45720" rIns="91440" bIns="45720" rtlCol="0"/>
+          <a:lstStyle>
+            <a:lvl1pPr algn="l">
+              <a:defRPr sz="1200"/>
+            </a:lvl1pPr>
+          </a:lstStyle>
+          <a:p>
+            <a:endParaRPr lang="en-GB"/>
+          </a:p>
+        </p:txBody>
+      </p:sp>
+      <p:sp>
+        <p:nvSpPr>
+          <p:cNvPr id="3" name="Date Placeholder 2"/>
+          <p:cNvSpPr>
+            <a:spLocks noGrp="1"/>
+          </p:cNvSpPr>
+          <p:nvPr>
+            <p:ph type="dt" idx="1"/>
+          </p:nvPr>
+        </p:nvSpPr>
+        <p:spPr>
+          <a:xfrm>
+            <a:off x="3884613" y="0"/>
+            <a:ext cx="2971800" cy="458788"/>
+          </a:xfrm>
+          <a:prstGeom prst="rect">
+            <a:avLst/>
+          </a:prstGeom>
+        </p:spPr>
+        <p:txBody>
+          <a:bodyPr vert="horz" lIns="91440" tIns="45720" rIns="91440" bIns="45720" rtlCol="0"/>
+          <a:lstStyle>
+            <a:lvl1pPr algn="r">
+              <a:defRPr sz="1200"/>
+            </a:lvl1pPr>
+          </a:lstStyle>
+          <a:p>
+            <a:fld id="{86A2CDCA-BFA4-4188-991B-7B75D71931DA}" type="datetimeFigureOut">
+              <a:rPr lang="en-GB" smtClean="0"/>
+              <a:t>06/08/2023</a:t>
+            </a:fld>
+            <a:endParaRPr lang="en-GB"/>
+          </a:p>
+        </p:txBody>
+      </p:sp>
+      <p:sp>
+        <p:nvSpPr>
+          <p:cNvPr id="4" name="Slide Image Placeholder 3"/>
+          <p:cNvSpPr>
+            <a:spLocks noGrp="1" noRot="1" noChangeAspect="1"/>
+          </p:cNvSpPr>
+          <p:nvPr>
+            <p:ph type="sldImg" idx="2"/>
+          </p:nvPr>
+        </p:nvSpPr>
+        <p:spPr>
+          <a:xfrm>
+            <a:off x="685800" y="1143000"/>
+            <a:ext cx="5486400" cy="3086100"/>
+          </a:xfrm>
+          <a:prstGeom prst="rect">
+            <a:avLst/>
+          </a:prstGeom>
+          <a:noFill/>
+          <a:ln w="12700">
+            <a:solidFill>
+              <a:prstClr val="black"/>
+            </a:solidFill>
+          </a:ln>
+        </p:spPr>
+        <p:txBody>
+          <a:bodyPr vert="horz" lIns="91440" tIns="45720" rIns="91440" bIns="45720" rtlCol="0" anchor="ctr"/>
+          <a:lstStyle/>
+          <a:p>
+            <a:endParaRPr lang="en-GB"/>
+          </a:p>
+        </p:txBody>
+      </p:sp>
+      <p:sp>
+        <p:nvSpPr>
+          <p:cNvPr id="5" name="Notes Placeholder 4"/>
+          <p:cNvSpPr>
+            <a:spLocks noGrp="1"/>
+          </p:cNvSpPr>
+          <p:nvPr>
+            <p:ph type="body" sz="quarter" idx="3"/>
+          </p:nvPr>
+        </p:nvSpPr>
+        <p:spPr>
+          <a:xfrm>
+            <a:off x="685800" y="4400550"/>
+            <a:ext cx="5486400" cy="3600450"/>
+          </a:xfrm>
+          <a:prstGeom prst="rect">
+            <a:avLst/>
+          </a:prstGeom>
+        </p:spPr>
+        <p:txBody>
+          <a:bodyPr vert="horz" lIns="91440" tIns="45720" rIns="91440" bIns="45720" rtlCol="0"/>
+          <a:lstStyle/>
+          <a:p>
+            <a:pPr lvl="0"/>
+            <a:r>
+              <a:rPr lang="en-US"/>
+              <a:t>Click to edit Master text styles</a:t>
+            </a:r>
+          </a:p>
+          <a:p>
+            <a:pPr lvl="1"/>
+            <a:r>
+              <a:rPr lang="en-US"/>
+              <a:t>Second level</a:t>
+            </a:r>
+          </a:p>
+          <a:p>
+            <a:pPr lvl="2"/>
+            <a:r>
+              <a:rPr lang="en-US"/>
+              <a:t>Third level</a:t>
+            </a:r>
+          </a:p>
+          <a:p>
+            <a:pPr lvl="3"/>
+            <a:r>
+              <a:rPr lang="en-US"/>
+              <a:t>Fourth level</a:t>
+            </a:r>
+          </a:p>
+          <a:p>
+            <a:pPr lvl="4"/>
+            <a:r>
+              <a:rPr lang="en-US"/>
+              <a:t>Fifth level</a:t>
+            </a:r>
+            <a:endParaRPr lang="en-GB"/>
+          </a:p>
+        </p:txBody>
+      </p:sp>
+      <p:sp>
+        <p:nvSpPr>
+          <p:cNvPr id="6" name="Footer Placeholder 5"/>
+          <p:cNvSpPr>
+            <a:spLocks noGrp="1"/>
+          </p:cNvSpPr>
+          <p:nvPr>
+            <p:ph type="ftr" sz="quarter" idx="4"/>
+          </p:nvPr>
+        </p:nvSpPr>
+        <p:spPr>
+          <a:xfrm>
+            <a:off x="0" y="8685213"/>
+            <a:ext cx="2971800" cy="458787"/>
+          </a:xfrm>
+          <a:prstGeom prst="rect">
+            <a:avLst/>
+          </a:prstGeom>
+        </p:spPr>
+        <p:txBody>
+          <a:bodyPr vert="horz" lIns="91440" tIns="45720" rIns="91440" bIns="45720" rtlCol="0" anchor="b"/>
+          <a:lstStyle>
+            <a:lvl1pPr algn="l">
+              <a:defRPr sz="1200"/>
+            </a:lvl1pPr>
+          </a:lstStyle>
+          <a:p>
+            <a:endParaRPr lang="en-GB"/>
+          </a:p>
+        </p:txBody>
+      </p:sp>
+      <p:sp>
+        <p:nvSpPr>
+          <p:cNvPr id="7" name="Slide Number Placeholder 6"/>
+          <p:cNvSpPr>
+            <a:spLocks noGrp="1"/>
+          </p:cNvSpPr>
+          <p:nvPr>
+            <p:ph type="sldNum" sz="quarter" idx="5"/>
+          </p:nvPr>
+        </p:nvSpPr>
+        <p:spPr>
+          <a:xfrm>
+            <a:off x="3884613" y="8685213"/>
+            <a:ext cx="2971800" cy="458787"/>
+          </a:xfrm>
+          <a:prstGeom prst="rect">
+            <a:avLst/>
+          </a:prstGeom>
+        </p:spPr>
+        <p:txBody>
+          <a:bodyPr vert="horz" lIns="91440" tIns="45720" rIns="91440" bIns="45720" rtlCol="0" anchor="b"/>
+          <a:lstStyle>
+            <a:lvl1pPr algn="r">
+              <a:defRPr sz="1200"/>
+            </a:lvl1pPr>
+          </a:lstStyle>
+          <a:p>
+            <a:fld id="{5308159D-FF61-4735-9AEC-2D11B554C13F}" type="slidenum">
+              <a:rPr lang="en-GB" smtClean="0"/>
+              <a:t>‹#›</a:t>
+            </a:fld>
+            <a:endParaRPr lang="en-GB"/>
+          </a:p>
+        </p:txBody>
+      </p:sp>
+    </p:spTree>
+    <p:extLst>
+      <p:ext uri="{BB962C8B-B14F-4D97-AF65-F5344CB8AC3E}">
+        <p14:creationId xmlns:p14="http://schemas.microsoft.com/office/powerpoint/2010/main" val="376575447"/>
+      </p:ext>
+    </p:extLst>
+  </p:cSld>
+  <p:clrMap bg1="lt1" tx1="dk1" bg2="lt2" tx2="dk2" accent1="accent1" accent2="accent2" accent3="accent3" accent4="accent4" accent5="accent5" accent6="accent6" hlink="hlink" folHlink="folHlink"/>
+  <p:notesStyle>
+    <a:lvl1pPr marL="0" algn="l" defTabSz="914400" rtl="0" eaLnBrk="1" latinLnBrk="0" hangingPunct="1">
+      <a:defRPr sz="1200" kern="1200">
+        <a:solidFill>
+          <a:schemeClr val="tx1"/>
+        </a:solidFill>
+        <a:latin typeface="+mn-lt"/>
+        <a:ea typeface="+mn-ea"/>
+        <a:cs typeface="+mn-cs"/>
+      </a:defRPr>
+    </a:lvl1pPr>
+    <a:lvl2pPr marL="457200" algn="l" defTabSz="914400" rtl="0" eaLnBrk="1" latinLnBrk="0" hangingPunct="1">
+      <a:defRPr sz="1200" kern="1200">
+        <a:solidFill>
+          <a:schemeClr val="tx1"/>
+        </a:solidFill>
+        <a:latin typeface="+mn-lt"/>
+        <a:ea typeface="+mn-ea"/>
+        <a:cs typeface="+mn-cs"/>
+      </a:defRPr>
+    </a:lvl2pPr>
+    <a:lvl3pPr marL="914400" algn="l" defTabSz="914400" rtl="0" eaLnBrk="1" latinLnBrk="0" hangingPunct="1">
+      <a:defRPr sz="1200" kern="1200">
+        <a:solidFill>
+          <a:schemeClr val="tx1"/>
+        </a:solidFill>
+        <a:latin typeface="+mn-lt"/>
+        <a:ea typeface="+mn-ea"/>
+        <a:cs typeface="+mn-cs"/>
+      </a:defRPr>
+    </a:lvl3pPr>
+    <a:lvl4pPr marL="1371600" algn="l" defTabSz="914400" rtl="0" eaLnBrk="1" latinLnBrk="0" hangingPunct="1">
+      <a:defRPr sz="1200" kern="1200">
+        <a:solidFill>
+          <a:schemeClr val="tx1"/>
+        </a:solidFill>
+        <a:latin typeface="+mn-lt"/>
+        <a:ea typeface="+mn-ea"/>
+        <a:cs typeface="+mn-cs"/>
+      </a:defRPr>
+    </a:lvl4pPr>
+    <a:lvl5pPr marL="1828800" algn="l" defTabSz="914400" rtl="0" eaLnBrk="1" latinLnBrk="0" hangingPunct="1">
+      <a:defRPr sz="1200" kern="1200">
+        <a:solidFill>
+          <a:schemeClr val="tx1"/>
+        </a:solidFill>
+        <a:latin typeface="+mn-lt"/>
+        <a:ea typeface="+mn-ea"/>
+        <a:cs typeface="+mn-cs"/>
+      </a:defRPr>
+    </a:lvl5pPr>
+    <a:lvl6pPr marL="2286000" algn="l" defTabSz="914400" rtl="0" eaLnBrk="1" latinLnBrk="0" hangingPunct="1">
+      <a:defRPr sz="1200" kern="1200">
+        <a:solidFill>
+          <a:schemeClr val="tx1"/>
+        </a:solidFill>
+        <a:latin typeface="+mn-lt"/>
+        <a:ea typeface="+mn-ea"/>
+        <a:cs typeface="+mn-cs"/>
+      </a:defRPr>
+    </a:lvl6pPr>
+    <a:lvl7pPr marL="2743200" algn="l" defTabSz="914400" rtl="0" eaLnBrk="1" latinLnBrk="0" hangingPunct="1">
+      <a:defRPr sz="1200" kern="1200">
+        <a:solidFill>
+          <a:schemeClr val="tx1"/>
+        </a:solidFill>
+        <a:latin typeface="+mn-lt"/>
+        <a:ea typeface="+mn-ea"/>
+        <a:cs typeface="+mn-cs"/>
+      </a:defRPr>
+    </a:lvl7pPr>
+    <a:lvl8pPr marL="3200400" algn="l" defTabSz="914400" rtl="0" eaLnBrk="1" latinLnBrk="0" hangingPunct="1">
+      <a:defRPr sz="1200" kern="1200">
+        <a:solidFill>
+          <a:schemeClr val="tx1"/>
+        </a:solidFill>
+        <a:latin typeface="+mn-lt"/>
+        <a:ea typeface="+mn-ea"/>
+        <a:cs typeface="+mn-cs"/>
+      </a:defRPr>
+    </a:lvl8pPr>
+    <a:lvl9pPr marL="3657600" algn="l" defTabSz="914400" rtl="0" eaLnBrk="1" latinLnBrk="0" hangingPunct="1">
+      <a:defRPr sz="1200" kern="1200">
+        <a:solidFill>
+          <a:schemeClr val="tx1"/>
+        </a:solidFill>
+        <a:latin typeface="+mn-lt"/>
+        <a:ea typeface="+mn-ea"/>
+        <a:cs typeface="+mn-cs"/>
+      </a:defRPr>
+    </a:lvl9pPr>
+  </p:notesStyle>
+</p:notesMaster>
+</file>
+
+<file path=ppt/notesSlides/notesSlide1.xml><?xml version="1.0" encoding="utf-8"?>
+<p:notes xmlns:a="http://schemas.openxmlformats.org/drawingml/2006/main" xmlns:r="http://schemas.openxmlformats.org/officeDocument/2006/relationships" xmlns:p="http://schemas.openxmlformats.org/presentationml/2006/main">
+  <p:cSld>
+    <p:spTree>
+      <p:nvGrpSpPr>
+        <p:cNvPr id="1" name=""/>
+        <p:cNvGrpSpPr/>
+        <p:nvPr/>
+      </p:nvGrpSpPr>
+      <p:grpSpPr>
+        <a:xfrm>
+          <a:off x="0" y="0"/>
+          <a:ext cx="0" cy="0"/>
+          <a:chOff x="0" y="0"/>
+          <a:chExt cx="0" cy="0"/>
+        </a:xfrm>
+      </p:grpSpPr>
+      <p:sp>
+        <p:nvSpPr>
+          <p:cNvPr id="2" name="Slide Image Placeholder 1"/>
+          <p:cNvSpPr>
+            <a:spLocks noGrp="1" noRot="1" noChangeAspect="1"/>
+          </p:cNvSpPr>
+          <p:nvPr>
+            <p:ph type="sldImg"/>
+          </p:nvPr>
+        </p:nvSpPr>
+        <p:spPr/>
+      </p:sp>
+      <p:sp>
+        <p:nvSpPr>
+          <p:cNvPr id="3" name="Notes Placeholder 2"/>
+          <p:cNvSpPr>
+            <a:spLocks noGrp="1"/>
+          </p:cNvSpPr>
+          <p:nvPr>
+            <p:ph type="body" idx="1"/>
+          </p:nvPr>
+        </p:nvSpPr>
+        <p:spPr/>
+        <p:txBody>
+          <a:bodyPr/>
+          <a:lstStyle/>
+          <a:p>
+            <a:endParaRPr lang="en-GB"/>
+          </a:p>
+        </p:txBody>
+      </p:sp>
+      <p:sp>
+        <p:nvSpPr>
+          <p:cNvPr id="4" name="Slide Number Placeholder 3"/>
+          <p:cNvSpPr>
+            <a:spLocks noGrp="1"/>
+          </p:cNvSpPr>
+          <p:nvPr>
+            <p:ph type="sldNum" sz="quarter" idx="5"/>
+          </p:nvPr>
+        </p:nvSpPr>
+        <p:spPr/>
+        <p:txBody>
+          <a:bodyPr/>
+          <a:lstStyle/>
+          <a:p>
+            <a:fld id="{5308159D-FF61-4735-9AEC-2D11B554C13F}" type="slidenum">
+              <a:rPr lang="en-GB" smtClean="0"/>
+              <a:t>1</a:t>
+            </a:fld>
+            <a:endParaRPr lang="en-GB"/>
+          </a:p>
+        </p:txBody>
+      </p:sp>
+    </p:spTree>
+    <p:extLst>
+      <p:ext uri="{BB962C8B-B14F-4D97-AF65-F5344CB8AC3E}">
+        <p14:creationId xmlns:p14="http://schemas.microsoft.com/office/powerpoint/2010/main" val="1531937574"/>
+      </p:ext>
+    </p:extLst>
+  </p:cSld>
+  <p:clrMapOvr>
+    <a:masterClrMapping/>
+  </p:clrMapOvr>
+</p:notes>
+</file>
+
 <file path=ppt/slideLayouts/slideLayout1.xml><?xml version="1.0" encoding="utf-8"?>
 <p:sldLayout xmlns:a="http://schemas.openxmlformats.org/drawingml/2006/main" xmlns:r="http://schemas.openxmlformats.org/officeDocument/2006/relationships" xmlns:p="http://schemas.openxmlformats.org/presentationml/2006/main" type="title" preserve="1">
   <p:cSld name="Title Slide">
@@ -243,7 +680,7 @@
           <a:p>
             <a:fld id="{E0B1015B-6EC1-4E28-89E8-DADC95F7D7CD}" type="datetimeFigureOut">
               <a:rPr lang="en-GB" smtClean="0"/>
-              <a:t>04/08/2023</a:t>
+              <a:t>05/08/2023</a:t>
             </a:fld>
             <a:endParaRPr lang="en-GB"/>
           </a:p>
@@ -413,7 +850,7 @@
           <a:p>
             <a:fld id="{E0B1015B-6EC1-4E28-89E8-DADC95F7D7CD}" type="datetimeFigureOut">
               <a:rPr lang="en-GB" smtClean="0"/>
-              <a:t>04/08/2023</a:t>
+              <a:t>05/08/2023</a:t>
             </a:fld>
             <a:endParaRPr lang="en-GB"/>
           </a:p>
@@ -593,7 +1030,7 @@
           <a:p>
             <a:fld id="{E0B1015B-6EC1-4E28-89E8-DADC95F7D7CD}" type="datetimeFigureOut">
               <a:rPr lang="en-GB" smtClean="0"/>
-              <a:t>04/08/2023</a:t>
+              <a:t>05/08/2023</a:t>
             </a:fld>
             <a:endParaRPr lang="en-GB"/>
           </a:p>
@@ -763,7 +1200,7 @@
           <a:p>
             <a:fld id="{E0B1015B-6EC1-4E28-89E8-DADC95F7D7CD}" type="datetimeFigureOut">
               <a:rPr lang="en-GB" smtClean="0"/>
-              <a:t>04/08/2023</a:t>
+              <a:t>05/08/2023</a:t>
             </a:fld>
             <a:endParaRPr lang="en-GB"/>
           </a:p>
@@ -1009,7 +1446,7 @@
           <a:p>
             <a:fld id="{E0B1015B-6EC1-4E28-89E8-DADC95F7D7CD}" type="datetimeFigureOut">
               <a:rPr lang="en-GB" smtClean="0"/>
-              <a:t>04/08/2023</a:t>
+              <a:t>05/08/2023</a:t>
             </a:fld>
             <a:endParaRPr lang="en-GB"/>
           </a:p>
@@ -1241,7 +1678,7 @@
           <a:p>
             <a:fld id="{E0B1015B-6EC1-4E28-89E8-DADC95F7D7CD}" type="datetimeFigureOut">
               <a:rPr lang="en-GB" smtClean="0"/>
-              <a:t>04/08/2023</a:t>
+              <a:t>05/08/2023</a:t>
             </a:fld>
             <a:endParaRPr lang="en-GB"/>
           </a:p>
@@ -1608,7 +2045,7 @@
           <a:p>
             <a:fld id="{E0B1015B-6EC1-4E28-89E8-DADC95F7D7CD}" type="datetimeFigureOut">
               <a:rPr lang="en-GB" smtClean="0"/>
-              <a:t>04/08/2023</a:t>
+              <a:t>05/08/2023</a:t>
             </a:fld>
             <a:endParaRPr lang="en-GB"/>
           </a:p>
@@ -1726,7 +2163,7 @@
           <a:p>
             <a:fld id="{E0B1015B-6EC1-4E28-89E8-DADC95F7D7CD}" type="datetimeFigureOut">
               <a:rPr lang="en-GB" smtClean="0"/>
-              <a:t>04/08/2023</a:t>
+              <a:t>05/08/2023</a:t>
             </a:fld>
             <a:endParaRPr lang="en-GB"/>
           </a:p>
@@ -1821,7 +2258,7 @@
           <a:p>
             <a:fld id="{E0B1015B-6EC1-4E28-89E8-DADC95F7D7CD}" type="datetimeFigureOut">
               <a:rPr lang="en-GB" smtClean="0"/>
-              <a:t>04/08/2023</a:t>
+              <a:t>05/08/2023</a:t>
             </a:fld>
             <a:endParaRPr lang="en-GB"/>
           </a:p>
@@ -2098,7 +2535,7 @@
           <a:p>
             <a:fld id="{E0B1015B-6EC1-4E28-89E8-DADC95F7D7CD}" type="datetimeFigureOut">
               <a:rPr lang="en-GB" smtClean="0"/>
-              <a:t>04/08/2023</a:t>
+              <a:t>05/08/2023</a:t>
             </a:fld>
             <a:endParaRPr lang="en-GB"/>
           </a:p>
@@ -2355,7 +2792,7 @@
           <a:p>
             <a:fld id="{E0B1015B-6EC1-4E28-89E8-DADC95F7D7CD}" type="datetimeFigureOut">
               <a:rPr lang="en-GB" smtClean="0"/>
-              <a:t>04/08/2023</a:t>
+              <a:t>05/08/2023</a:t>
             </a:fld>
             <a:endParaRPr lang="en-GB"/>
           </a:p>
@@ -2568,7 +3005,7 @@
           <a:p>
             <a:fld id="{E0B1015B-6EC1-4E28-89E8-DADC95F7D7CD}" type="datetimeFigureOut">
               <a:rPr lang="en-GB" smtClean="0"/>
-              <a:t>04/08/2023</a:t>
+              <a:t>05/08/2023</a:t>
             </a:fld>
             <a:endParaRPr lang="en-GB"/>
           </a:p>
@@ -3082,7 +3519,7 @@
         </p:nvSpPr>
         <p:spPr>
           <a:xfrm>
-            <a:off x="57150" y="1280582"/>
+            <a:off x="57150" y="1288045"/>
             <a:ext cx="3960000" cy="2826415"/>
           </a:xfrm>
           <a:prstGeom prst="rect">
@@ -3794,8 +4231,8 @@
         </p:nvSpPr>
         <p:spPr>
           <a:xfrm>
-            <a:off x="57150" y="4180931"/>
-            <a:ext cx="3960000" cy="2405787"/>
+            <a:off x="57150" y="4275604"/>
+            <a:ext cx="3960000" cy="2231380"/>
           </a:xfrm>
           <a:prstGeom prst="rect">
             <a:avLst/>
@@ -4283,7 +4720,7 @@
               <a:rPr lang="en-GB" sz="1050" dirty="0">
                 <a:latin typeface="Amasis MT Pro Light" panose="02040304050005020304" pitchFamily="18" charset="0"/>
               </a:rPr>
-              <a:t>Basic income statement*</a:t>
+              <a:t>Basic income statement</a:t>
             </a:r>
           </a:p>
           <a:p>
@@ -4330,19 +4767,9 @@
               </a:rPr>
               <a:t>Tobii X2-30 eye tracker will capture precise eye gaze data during participants' observations of three visuals</a:t>
             </a:r>
-          </a:p>
-          <a:p>
-            <a:pPr>
-              <a:spcAft>
-                <a:spcPts val="400"/>
-              </a:spcAft>
-            </a:pPr>
-            <a:r>
-              <a:rPr lang="en-GB" sz="800" dirty="0">
-                <a:latin typeface="Amasis MT Pro Light" panose="02040304050005020304" pitchFamily="18" charset="0"/>
-              </a:rPr>
-              <a:t>*fictitious financial data in in UK GAAP format was used to conduct this study</a:t>
-            </a:r>
+            <a:endParaRPr lang="en-GB" sz="800" dirty="0">
+              <a:latin typeface="Amasis MT Pro Light" panose="02040304050005020304" pitchFamily="18" charset="0"/>
+            </a:endParaRPr>
           </a:p>
         </p:txBody>
       </p:sp>
@@ -4360,8 +4787,8 @@
         </p:nvSpPr>
         <p:spPr>
           <a:xfrm>
-            <a:off x="4116000" y="1292489"/>
-            <a:ext cx="3960000" cy="3785652"/>
+            <a:off x="4116000" y="2642982"/>
+            <a:ext cx="3960000" cy="1946687"/>
           </a:xfrm>
           <a:prstGeom prst="rect">
             <a:avLst/>
@@ -4787,82 +5214,80 @@
           </a:bodyPr>
           <a:lstStyle/>
           <a:p>
-            <a:pPr algn="ctr"/>
-            <a:r>
-              <a:rPr lang="en-GB" sz="1400" u="sng" dirty="0">
+            <a:pPr algn="ctr">
+              <a:spcAft>
+                <a:spcPts val="400"/>
+              </a:spcAft>
+            </a:pPr>
+            <a:r>
+              <a:rPr lang="en-GB" sz="1600" u="sng" dirty="0">
                 <a:latin typeface="Amasis MT Pro Light" panose="02040304050005020304" pitchFamily="18" charset="0"/>
               </a:rPr>
-              <a:t>Aim</a:t>
-            </a:r>
-            <a:r>
-              <a:rPr lang="en-GB" sz="1200" dirty="0">
+              <a:t>Motivation</a:t>
+            </a:r>
+          </a:p>
+          <a:p>
+            <a:pPr marL="285750" indent="-285750" algn="just">
+              <a:spcAft>
+                <a:spcPts val="400"/>
+              </a:spcAft>
+              <a:buFont typeface="Arial" panose="020B0604020202020204" pitchFamily="34" charset="0"/>
+              <a:buChar char="•"/>
+            </a:pPr>
+            <a:r>
+              <a:rPr lang="en-GB" sz="1050" b="1" dirty="0">
                 <a:latin typeface="Amasis MT Pro Light" panose="02040304050005020304" pitchFamily="18" charset="0"/>
               </a:rPr>
-              <a:t> </a:t>
-            </a:r>
-          </a:p>
-          <a:p>
-            <a:r>
-              <a:rPr lang="en-GB" sz="1200" dirty="0">
+              <a:t>Accuracy and Consistency</a:t>
+            </a:r>
+            <a:r>
+              <a:rPr lang="en-GB" sz="1050" dirty="0">
                 <a:latin typeface="Amasis MT Pro Light" panose="02040304050005020304" pitchFamily="18" charset="0"/>
               </a:rPr>
-              <a:t>- The objective is to compare eye movement patterns and engagement across the images to gauge the effectiveness of visualisation techniques.</a:t>
-            </a:r>
-          </a:p>
-          <a:p>
-            <a:r>
-              <a:rPr lang="en-GB" sz="1200" dirty="0">
+              <a:t>: Guidelines ensure accurate representation of financial data and maintain consistency in design and formatting across visualizations</a:t>
+            </a:r>
+          </a:p>
+          <a:p>
+            <a:pPr marL="285750" indent="-285750" algn="just">
+              <a:spcAft>
+                <a:spcPts val="400"/>
+              </a:spcAft>
+              <a:buFont typeface="Arial" panose="020B0604020202020204" pitchFamily="34" charset="0"/>
+              <a:buChar char="•"/>
+            </a:pPr>
+            <a:r>
+              <a:rPr lang="en-GB" sz="1050" b="1" dirty="0">
                 <a:latin typeface="Amasis MT Pro Light" panose="02040304050005020304" pitchFamily="18" charset="0"/>
               </a:rPr>
-              <a:t>- The research aims to establish guidelines for income statement reporting to improve understanding and retention of information for readers.</a:t>
-            </a:r>
-          </a:p>
-          <a:p>
-            <a:endParaRPr lang="en-GB" sz="1200" dirty="0">
-              <a:latin typeface="Amasis MT Pro Light" panose="02040304050005020304" pitchFamily="18" charset="0"/>
-            </a:endParaRPr>
-          </a:p>
-          <a:p>
-            <a:r>
-              <a:rPr lang="en-GB" sz="1200" dirty="0">
+              <a:t>Clarity and Comprehension</a:t>
+            </a:r>
+            <a:r>
+              <a:rPr lang="en-GB" sz="1050" dirty="0">
                 <a:latin typeface="Amasis MT Pro Light" panose="02040304050005020304" pitchFamily="18" charset="0"/>
               </a:rPr>
-              <a:t>Why this is important</a:t>
-            </a:r>
-          </a:p>
-          <a:p>
-            <a:r>
-              <a:rPr lang="en-GB" sz="1200" dirty="0">
+              <a:t>: Guidelines simplify complex financial information, making data visualisations easier to understand</a:t>
+            </a:r>
+          </a:p>
+          <a:p>
+            <a:pPr marL="285750" indent="-285750" algn="just">
+              <a:spcAft>
+                <a:spcPts val="400"/>
+              </a:spcAft>
+              <a:buFont typeface="Arial" panose="020B0604020202020204" pitchFamily="34" charset="0"/>
+              <a:buChar char="•"/>
+            </a:pPr>
+            <a:r>
+              <a:rPr lang="en-GB" sz="1050" b="1" dirty="0">
                 <a:latin typeface="Amasis MT Pro Light" panose="02040304050005020304" pitchFamily="18" charset="0"/>
               </a:rPr>
-              <a:t>- Accuracy and Consistency: Guidelines ensure accurate representation of financial data and maintain consistency in design and formatting across visualizations.</a:t>
-            </a:r>
-          </a:p>
-          <a:p>
-            <a:r>
-              <a:rPr lang="en-GB" sz="1200" dirty="0">
+              <a:t>Avoiding Misinterpretation</a:t>
+            </a:r>
+            <a:r>
+              <a:rPr lang="en-GB" sz="1050" dirty="0">
                 <a:latin typeface="Amasis MT Pro Light" panose="02040304050005020304" pitchFamily="18" charset="0"/>
               </a:rPr>
-              <a:t>- Clarity and Comprehension: Guidelines simplify complex financial information, making data visualisations easier to understand.</a:t>
-            </a:r>
-          </a:p>
-          <a:p>
-            <a:r>
-              <a:rPr lang="en-GB" sz="1200" dirty="0">
-                <a:latin typeface="Amasis MT Pro Light" panose="02040304050005020304" pitchFamily="18" charset="0"/>
-              </a:rPr>
-              <a:t>- Avoiding Misinterpretation: Guidelines help creators present data without unintended errors or bias, preventing misinterpretation of financial insights.</a:t>
-            </a:r>
-          </a:p>
-          <a:p>
-            <a:endParaRPr lang="en-GB" sz="1200" dirty="0">
-              <a:latin typeface="Amasis MT Pro Light" panose="02040304050005020304" pitchFamily="18" charset="0"/>
-            </a:endParaRPr>
-          </a:p>
-          <a:p>
-            <a:endParaRPr lang="en-GB" sz="1200" dirty="0">
-              <a:latin typeface="Amasis MT Pro Light" panose="02040304050005020304" pitchFamily="18" charset="0"/>
-            </a:endParaRPr>
+              <a:t>: Guidelines help creators present data without unintended errors or bias, preventing misinterpretation of financial insights</a:t>
+            </a:r>
           </a:p>
         </p:txBody>
       </p:sp>
@@ -5309,37 +5734,6 @@
           <a:p>
             <a:r>
               <a:rPr lang="en-GB" sz="1200" dirty="0"/>
-              <a:t>Previous works</a:t>
-            </a:r>
-          </a:p>
-          <a:p>
-            <a:pPr marL="171450" indent="-171450">
-              <a:buFontTx/>
-              <a:buChar char="-"/>
-            </a:pPr>
-            <a:r>
-              <a:rPr lang="en-GB" sz="1200" dirty="0"/>
-              <a:t>Kamil Franek</a:t>
-            </a:r>
-          </a:p>
-          <a:p>
-            <a:pPr marL="171450" indent="-171450">
-              <a:buFontTx/>
-              <a:buChar char="-"/>
-            </a:pPr>
-            <a:r>
-              <a:rPr lang="en-GB" sz="1200" dirty="0"/>
-              <a:t>Lauren </a:t>
-            </a:r>
-            <a:r>
-              <a:rPr lang="en-GB" sz="1200" dirty="0" err="1"/>
-              <a:t>Matzen</a:t>
-            </a:r>
-            <a:endParaRPr lang="en-GB" sz="1200" dirty="0"/>
-          </a:p>
-          <a:p>
-            <a:r>
-              <a:rPr lang="en-GB" sz="1200" dirty="0"/>
               <a:t>Results discussion and heatmap</a:t>
             </a:r>
           </a:p>
@@ -5395,6 +5789,15 @@
               <a:rPr lang="en-GB" sz="1200" dirty="0"/>
               <a:t>	                   Small explanations and 	                   		      discussion</a:t>
             </a:r>
+          </a:p>
+          <a:p>
+            <a:endParaRPr lang="en-GB" sz="1200" dirty="0"/>
+          </a:p>
+          <a:p>
+            <a:endParaRPr lang="en-GB" sz="1200" dirty="0"/>
+          </a:p>
+          <a:p>
+            <a:endParaRPr lang="en-GB" sz="1200" dirty="0"/>
           </a:p>
           <a:p>
             <a:endParaRPr lang="en-GB" sz="1200" dirty="0"/>
@@ -5421,7 +5824,7 @@
         </p:nvSpPr>
         <p:spPr>
           <a:xfrm>
-            <a:off x="8473550" y="2551461"/>
+            <a:off x="8480312" y="2022217"/>
             <a:ext cx="1210962" cy="777298"/>
           </a:xfrm>
           <a:prstGeom prst="rect">
@@ -5560,13 +5963,13 @@
           <p:nvPr/>
         </p:nvPicPr>
         <p:blipFill>
-          <a:blip r:embed="rId2">
+          <a:blip r:embed="rId3">
             <a:extLst>
               <a:ext uri="{28A0092B-C50C-407E-A947-70E740481C1C}">
                 <a14:useLocalDpi xmlns:a14="http://schemas.microsoft.com/office/drawing/2010/main" val="0"/>
               </a:ext>
               <a:ext uri="{96DAC541-7B7A-43D3-8B79-37D633B846F1}">
-                <asvg:svgBlip xmlns:asvg="http://schemas.microsoft.com/office/drawing/2016/SVG/main" r:embed="rId3"/>
+                <asvg:svgBlip xmlns:asvg="http://schemas.microsoft.com/office/drawing/2016/SVG/main" r:embed="rId4"/>
               </a:ext>
             </a:extLst>
           </a:blip>
@@ -5599,11 +6002,11 @@
           <p:nvPr/>
         </p:nvPicPr>
         <p:blipFill>
-          <a:blip r:embed="rId4">
+          <a:blip r:embed="rId5">
             <a:extLst>
               <a:ext uri="{BEBA8EAE-BF5A-486C-A8C5-ECC9F3942E4B}">
                 <a14:imgProps xmlns:a14="http://schemas.microsoft.com/office/drawing/2010/main">
-                  <a14:imgLayer r:embed="rId5">
+                  <a14:imgLayer r:embed="rId6">
                     <a14:imgEffect>
                       <a14:backgroundRemoval t="10000" b="90000" l="10000" r="90000">
                         <a14:foregroundMark x1="67513" y1="35924" x2="71574" y2="46639"/>
@@ -5639,7 +6042,7 @@
         </p:blipFill>
         <p:spPr>
           <a:xfrm>
-            <a:off x="2496527" y="4413048"/>
+            <a:off x="2496527" y="4472745"/>
             <a:ext cx="1520623" cy="1837098"/>
           </a:xfrm>
           <a:prstGeom prst="rect">
@@ -6113,6 +6516,1039 @@
             <a:endParaRPr lang="en-GB" sz="1200" dirty="0">
               <a:latin typeface="Amasis MT Pro Light" panose="02040304050005020304" pitchFamily="18" charset="0"/>
             </a:endParaRPr>
+          </a:p>
+        </p:txBody>
+      </p:sp>
+      <p:sp>
+        <p:nvSpPr>
+          <p:cNvPr id="5" name="TextBox 4">
+            <a:extLst>
+              <a:ext uri="{FF2B5EF4-FFF2-40B4-BE49-F238E27FC236}">
+                <a16:creationId xmlns:a16="http://schemas.microsoft.com/office/drawing/2014/main" id="{7A18D140-16CE-C2D9-77CD-D32FAA814D4F}"/>
+              </a:ext>
+            </a:extLst>
+          </p:cNvPr>
+          <p:cNvSpPr txBox="1"/>
+          <p:nvPr/>
+        </p:nvSpPr>
+        <p:spPr>
+          <a:xfrm>
+            <a:off x="4116000" y="1292489"/>
+            <a:ext cx="3960000" cy="1218282"/>
+          </a:xfrm>
+          <a:prstGeom prst="rect">
+            <a:avLst/>
+          </a:prstGeom>
+          <a:solidFill>
+            <a:schemeClr val="accent1">
+              <a:lumMod val="20000"/>
+              <a:lumOff val="80000"/>
+            </a:schemeClr>
+          </a:solidFill>
+          <a:ln w="57150" cmpd="thickThin">
+            <a:solidFill>
+              <a:schemeClr val="accent5">
+                <a:lumMod val="50000"/>
+                <a:alpha val="50000"/>
+              </a:schemeClr>
+            </a:solidFill>
+            <a:extLst>
+              <a:ext uri="{C807C97D-BFC1-408E-A445-0C87EB9F89A2}">
+                <ask:lineSketchStyleProps xmlns:ask="http://schemas.microsoft.com/office/drawing/2018/sketchyshapes" sd="1219033472">
+                  <a:custGeom>
+                    <a:avLst/>
+                    <a:gdLst>
+                      <a:gd name="connsiteX0" fmla="*/ 0 w 3447351"/>
+                      <a:gd name="connsiteY0" fmla="*/ 0 h 3231654"/>
+                      <a:gd name="connsiteX1" fmla="*/ 471138 w 3447351"/>
+                      <a:gd name="connsiteY1" fmla="*/ 0 h 3231654"/>
+                      <a:gd name="connsiteX2" fmla="*/ 1114643 w 3447351"/>
+                      <a:gd name="connsiteY2" fmla="*/ 0 h 3231654"/>
+                      <a:gd name="connsiteX3" fmla="*/ 1723676 w 3447351"/>
+                      <a:gd name="connsiteY3" fmla="*/ 0 h 3231654"/>
+                      <a:gd name="connsiteX4" fmla="*/ 2194813 w 3447351"/>
+                      <a:gd name="connsiteY4" fmla="*/ 0 h 3231654"/>
+                      <a:gd name="connsiteX5" fmla="*/ 2734898 w 3447351"/>
+                      <a:gd name="connsiteY5" fmla="*/ 0 h 3231654"/>
+                      <a:gd name="connsiteX6" fmla="*/ 3447351 w 3447351"/>
+                      <a:gd name="connsiteY6" fmla="*/ 0 h 3231654"/>
+                      <a:gd name="connsiteX7" fmla="*/ 3447351 w 3447351"/>
+                      <a:gd name="connsiteY7" fmla="*/ 538609 h 3231654"/>
+                      <a:gd name="connsiteX8" fmla="*/ 3447351 w 3447351"/>
+                      <a:gd name="connsiteY8" fmla="*/ 1012585 h 3231654"/>
+                      <a:gd name="connsiteX9" fmla="*/ 3447351 w 3447351"/>
+                      <a:gd name="connsiteY9" fmla="*/ 1454244 h 3231654"/>
+                      <a:gd name="connsiteX10" fmla="*/ 3447351 w 3447351"/>
+                      <a:gd name="connsiteY10" fmla="*/ 1928220 h 3231654"/>
+                      <a:gd name="connsiteX11" fmla="*/ 3447351 w 3447351"/>
+                      <a:gd name="connsiteY11" fmla="*/ 2499146 h 3231654"/>
+                      <a:gd name="connsiteX12" fmla="*/ 3447351 w 3447351"/>
+                      <a:gd name="connsiteY12" fmla="*/ 3231654 h 3231654"/>
+                      <a:gd name="connsiteX13" fmla="*/ 2976213 w 3447351"/>
+                      <a:gd name="connsiteY13" fmla="*/ 3231654 h 3231654"/>
+                      <a:gd name="connsiteX14" fmla="*/ 2505075 w 3447351"/>
+                      <a:gd name="connsiteY14" fmla="*/ 3231654 h 3231654"/>
+                      <a:gd name="connsiteX15" fmla="*/ 1896043 w 3447351"/>
+                      <a:gd name="connsiteY15" fmla="*/ 3231654 h 3231654"/>
+                      <a:gd name="connsiteX16" fmla="*/ 1424905 w 3447351"/>
+                      <a:gd name="connsiteY16" fmla="*/ 3231654 h 3231654"/>
+                      <a:gd name="connsiteX17" fmla="*/ 850347 w 3447351"/>
+                      <a:gd name="connsiteY17" fmla="*/ 3231654 h 3231654"/>
+                      <a:gd name="connsiteX18" fmla="*/ 0 w 3447351"/>
+                      <a:gd name="connsiteY18" fmla="*/ 3231654 h 3231654"/>
+                      <a:gd name="connsiteX19" fmla="*/ 0 w 3447351"/>
+                      <a:gd name="connsiteY19" fmla="*/ 2693045 h 3231654"/>
+                      <a:gd name="connsiteX20" fmla="*/ 0 w 3447351"/>
+                      <a:gd name="connsiteY20" fmla="*/ 2154436 h 3231654"/>
+                      <a:gd name="connsiteX21" fmla="*/ 0 w 3447351"/>
+                      <a:gd name="connsiteY21" fmla="*/ 1551194 h 3231654"/>
+                      <a:gd name="connsiteX22" fmla="*/ 0 w 3447351"/>
+                      <a:gd name="connsiteY22" fmla="*/ 1044901 h 3231654"/>
+                      <a:gd name="connsiteX23" fmla="*/ 0 w 3447351"/>
+                      <a:gd name="connsiteY23" fmla="*/ 538609 h 3231654"/>
+                      <a:gd name="connsiteX24" fmla="*/ 0 w 3447351"/>
+                      <a:gd name="connsiteY24" fmla="*/ 0 h 3231654"/>
+                    </a:gdLst>
+                    <a:ahLst/>
+                    <a:cxnLst>
+                      <a:cxn ang="0">
+                        <a:pos x="connsiteX0" y="connsiteY0"/>
+                      </a:cxn>
+                      <a:cxn ang="0">
+                        <a:pos x="connsiteX1" y="connsiteY1"/>
+                      </a:cxn>
+                      <a:cxn ang="0">
+                        <a:pos x="connsiteX2" y="connsiteY2"/>
+                      </a:cxn>
+                      <a:cxn ang="0">
+                        <a:pos x="connsiteX3" y="connsiteY3"/>
+                      </a:cxn>
+                      <a:cxn ang="0">
+                        <a:pos x="connsiteX4" y="connsiteY4"/>
+                      </a:cxn>
+                      <a:cxn ang="0">
+                        <a:pos x="connsiteX5" y="connsiteY5"/>
+                      </a:cxn>
+                      <a:cxn ang="0">
+                        <a:pos x="connsiteX6" y="connsiteY6"/>
+                      </a:cxn>
+                      <a:cxn ang="0">
+                        <a:pos x="connsiteX7" y="connsiteY7"/>
+                      </a:cxn>
+                      <a:cxn ang="0">
+                        <a:pos x="connsiteX8" y="connsiteY8"/>
+                      </a:cxn>
+                      <a:cxn ang="0">
+                        <a:pos x="connsiteX9" y="connsiteY9"/>
+                      </a:cxn>
+                      <a:cxn ang="0">
+                        <a:pos x="connsiteX10" y="connsiteY10"/>
+                      </a:cxn>
+                      <a:cxn ang="0">
+                        <a:pos x="connsiteX11" y="connsiteY11"/>
+                      </a:cxn>
+                      <a:cxn ang="0">
+                        <a:pos x="connsiteX12" y="connsiteY12"/>
+                      </a:cxn>
+                      <a:cxn ang="0">
+                        <a:pos x="connsiteX13" y="connsiteY13"/>
+                      </a:cxn>
+                      <a:cxn ang="0">
+                        <a:pos x="connsiteX14" y="connsiteY14"/>
+                      </a:cxn>
+                      <a:cxn ang="0">
+                        <a:pos x="connsiteX15" y="connsiteY15"/>
+                      </a:cxn>
+                      <a:cxn ang="0">
+                        <a:pos x="connsiteX16" y="connsiteY16"/>
+                      </a:cxn>
+                      <a:cxn ang="0">
+                        <a:pos x="connsiteX17" y="connsiteY17"/>
+                      </a:cxn>
+                      <a:cxn ang="0">
+                        <a:pos x="connsiteX18" y="connsiteY18"/>
+                      </a:cxn>
+                      <a:cxn ang="0">
+                        <a:pos x="connsiteX19" y="connsiteY19"/>
+                      </a:cxn>
+                      <a:cxn ang="0">
+                        <a:pos x="connsiteX20" y="connsiteY20"/>
+                      </a:cxn>
+                      <a:cxn ang="0">
+                        <a:pos x="connsiteX21" y="connsiteY21"/>
+                      </a:cxn>
+                      <a:cxn ang="0">
+                        <a:pos x="connsiteX22" y="connsiteY22"/>
+                      </a:cxn>
+                      <a:cxn ang="0">
+                        <a:pos x="connsiteX23" y="connsiteY23"/>
+                      </a:cxn>
+                      <a:cxn ang="0">
+                        <a:pos x="connsiteX24" y="connsiteY24"/>
+                      </a:cxn>
+                    </a:cxnLst>
+                    <a:rect l="l" t="t" r="r" b="b"/>
+                    <a:pathLst>
+                      <a:path w="3447351" h="3231654" fill="none" extrusionOk="0">
+                        <a:moveTo>
+                          <a:pt x="0" y="0"/>
+                        </a:moveTo>
+                        <a:cubicBezTo>
+                          <a:pt x="202617" y="-38501"/>
+                          <a:pt x="285997" y="13940"/>
+                          <a:pt x="471138" y="0"/>
+                        </a:cubicBezTo>
+                        <a:cubicBezTo>
+                          <a:pt x="656279" y="-13940"/>
+                          <a:pt x="817291" y="59168"/>
+                          <a:pt x="1114643" y="0"/>
+                        </a:cubicBezTo>
+                        <a:cubicBezTo>
+                          <a:pt x="1411995" y="-59168"/>
+                          <a:pt x="1499799" y="47491"/>
+                          <a:pt x="1723676" y="0"/>
+                        </a:cubicBezTo>
+                        <a:cubicBezTo>
+                          <a:pt x="1947553" y="-47491"/>
+                          <a:pt x="2013086" y="38759"/>
+                          <a:pt x="2194813" y="0"/>
+                        </a:cubicBezTo>
+                        <a:cubicBezTo>
+                          <a:pt x="2376540" y="-38759"/>
+                          <a:pt x="2541738" y="1750"/>
+                          <a:pt x="2734898" y="0"/>
+                        </a:cubicBezTo>
+                        <a:cubicBezTo>
+                          <a:pt x="2928059" y="-1750"/>
+                          <a:pt x="3161502" y="82291"/>
+                          <a:pt x="3447351" y="0"/>
+                        </a:cubicBezTo>
+                        <a:cubicBezTo>
+                          <a:pt x="3490015" y="207135"/>
+                          <a:pt x="3414320" y="293708"/>
+                          <a:pt x="3447351" y="538609"/>
+                        </a:cubicBezTo>
+                        <a:cubicBezTo>
+                          <a:pt x="3480382" y="783510"/>
+                          <a:pt x="3419511" y="859737"/>
+                          <a:pt x="3447351" y="1012585"/>
+                        </a:cubicBezTo>
+                        <a:cubicBezTo>
+                          <a:pt x="3475191" y="1165433"/>
+                          <a:pt x="3427395" y="1263319"/>
+                          <a:pt x="3447351" y="1454244"/>
+                        </a:cubicBezTo>
+                        <a:cubicBezTo>
+                          <a:pt x="3467307" y="1645169"/>
+                          <a:pt x="3442103" y="1734714"/>
+                          <a:pt x="3447351" y="1928220"/>
+                        </a:cubicBezTo>
+                        <a:cubicBezTo>
+                          <a:pt x="3452599" y="2121726"/>
+                          <a:pt x="3394624" y="2345628"/>
+                          <a:pt x="3447351" y="2499146"/>
+                        </a:cubicBezTo>
+                        <a:cubicBezTo>
+                          <a:pt x="3500078" y="2652664"/>
+                          <a:pt x="3400934" y="3048573"/>
+                          <a:pt x="3447351" y="3231654"/>
+                        </a:cubicBezTo>
+                        <a:cubicBezTo>
+                          <a:pt x="3332184" y="3280629"/>
+                          <a:pt x="3088320" y="3179403"/>
+                          <a:pt x="2976213" y="3231654"/>
+                        </a:cubicBezTo>
+                        <a:cubicBezTo>
+                          <a:pt x="2864106" y="3283905"/>
+                          <a:pt x="2712431" y="3215636"/>
+                          <a:pt x="2505075" y="3231654"/>
+                        </a:cubicBezTo>
+                        <a:cubicBezTo>
+                          <a:pt x="2297719" y="3247672"/>
+                          <a:pt x="2035543" y="3218695"/>
+                          <a:pt x="1896043" y="3231654"/>
+                        </a:cubicBezTo>
+                        <a:cubicBezTo>
+                          <a:pt x="1756543" y="3244613"/>
+                          <a:pt x="1539554" y="3188205"/>
+                          <a:pt x="1424905" y="3231654"/>
+                        </a:cubicBezTo>
+                        <a:cubicBezTo>
+                          <a:pt x="1310256" y="3275103"/>
+                          <a:pt x="1122117" y="3191936"/>
+                          <a:pt x="850347" y="3231654"/>
+                        </a:cubicBezTo>
+                        <a:cubicBezTo>
+                          <a:pt x="578577" y="3271372"/>
+                          <a:pt x="356669" y="3160269"/>
+                          <a:pt x="0" y="3231654"/>
+                        </a:cubicBezTo>
+                        <a:cubicBezTo>
+                          <a:pt x="-63190" y="3096310"/>
+                          <a:pt x="29888" y="2810014"/>
+                          <a:pt x="0" y="2693045"/>
+                        </a:cubicBezTo>
+                        <a:cubicBezTo>
+                          <a:pt x="-29888" y="2576076"/>
+                          <a:pt x="36511" y="2343962"/>
+                          <a:pt x="0" y="2154436"/>
+                        </a:cubicBezTo>
+                        <a:cubicBezTo>
+                          <a:pt x="-36511" y="1964910"/>
+                          <a:pt x="65838" y="1758956"/>
+                          <a:pt x="0" y="1551194"/>
+                        </a:cubicBezTo>
+                        <a:cubicBezTo>
+                          <a:pt x="-65838" y="1343432"/>
+                          <a:pt x="60058" y="1245117"/>
+                          <a:pt x="0" y="1044901"/>
+                        </a:cubicBezTo>
+                        <a:cubicBezTo>
+                          <a:pt x="-60058" y="844685"/>
+                          <a:pt x="31697" y="687041"/>
+                          <a:pt x="0" y="538609"/>
+                        </a:cubicBezTo>
+                        <a:cubicBezTo>
+                          <a:pt x="-31697" y="390177"/>
+                          <a:pt x="29076" y="258859"/>
+                          <a:pt x="0" y="0"/>
+                        </a:cubicBezTo>
+                        <a:close/>
+                      </a:path>
+                      <a:path w="3447351" h="3231654" stroke="0" extrusionOk="0">
+                        <a:moveTo>
+                          <a:pt x="0" y="0"/>
+                        </a:moveTo>
+                        <a:cubicBezTo>
+                          <a:pt x="252612" y="-34767"/>
+                          <a:pt x="295373" y="63397"/>
+                          <a:pt x="540085" y="0"/>
+                        </a:cubicBezTo>
+                        <a:cubicBezTo>
+                          <a:pt x="784798" y="-63397"/>
+                          <a:pt x="799207" y="29328"/>
+                          <a:pt x="1011223" y="0"/>
+                        </a:cubicBezTo>
+                        <a:cubicBezTo>
+                          <a:pt x="1223239" y="-29328"/>
+                          <a:pt x="1335103" y="33963"/>
+                          <a:pt x="1654728" y="0"/>
+                        </a:cubicBezTo>
+                        <a:cubicBezTo>
+                          <a:pt x="1974353" y="-33963"/>
+                          <a:pt x="2052982" y="60940"/>
+                          <a:pt x="2194813" y="0"/>
+                        </a:cubicBezTo>
+                        <a:cubicBezTo>
+                          <a:pt x="2336645" y="-60940"/>
+                          <a:pt x="2589346" y="63105"/>
+                          <a:pt x="2734898" y="0"/>
+                        </a:cubicBezTo>
+                        <a:cubicBezTo>
+                          <a:pt x="2880450" y="-63105"/>
+                          <a:pt x="3146632" y="57316"/>
+                          <a:pt x="3447351" y="0"/>
+                        </a:cubicBezTo>
+                        <a:cubicBezTo>
+                          <a:pt x="3452612" y="179247"/>
+                          <a:pt x="3429303" y="267860"/>
+                          <a:pt x="3447351" y="473976"/>
+                        </a:cubicBezTo>
+                        <a:cubicBezTo>
+                          <a:pt x="3465399" y="680092"/>
+                          <a:pt x="3443516" y="822397"/>
+                          <a:pt x="3447351" y="1012585"/>
+                        </a:cubicBezTo>
+                        <a:cubicBezTo>
+                          <a:pt x="3451186" y="1202773"/>
+                          <a:pt x="3410607" y="1359367"/>
+                          <a:pt x="3447351" y="1486561"/>
+                        </a:cubicBezTo>
+                        <a:cubicBezTo>
+                          <a:pt x="3484095" y="1613755"/>
+                          <a:pt x="3422779" y="1783261"/>
+                          <a:pt x="3447351" y="1960537"/>
+                        </a:cubicBezTo>
+                        <a:cubicBezTo>
+                          <a:pt x="3471923" y="2137813"/>
+                          <a:pt x="3444785" y="2265381"/>
+                          <a:pt x="3447351" y="2499146"/>
+                        </a:cubicBezTo>
+                        <a:cubicBezTo>
+                          <a:pt x="3449917" y="2732911"/>
+                          <a:pt x="3411884" y="2980010"/>
+                          <a:pt x="3447351" y="3231654"/>
+                        </a:cubicBezTo>
+                        <a:cubicBezTo>
+                          <a:pt x="3325713" y="3268489"/>
+                          <a:pt x="3093879" y="3203295"/>
+                          <a:pt x="2976213" y="3231654"/>
+                        </a:cubicBezTo>
+                        <a:cubicBezTo>
+                          <a:pt x="2858547" y="3260013"/>
+                          <a:pt x="2643384" y="3219798"/>
+                          <a:pt x="2332708" y="3231654"/>
+                        </a:cubicBezTo>
+                        <a:cubicBezTo>
+                          <a:pt x="2022032" y="3243510"/>
+                          <a:pt x="1963606" y="3185379"/>
+                          <a:pt x="1827096" y="3231654"/>
+                        </a:cubicBezTo>
+                        <a:cubicBezTo>
+                          <a:pt x="1690586" y="3277929"/>
+                          <a:pt x="1426047" y="3197462"/>
+                          <a:pt x="1252538" y="3231654"/>
+                        </a:cubicBezTo>
+                        <a:cubicBezTo>
+                          <a:pt x="1079029" y="3265846"/>
+                          <a:pt x="785885" y="3216091"/>
+                          <a:pt x="609032" y="3231654"/>
+                        </a:cubicBezTo>
+                        <a:cubicBezTo>
+                          <a:pt x="432179" y="3247217"/>
+                          <a:pt x="220609" y="3169402"/>
+                          <a:pt x="0" y="3231654"/>
+                        </a:cubicBezTo>
+                        <a:cubicBezTo>
+                          <a:pt x="-29416" y="3102452"/>
+                          <a:pt x="46493" y="2921206"/>
+                          <a:pt x="0" y="2789995"/>
+                        </a:cubicBezTo>
+                        <a:cubicBezTo>
+                          <a:pt x="-46493" y="2658784"/>
+                          <a:pt x="15126" y="2429629"/>
+                          <a:pt x="0" y="2316019"/>
+                        </a:cubicBezTo>
+                        <a:cubicBezTo>
+                          <a:pt x="-15126" y="2202409"/>
+                          <a:pt x="31117" y="2047663"/>
+                          <a:pt x="0" y="1809726"/>
+                        </a:cubicBezTo>
+                        <a:cubicBezTo>
+                          <a:pt x="-31117" y="1571789"/>
+                          <a:pt x="1647" y="1455054"/>
+                          <a:pt x="0" y="1206484"/>
+                        </a:cubicBezTo>
+                        <a:cubicBezTo>
+                          <a:pt x="-1647" y="957914"/>
+                          <a:pt x="40717" y="818700"/>
+                          <a:pt x="0" y="667875"/>
+                        </a:cubicBezTo>
+                        <a:cubicBezTo>
+                          <a:pt x="-40717" y="517050"/>
+                          <a:pt x="69327" y="148129"/>
+                          <a:pt x="0" y="0"/>
+                        </a:cubicBezTo>
+                        <a:close/>
+                      </a:path>
+                    </a:pathLst>
+                  </a:custGeom>
+                  <ask:type>
+                    <ask:lineSketchNone/>
+                  </ask:type>
+                </ask:lineSketchStyleProps>
+              </a:ext>
+            </a:extLst>
+          </a:ln>
+          <a:effectLst>
+            <a:softEdge rad="0"/>
+          </a:effectLst>
+        </p:spPr>
+        <p:txBody>
+          <a:bodyPr wrap="square" rtlCol="0">
+            <a:spAutoFit/>
+          </a:bodyPr>
+          <a:lstStyle/>
+          <a:p>
+            <a:pPr algn="ctr">
+              <a:spcAft>
+                <a:spcPts val="400"/>
+              </a:spcAft>
+            </a:pPr>
+            <a:r>
+              <a:rPr lang="en-GB" sz="1400" u="sng" dirty="0">
+                <a:latin typeface="Amasis MT Pro Light" panose="02040304050005020304" pitchFamily="18" charset="0"/>
+              </a:rPr>
+              <a:t>Aim</a:t>
+            </a:r>
+            <a:r>
+              <a:rPr lang="en-GB" sz="1200" dirty="0">
+                <a:latin typeface="Amasis MT Pro Light" panose="02040304050005020304" pitchFamily="18" charset="0"/>
+              </a:rPr>
+              <a:t> </a:t>
+            </a:r>
+          </a:p>
+          <a:p>
+            <a:pPr marL="171450" indent="-171450" algn="just">
+              <a:spcAft>
+                <a:spcPts val="400"/>
+              </a:spcAft>
+              <a:buFont typeface="Arial" panose="020B0604020202020204" pitchFamily="34" charset="0"/>
+              <a:buChar char="•"/>
+            </a:pPr>
+            <a:r>
+              <a:rPr lang="en-GB" sz="1050" dirty="0">
+                <a:latin typeface="Amasis MT Pro Light" panose="02040304050005020304" pitchFamily="18" charset="0"/>
+              </a:rPr>
+              <a:t>The primary objective is to compare </a:t>
+            </a:r>
+            <a:r>
+              <a:rPr lang="en-GB" sz="1050" b="1" dirty="0">
+                <a:latin typeface="Amasis MT Pro Light" panose="02040304050005020304" pitchFamily="18" charset="0"/>
+              </a:rPr>
+              <a:t>eye gaze patterns </a:t>
+            </a:r>
+            <a:r>
+              <a:rPr lang="en-GB" sz="1050" dirty="0">
+                <a:latin typeface="Amasis MT Pro Light" panose="02040304050005020304" pitchFamily="18" charset="0"/>
+              </a:rPr>
+              <a:t>of novices and experts while viewing financial data through different data visualisations.</a:t>
+            </a:r>
+          </a:p>
+          <a:p>
+            <a:pPr marL="171450" indent="-171450" algn="just">
+              <a:spcAft>
+                <a:spcPts val="400"/>
+              </a:spcAft>
+              <a:buFont typeface="Arial" panose="020B0604020202020204" pitchFamily="34" charset="0"/>
+              <a:buChar char="•"/>
+            </a:pPr>
+            <a:r>
+              <a:rPr lang="en-GB" sz="1050" dirty="0">
+                <a:latin typeface="Amasis MT Pro Light" panose="02040304050005020304" pitchFamily="18" charset="0"/>
+              </a:rPr>
+              <a:t>Develop </a:t>
+            </a:r>
+            <a:r>
+              <a:rPr lang="en-GB" sz="1050" b="1" dirty="0">
+                <a:latin typeface="Amasis MT Pro Light" panose="02040304050005020304" pitchFamily="18" charset="0"/>
+              </a:rPr>
+              <a:t>practical guidelines </a:t>
+            </a:r>
+            <a:r>
+              <a:rPr lang="en-GB" sz="1050" dirty="0">
+                <a:latin typeface="Amasis MT Pro Light" panose="02040304050005020304" pitchFamily="18" charset="0"/>
+              </a:rPr>
+              <a:t>for designing financial data visuals that enhance comprehension and engagement among consumers</a:t>
+            </a:r>
+            <a:endParaRPr lang="en-GB" sz="1200" dirty="0">
+              <a:latin typeface="Amasis MT Pro Light" panose="02040304050005020304" pitchFamily="18" charset="0"/>
+            </a:endParaRPr>
+          </a:p>
+        </p:txBody>
+      </p:sp>
+      <p:sp>
+        <p:nvSpPr>
+          <p:cNvPr id="6" name="TextBox 5">
+            <a:extLst>
+              <a:ext uri="{FF2B5EF4-FFF2-40B4-BE49-F238E27FC236}">
+                <a16:creationId xmlns:a16="http://schemas.microsoft.com/office/drawing/2014/main" id="{42D78147-5ABB-0E89-F7AF-FD9205B9AD4D}"/>
+              </a:ext>
+            </a:extLst>
+          </p:cNvPr>
+          <p:cNvSpPr txBox="1"/>
+          <p:nvPr/>
+        </p:nvSpPr>
+        <p:spPr>
+          <a:xfrm>
+            <a:off x="4116000" y="4721880"/>
+            <a:ext cx="3960000" cy="1785104"/>
+          </a:xfrm>
+          <a:prstGeom prst="rect">
+            <a:avLst/>
+          </a:prstGeom>
+          <a:solidFill>
+            <a:schemeClr val="accent1">
+              <a:lumMod val="20000"/>
+              <a:lumOff val="80000"/>
+            </a:schemeClr>
+          </a:solidFill>
+          <a:ln w="57150" cmpd="thickThin">
+            <a:solidFill>
+              <a:schemeClr val="accent5">
+                <a:lumMod val="50000"/>
+                <a:alpha val="50000"/>
+              </a:schemeClr>
+            </a:solidFill>
+            <a:extLst>
+              <a:ext uri="{C807C97D-BFC1-408E-A445-0C87EB9F89A2}">
+                <ask:lineSketchStyleProps xmlns:ask="http://schemas.microsoft.com/office/drawing/2018/sketchyshapes" sd="1219033472">
+                  <a:custGeom>
+                    <a:avLst/>
+                    <a:gdLst>
+                      <a:gd name="connsiteX0" fmla="*/ 0 w 3447351"/>
+                      <a:gd name="connsiteY0" fmla="*/ 0 h 3231654"/>
+                      <a:gd name="connsiteX1" fmla="*/ 471138 w 3447351"/>
+                      <a:gd name="connsiteY1" fmla="*/ 0 h 3231654"/>
+                      <a:gd name="connsiteX2" fmla="*/ 1114643 w 3447351"/>
+                      <a:gd name="connsiteY2" fmla="*/ 0 h 3231654"/>
+                      <a:gd name="connsiteX3" fmla="*/ 1723676 w 3447351"/>
+                      <a:gd name="connsiteY3" fmla="*/ 0 h 3231654"/>
+                      <a:gd name="connsiteX4" fmla="*/ 2194813 w 3447351"/>
+                      <a:gd name="connsiteY4" fmla="*/ 0 h 3231654"/>
+                      <a:gd name="connsiteX5" fmla="*/ 2734898 w 3447351"/>
+                      <a:gd name="connsiteY5" fmla="*/ 0 h 3231654"/>
+                      <a:gd name="connsiteX6" fmla="*/ 3447351 w 3447351"/>
+                      <a:gd name="connsiteY6" fmla="*/ 0 h 3231654"/>
+                      <a:gd name="connsiteX7" fmla="*/ 3447351 w 3447351"/>
+                      <a:gd name="connsiteY7" fmla="*/ 538609 h 3231654"/>
+                      <a:gd name="connsiteX8" fmla="*/ 3447351 w 3447351"/>
+                      <a:gd name="connsiteY8" fmla="*/ 1012585 h 3231654"/>
+                      <a:gd name="connsiteX9" fmla="*/ 3447351 w 3447351"/>
+                      <a:gd name="connsiteY9" fmla="*/ 1454244 h 3231654"/>
+                      <a:gd name="connsiteX10" fmla="*/ 3447351 w 3447351"/>
+                      <a:gd name="connsiteY10" fmla="*/ 1928220 h 3231654"/>
+                      <a:gd name="connsiteX11" fmla="*/ 3447351 w 3447351"/>
+                      <a:gd name="connsiteY11" fmla="*/ 2499146 h 3231654"/>
+                      <a:gd name="connsiteX12" fmla="*/ 3447351 w 3447351"/>
+                      <a:gd name="connsiteY12" fmla="*/ 3231654 h 3231654"/>
+                      <a:gd name="connsiteX13" fmla="*/ 2976213 w 3447351"/>
+                      <a:gd name="connsiteY13" fmla="*/ 3231654 h 3231654"/>
+                      <a:gd name="connsiteX14" fmla="*/ 2505075 w 3447351"/>
+                      <a:gd name="connsiteY14" fmla="*/ 3231654 h 3231654"/>
+                      <a:gd name="connsiteX15" fmla="*/ 1896043 w 3447351"/>
+                      <a:gd name="connsiteY15" fmla="*/ 3231654 h 3231654"/>
+                      <a:gd name="connsiteX16" fmla="*/ 1424905 w 3447351"/>
+                      <a:gd name="connsiteY16" fmla="*/ 3231654 h 3231654"/>
+                      <a:gd name="connsiteX17" fmla="*/ 850347 w 3447351"/>
+                      <a:gd name="connsiteY17" fmla="*/ 3231654 h 3231654"/>
+                      <a:gd name="connsiteX18" fmla="*/ 0 w 3447351"/>
+                      <a:gd name="connsiteY18" fmla="*/ 3231654 h 3231654"/>
+                      <a:gd name="connsiteX19" fmla="*/ 0 w 3447351"/>
+                      <a:gd name="connsiteY19" fmla="*/ 2693045 h 3231654"/>
+                      <a:gd name="connsiteX20" fmla="*/ 0 w 3447351"/>
+                      <a:gd name="connsiteY20" fmla="*/ 2154436 h 3231654"/>
+                      <a:gd name="connsiteX21" fmla="*/ 0 w 3447351"/>
+                      <a:gd name="connsiteY21" fmla="*/ 1551194 h 3231654"/>
+                      <a:gd name="connsiteX22" fmla="*/ 0 w 3447351"/>
+                      <a:gd name="connsiteY22" fmla="*/ 1044901 h 3231654"/>
+                      <a:gd name="connsiteX23" fmla="*/ 0 w 3447351"/>
+                      <a:gd name="connsiteY23" fmla="*/ 538609 h 3231654"/>
+                      <a:gd name="connsiteX24" fmla="*/ 0 w 3447351"/>
+                      <a:gd name="connsiteY24" fmla="*/ 0 h 3231654"/>
+                    </a:gdLst>
+                    <a:ahLst/>
+                    <a:cxnLst>
+                      <a:cxn ang="0">
+                        <a:pos x="connsiteX0" y="connsiteY0"/>
+                      </a:cxn>
+                      <a:cxn ang="0">
+                        <a:pos x="connsiteX1" y="connsiteY1"/>
+                      </a:cxn>
+                      <a:cxn ang="0">
+                        <a:pos x="connsiteX2" y="connsiteY2"/>
+                      </a:cxn>
+                      <a:cxn ang="0">
+                        <a:pos x="connsiteX3" y="connsiteY3"/>
+                      </a:cxn>
+                      <a:cxn ang="0">
+                        <a:pos x="connsiteX4" y="connsiteY4"/>
+                      </a:cxn>
+                      <a:cxn ang="0">
+                        <a:pos x="connsiteX5" y="connsiteY5"/>
+                      </a:cxn>
+                      <a:cxn ang="0">
+                        <a:pos x="connsiteX6" y="connsiteY6"/>
+                      </a:cxn>
+                      <a:cxn ang="0">
+                        <a:pos x="connsiteX7" y="connsiteY7"/>
+                      </a:cxn>
+                      <a:cxn ang="0">
+                        <a:pos x="connsiteX8" y="connsiteY8"/>
+                      </a:cxn>
+                      <a:cxn ang="0">
+                        <a:pos x="connsiteX9" y="connsiteY9"/>
+                      </a:cxn>
+                      <a:cxn ang="0">
+                        <a:pos x="connsiteX10" y="connsiteY10"/>
+                      </a:cxn>
+                      <a:cxn ang="0">
+                        <a:pos x="connsiteX11" y="connsiteY11"/>
+                      </a:cxn>
+                      <a:cxn ang="0">
+                        <a:pos x="connsiteX12" y="connsiteY12"/>
+                      </a:cxn>
+                      <a:cxn ang="0">
+                        <a:pos x="connsiteX13" y="connsiteY13"/>
+                      </a:cxn>
+                      <a:cxn ang="0">
+                        <a:pos x="connsiteX14" y="connsiteY14"/>
+                      </a:cxn>
+                      <a:cxn ang="0">
+                        <a:pos x="connsiteX15" y="connsiteY15"/>
+                      </a:cxn>
+                      <a:cxn ang="0">
+                        <a:pos x="connsiteX16" y="connsiteY16"/>
+                      </a:cxn>
+                      <a:cxn ang="0">
+                        <a:pos x="connsiteX17" y="connsiteY17"/>
+                      </a:cxn>
+                      <a:cxn ang="0">
+                        <a:pos x="connsiteX18" y="connsiteY18"/>
+                      </a:cxn>
+                      <a:cxn ang="0">
+                        <a:pos x="connsiteX19" y="connsiteY19"/>
+                      </a:cxn>
+                      <a:cxn ang="0">
+                        <a:pos x="connsiteX20" y="connsiteY20"/>
+                      </a:cxn>
+                      <a:cxn ang="0">
+                        <a:pos x="connsiteX21" y="connsiteY21"/>
+                      </a:cxn>
+                      <a:cxn ang="0">
+                        <a:pos x="connsiteX22" y="connsiteY22"/>
+                      </a:cxn>
+                      <a:cxn ang="0">
+                        <a:pos x="connsiteX23" y="connsiteY23"/>
+                      </a:cxn>
+                      <a:cxn ang="0">
+                        <a:pos x="connsiteX24" y="connsiteY24"/>
+                      </a:cxn>
+                    </a:cxnLst>
+                    <a:rect l="l" t="t" r="r" b="b"/>
+                    <a:pathLst>
+                      <a:path w="3447351" h="3231654" fill="none" extrusionOk="0">
+                        <a:moveTo>
+                          <a:pt x="0" y="0"/>
+                        </a:moveTo>
+                        <a:cubicBezTo>
+                          <a:pt x="202617" y="-38501"/>
+                          <a:pt x="285997" y="13940"/>
+                          <a:pt x="471138" y="0"/>
+                        </a:cubicBezTo>
+                        <a:cubicBezTo>
+                          <a:pt x="656279" y="-13940"/>
+                          <a:pt x="817291" y="59168"/>
+                          <a:pt x="1114643" y="0"/>
+                        </a:cubicBezTo>
+                        <a:cubicBezTo>
+                          <a:pt x="1411995" y="-59168"/>
+                          <a:pt x="1499799" y="47491"/>
+                          <a:pt x="1723676" y="0"/>
+                        </a:cubicBezTo>
+                        <a:cubicBezTo>
+                          <a:pt x="1947553" y="-47491"/>
+                          <a:pt x="2013086" y="38759"/>
+                          <a:pt x="2194813" y="0"/>
+                        </a:cubicBezTo>
+                        <a:cubicBezTo>
+                          <a:pt x="2376540" y="-38759"/>
+                          <a:pt x="2541738" y="1750"/>
+                          <a:pt x="2734898" y="0"/>
+                        </a:cubicBezTo>
+                        <a:cubicBezTo>
+                          <a:pt x="2928059" y="-1750"/>
+                          <a:pt x="3161502" y="82291"/>
+                          <a:pt x="3447351" y="0"/>
+                        </a:cubicBezTo>
+                        <a:cubicBezTo>
+                          <a:pt x="3490015" y="207135"/>
+                          <a:pt x="3414320" y="293708"/>
+                          <a:pt x="3447351" y="538609"/>
+                        </a:cubicBezTo>
+                        <a:cubicBezTo>
+                          <a:pt x="3480382" y="783510"/>
+                          <a:pt x="3419511" y="859737"/>
+                          <a:pt x="3447351" y="1012585"/>
+                        </a:cubicBezTo>
+                        <a:cubicBezTo>
+                          <a:pt x="3475191" y="1165433"/>
+                          <a:pt x="3427395" y="1263319"/>
+                          <a:pt x="3447351" y="1454244"/>
+                        </a:cubicBezTo>
+                        <a:cubicBezTo>
+                          <a:pt x="3467307" y="1645169"/>
+                          <a:pt x="3442103" y="1734714"/>
+                          <a:pt x="3447351" y="1928220"/>
+                        </a:cubicBezTo>
+                        <a:cubicBezTo>
+                          <a:pt x="3452599" y="2121726"/>
+                          <a:pt x="3394624" y="2345628"/>
+                          <a:pt x="3447351" y="2499146"/>
+                        </a:cubicBezTo>
+                        <a:cubicBezTo>
+                          <a:pt x="3500078" y="2652664"/>
+                          <a:pt x="3400934" y="3048573"/>
+                          <a:pt x="3447351" y="3231654"/>
+                        </a:cubicBezTo>
+                        <a:cubicBezTo>
+                          <a:pt x="3332184" y="3280629"/>
+                          <a:pt x="3088320" y="3179403"/>
+                          <a:pt x="2976213" y="3231654"/>
+                        </a:cubicBezTo>
+                        <a:cubicBezTo>
+                          <a:pt x="2864106" y="3283905"/>
+                          <a:pt x="2712431" y="3215636"/>
+                          <a:pt x="2505075" y="3231654"/>
+                        </a:cubicBezTo>
+                        <a:cubicBezTo>
+                          <a:pt x="2297719" y="3247672"/>
+                          <a:pt x="2035543" y="3218695"/>
+                          <a:pt x="1896043" y="3231654"/>
+                        </a:cubicBezTo>
+                        <a:cubicBezTo>
+                          <a:pt x="1756543" y="3244613"/>
+                          <a:pt x="1539554" y="3188205"/>
+                          <a:pt x="1424905" y="3231654"/>
+                        </a:cubicBezTo>
+                        <a:cubicBezTo>
+                          <a:pt x="1310256" y="3275103"/>
+                          <a:pt x="1122117" y="3191936"/>
+                          <a:pt x="850347" y="3231654"/>
+                        </a:cubicBezTo>
+                        <a:cubicBezTo>
+                          <a:pt x="578577" y="3271372"/>
+                          <a:pt x="356669" y="3160269"/>
+                          <a:pt x="0" y="3231654"/>
+                        </a:cubicBezTo>
+                        <a:cubicBezTo>
+                          <a:pt x="-63190" y="3096310"/>
+                          <a:pt x="29888" y="2810014"/>
+                          <a:pt x="0" y="2693045"/>
+                        </a:cubicBezTo>
+                        <a:cubicBezTo>
+                          <a:pt x="-29888" y="2576076"/>
+                          <a:pt x="36511" y="2343962"/>
+                          <a:pt x="0" y="2154436"/>
+                        </a:cubicBezTo>
+                        <a:cubicBezTo>
+                          <a:pt x="-36511" y="1964910"/>
+                          <a:pt x="65838" y="1758956"/>
+                          <a:pt x="0" y="1551194"/>
+                        </a:cubicBezTo>
+                        <a:cubicBezTo>
+                          <a:pt x="-65838" y="1343432"/>
+                          <a:pt x="60058" y="1245117"/>
+                          <a:pt x="0" y="1044901"/>
+                        </a:cubicBezTo>
+                        <a:cubicBezTo>
+                          <a:pt x="-60058" y="844685"/>
+                          <a:pt x="31697" y="687041"/>
+                          <a:pt x="0" y="538609"/>
+                        </a:cubicBezTo>
+                        <a:cubicBezTo>
+                          <a:pt x="-31697" y="390177"/>
+                          <a:pt x="29076" y="258859"/>
+                          <a:pt x="0" y="0"/>
+                        </a:cubicBezTo>
+                        <a:close/>
+                      </a:path>
+                      <a:path w="3447351" h="3231654" stroke="0" extrusionOk="0">
+                        <a:moveTo>
+                          <a:pt x="0" y="0"/>
+                        </a:moveTo>
+                        <a:cubicBezTo>
+                          <a:pt x="252612" y="-34767"/>
+                          <a:pt x="295373" y="63397"/>
+                          <a:pt x="540085" y="0"/>
+                        </a:cubicBezTo>
+                        <a:cubicBezTo>
+                          <a:pt x="784798" y="-63397"/>
+                          <a:pt x="799207" y="29328"/>
+                          <a:pt x="1011223" y="0"/>
+                        </a:cubicBezTo>
+                        <a:cubicBezTo>
+                          <a:pt x="1223239" y="-29328"/>
+                          <a:pt x="1335103" y="33963"/>
+                          <a:pt x="1654728" y="0"/>
+                        </a:cubicBezTo>
+                        <a:cubicBezTo>
+                          <a:pt x="1974353" y="-33963"/>
+                          <a:pt x="2052982" y="60940"/>
+                          <a:pt x="2194813" y="0"/>
+                        </a:cubicBezTo>
+                        <a:cubicBezTo>
+                          <a:pt x="2336645" y="-60940"/>
+                          <a:pt x="2589346" y="63105"/>
+                          <a:pt x="2734898" y="0"/>
+                        </a:cubicBezTo>
+                        <a:cubicBezTo>
+                          <a:pt x="2880450" y="-63105"/>
+                          <a:pt x="3146632" y="57316"/>
+                          <a:pt x="3447351" y="0"/>
+                        </a:cubicBezTo>
+                        <a:cubicBezTo>
+                          <a:pt x="3452612" y="179247"/>
+                          <a:pt x="3429303" y="267860"/>
+                          <a:pt x="3447351" y="473976"/>
+                        </a:cubicBezTo>
+                        <a:cubicBezTo>
+                          <a:pt x="3465399" y="680092"/>
+                          <a:pt x="3443516" y="822397"/>
+                          <a:pt x="3447351" y="1012585"/>
+                        </a:cubicBezTo>
+                        <a:cubicBezTo>
+                          <a:pt x="3451186" y="1202773"/>
+                          <a:pt x="3410607" y="1359367"/>
+                          <a:pt x="3447351" y="1486561"/>
+                        </a:cubicBezTo>
+                        <a:cubicBezTo>
+                          <a:pt x="3484095" y="1613755"/>
+                          <a:pt x="3422779" y="1783261"/>
+                          <a:pt x="3447351" y="1960537"/>
+                        </a:cubicBezTo>
+                        <a:cubicBezTo>
+                          <a:pt x="3471923" y="2137813"/>
+                          <a:pt x="3444785" y="2265381"/>
+                          <a:pt x="3447351" y="2499146"/>
+                        </a:cubicBezTo>
+                        <a:cubicBezTo>
+                          <a:pt x="3449917" y="2732911"/>
+                          <a:pt x="3411884" y="2980010"/>
+                          <a:pt x="3447351" y="3231654"/>
+                        </a:cubicBezTo>
+                        <a:cubicBezTo>
+                          <a:pt x="3325713" y="3268489"/>
+                          <a:pt x="3093879" y="3203295"/>
+                          <a:pt x="2976213" y="3231654"/>
+                        </a:cubicBezTo>
+                        <a:cubicBezTo>
+                          <a:pt x="2858547" y="3260013"/>
+                          <a:pt x="2643384" y="3219798"/>
+                          <a:pt x="2332708" y="3231654"/>
+                        </a:cubicBezTo>
+                        <a:cubicBezTo>
+                          <a:pt x="2022032" y="3243510"/>
+                          <a:pt x="1963606" y="3185379"/>
+                          <a:pt x="1827096" y="3231654"/>
+                        </a:cubicBezTo>
+                        <a:cubicBezTo>
+                          <a:pt x="1690586" y="3277929"/>
+                          <a:pt x="1426047" y="3197462"/>
+                          <a:pt x="1252538" y="3231654"/>
+                        </a:cubicBezTo>
+                        <a:cubicBezTo>
+                          <a:pt x="1079029" y="3265846"/>
+                          <a:pt x="785885" y="3216091"/>
+                          <a:pt x="609032" y="3231654"/>
+                        </a:cubicBezTo>
+                        <a:cubicBezTo>
+                          <a:pt x="432179" y="3247217"/>
+                          <a:pt x="220609" y="3169402"/>
+                          <a:pt x="0" y="3231654"/>
+                        </a:cubicBezTo>
+                        <a:cubicBezTo>
+                          <a:pt x="-29416" y="3102452"/>
+                          <a:pt x="46493" y="2921206"/>
+                          <a:pt x="0" y="2789995"/>
+                        </a:cubicBezTo>
+                        <a:cubicBezTo>
+                          <a:pt x="-46493" y="2658784"/>
+                          <a:pt x="15126" y="2429629"/>
+                          <a:pt x="0" y="2316019"/>
+                        </a:cubicBezTo>
+                        <a:cubicBezTo>
+                          <a:pt x="-15126" y="2202409"/>
+                          <a:pt x="31117" y="2047663"/>
+                          <a:pt x="0" y="1809726"/>
+                        </a:cubicBezTo>
+                        <a:cubicBezTo>
+                          <a:pt x="-31117" y="1571789"/>
+                          <a:pt x="1647" y="1455054"/>
+                          <a:pt x="0" y="1206484"/>
+                        </a:cubicBezTo>
+                        <a:cubicBezTo>
+                          <a:pt x="-1647" y="957914"/>
+                          <a:pt x="40717" y="818700"/>
+                          <a:pt x="0" y="667875"/>
+                        </a:cubicBezTo>
+                        <a:cubicBezTo>
+                          <a:pt x="-40717" y="517050"/>
+                          <a:pt x="69327" y="148129"/>
+                          <a:pt x="0" y="0"/>
+                        </a:cubicBezTo>
+                        <a:close/>
+                      </a:path>
+                    </a:pathLst>
+                  </a:custGeom>
+                  <ask:type>
+                    <ask:lineSketchNone/>
+                  </ask:type>
+                </ask:lineSketchStyleProps>
+              </a:ext>
+            </a:extLst>
+          </a:ln>
+          <a:effectLst>
+            <a:softEdge rad="0"/>
+          </a:effectLst>
+        </p:spPr>
+        <p:txBody>
+          <a:bodyPr wrap="square" rtlCol="0">
+            <a:spAutoFit/>
+          </a:bodyPr>
+          <a:lstStyle/>
+          <a:p>
+            <a:pPr algn="ctr">
+              <a:spcAft>
+                <a:spcPts val="400"/>
+              </a:spcAft>
+            </a:pPr>
+            <a:r>
+              <a:rPr lang="en-GB" sz="1600" u="sng" dirty="0">
+                <a:latin typeface="Amasis MT Pro Light" panose="02040304050005020304" pitchFamily="18" charset="0"/>
+              </a:rPr>
+              <a:t>Previous Works</a:t>
+            </a:r>
+          </a:p>
+          <a:p>
+            <a:pPr marL="285750" indent="-285750" algn="just">
+              <a:spcAft>
+                <a:spcPts val="400"/>
+              </a:spcAft>
+              <a:buFont typeface="Arial" panose="020B0604020202020204" pitchFamily="34" charset="0"/>
+              <a:buChar char="•"/>
+            </a:pPr>
+            <a:r>
+              <a:rPr lang="en-GB" sz="1050" b="1" dirty="0">
+                <a:latin typeface="Amasis MT Pro Light" panose="02040304050005020304" pitchFamily="18" charset="0"/>
+              </a:rPr>
+              <a:t>Kamil Franek - 7 Best Charts for Income Statement Presentation &amp; Analysis</a:t>
+            </a:r>
+            <a:endParaRPr lang="en-GB" sz="1050" dirty="0">
+              <a:latin typeface="Amasis MT Pro Light" panose="02040304050005020304" pitchFamily="18" charset="0"/>
+            </a:endParaRPr>
+          </a:p>
+          <a:p>
+            <a:pPr marL="742950" lvl="1" indent="-285750" algn="just">
+              <a:spcAft>
+                <a:spcPts val="400"/>
+              </a:spcAft>
+              <a:buFont typeface="Arial" panose="020B0604020202020204" pitchFamily="34" charset="0"/>
+              <a:buChar char="•"/>
+            </a:pPr>
+            <a:r>
+              <a:rPr lang="en-GB" sz="1050" dirty="0">
+                <a:latin typeface="Amasis MT Pro Light" panose="02040304050005020304" pitchFamily="18" charset="0"/>
+              </a:rPr>
+              <a:t>Comprehensive article discussing the best seven charts for income statement visualisation based on their experience in business analytics</a:t>
+            </a:r>
+          </a:p>
+          <a:p>
+            <a:pPr marL="742950" lvl="1" indent="-285750" algn="just">
+              <a:spcAft>
+                <a:spcPts val="400"/>
+              </a:spcAft>
+              <a:buFont typeface="Arial" panose="020B0604020202020204" pitchFamily="34" charset="0"/>
+              <a:buChar char="•"/>
+            </a:pPr>
+            <a:r>
+              <a:rPr lang="en-GB" sz="1050" dirty="0">
+                <a:latin typeface="Amasis MT Pro Light" panose="02040304050005020304" pitchFamily="18" charset="0"/>
+              </a:rPr>
+              <a:t>Importance of choosing the </a:t>
+            </a:r>
+            <a:r>
+              <a:rPr lang="en-GB" sz="1050" b="1" dirty="0">
+                <a:latin typeface="Amasis MT Pro Light" panose="02040304050005020304" pitchFamily="18" charset="0"/>
+              </a:rPr>
+              <a:t>right income statement chart </a:t>
+            </a:r>
+            <a:r>
+              <a:rPr lang="en-GB" sz="1050" dirty="0">
+                <a:latin typeface="Amasis MT Pro Light" panose="02040304050005020304" pitchFamily="18" charset="0"/>
+              </a:rPr>
+              <a:t>based on specific situations, priorities and target audience</a:t>
+            </a:r>
           </a:p>
         </p:txBody>
       </p:sp>
@@ -6388,4 +7824,299 @@
     </a:ext>
   </a:extLst>
 </a:theme>
+</file>
+
+<file path=ppt/theme/theme2.xml><?xml version="1.0" encoding="utf-8"?>
+<a:theme xmlns:a="http://schemas.openxmlformats.org/drawingml/2006/main" name="Office Theme">
+  <a:themeElements>
+    <a:clrScheme name="Office">
+      <a:dk1>
+        <a:sysClr val="windowText" lastClr="000000"/>
+      </a:dk1>
+      <a:lt1>
+        <a:sysClr val="window" lastClr="FFFFFF"/>
+      </a:lt1>
+      <a:dk2>
+        <a:srgbClr val="44546A"/>
+      </a:dk2>
+      <a:lt2>
+        <a:srgbClr val="E7E6E6"/>
+      </a:lt2>
+      <a:accent1>
+        <a:srgbClr val="4472C4"/>
+      </a:accent1>
+      <a:accent2>
+        <a:srgbClr val="ED7D31"/>
+      </a:accent2>
+      <a:accent3>
+        <a:srgbClr val="A5A5A5"/>
+      </a:accent3>
+      <a:accent4>
+        <a:srgbClr val="FFC000"/>
+      </a:accent4>
+      <a:accent5>
+        <a:srgbClr val="5B9BD5"/>
+      </a:accent5>
+      <a:accent6>
+        <a:srgbClr val="70AD47"/>
+      </a:accent6>
+      <a:hlink>
+        <a:srgbClr val="0563C1"/>
+      </a:hlink>
+      <a:folHlink>
+        <a:srgbClr val="954F72"/>
+      </a:folHlink>
+    </a:clrScheme>
+    <a:fontScheme name="Office">
+      <a:majorFont>
+        <a:latin typeface="Calibri Light" panose="020F0302020204030204"/>
+        <a:ea typeface=""/>
+        <a:cs typeface=""/>
+        <a:font script="Jpan" typeface="游ゴシック Light"/>
+        <a:font script="Hang" typeface="맑은 고딕"/>
+        <a:font script="Hans" typeface="等线 Light"/>
+        <a:font script="Hant" typeface="新細明體"/>
+        <a:font script="Arab" typeface="Times New Roman"/>
+        <a:font script="Hebr" typeface="Times New Roman"/>
+        <a:font script="Thai" typeface="Angsana New"/>
+        <a:font script="Ethi" typeface="Nyala"/>
+        <a:font script="Beng" typeface="Vrinda"/>
+        <a:font script="Gujr" typeface="Shruti"/>
+        <a:font script="Khmr" typeface="MoolBoran"/>
+        <a:font script="Knda" typeface="Tunga"/>
+        <a:font script="Guru" typeface="Raavi"/>
+        <a:font script="Cans" typeface="Euphemia"/>
+        <a:font script="Cher" typeface="Plantagenet Cherokee"/>
+        <a:font script="Yiii" typeface="Microsoft Yi Baiti"/>
+        <a:font script="Tibt" typeface="Microsoft Himalaya"/>
+        <a:font script="Thaa" typeface="MV Boli"/>
+        <a:font script="Deva" typeface="Mangal"/>
+        <a:font script="Telu" typeface="Gautami"/>
+        <a:font script="Taml" typeface="Latha"/>
+        <a:font script="Syrc" typeface="Estrangelo Edessa"/>
+        <a:font script="Orya" typeface="Kalinga"/>
+        <a:font script="Mlym" typeface="Kartika"/>
+        <a:font script="Laoo" typeface="DokChampa"/>
+        <a:font script="Sinh" typeface="Iskoola Pota"/>
+        <a:font script="Mong" typeface="Mongolian Baiti"/>
+        <a:font script="Viet" typeface="Times New Roman"/>
+        <a:font script="Uigh" typeface="Microsoft Uighur"/>
+        <a:font script="Geor" typeface="Sylfaen"/>
+        <a:font script="Armn" typeface="Arial"/>
+        <a:font script="Bugi" typeface="Leelawadee UI"/>
+        <a:font script="Bopo" typeface="Microsoft JhengHei"/>
+        <a:font script="Java" typeface="Javanese Text"/>
+        <a:font script="Lisu" typeface="Segoe UI"/>
+        <a:font script="Mymr" typeface="Myanmar Text"/>
+        <a:font script="Nkoo" typeface="Ebrima"/>
+        <a:font script="Olck" typeface="Nirmala UI"/>
+        <a:font script="Osma" typeface="Ebrima"/>
+        <a:font script="Phag" typeface="Phagspa"/>
+        <a:font script="Syrn" typeface="Estrangelo Edessa"/>
+        <a:font script="Syrj" typeface="Estrangelo Edessa"/>
+        <a:font script="Syre" typeface="Estrangelo Edessa"/>
+        <a:font script="Sora" typeface="Nirmala UI"/>
+        <a:font script="Tale" typeface="Microsoft Tai Le"/>
+        <a:font script="Talu" typeface="Microsoft New Tai Lue"/>
+        <a:font script="Tfng" typeface="Ebrima"/>
+      </a:majorFont>
+      <a:minorFont>
+        <a:latin typeface="Calibri" panose="020F0502020204030204"/>
+        <a:ea typeface=""/>
+        <a:cs typeface=""/>
+        <a:font script="Jpan" typeface="游ゴシック"/>
+        <a:font script="Hang" typeface="맑은 고딕"/>
+        <a:font script="Hans" typeface="等线"/>
+        <a:font script="Hant" typeface="新細明體"/>
+        <a:font script="Arab" typeface="Arial"/>
+        <a:font script="Hebr" typeface="Arial"/>
+        <a:font script="Thai" typeface="Cordia New"/>
+        <a:font script="Ethi" typeface="Nyala"/>
+        <a:font script="Beng" typeface="Vrinda"/>
+        <a:font script="Gujr" typeface="Shruti"/>
+        <a:font script="Khmr" typeface="DaunPenh"/>
+        <a:font script="Knda" typeface="Tunga"/>
+        <a:font script="Guru" typeface="Raavi"/>
+        <a:font script="Cans" typeface="Euphemia"/>
+        <a:font script="Cher" typeface="Plantagenet Cherokee"/>
+        <a:font script="Yiii" typeface="Microsoft Yi Baiti"/>
+        <a:font script="Tibt" typeface="Microsoft Himalaya"/>
+        <a:font script="Thaa" typeface="MV Boli"/>
+        <a:font script="Deva" typeface="Mangal"/>
+        <a:font script="Telu" typeface="Gautami"/>
+        <a:font script="Taml" typeface="Latha"/>
+        <a:font script="Syrc" typeface="Estrangelo Edessa"/>
+        <a:font script="Orya" typeface="Kalinga"/>
+        <a:font script="Mlym" typeface="Kartika"/>
+        <a:font script="Laoo" typeface="DokChampa"/>
+        <a:font script="Sinh" typeface="Iskoola Pota"/>
+        <a:font script="Mong" typeface="Mongolian Baiti"/>
+        <a:font script="Viet" typeface="Arial"/>
+        <a:font script="Uigh" typeface="Microsoft Uighur"/>
+        <a:font script="Geor" typeface="Sylfaen"/>
+        <a:font script="Armn" typeface="Arial"/>
+        <a:font script="Bugi" typeface="Leelawadee UI"/>
+        <a:font script="Bopo" typeface="Microsoft JhengHei"/>
+        <a:font script="Java" typeface="Javanese Text"/>
+        <a:font script="Lisu" typeface="Segoe UI"/>
+        <a:font script="Mymr" typeface="Myanmar Text"/>
+        <a:font script="Nkoo" typeface="Ebrima"/>
+        <a:font script="Olck" typeface="Nirmala UI"/>
+        <a:font script="Osma" typeface="Ebrima"/>
+        <a:font script="Phag" typeface="Phagspa"/>
+        <a:font script="Syrn" typeface="Estrangelo Edessa"/>
+        <a:font script="Syrj" typeface="Estrangelo Edessa"/>
+        <a:font script="Syre" typeface="Estrangelo Edessa"/>
+        <a:font script="Sora" typeface="Nirmala UI"/>
+        <a:font script="Tale" typeface="Microsoft Tai Le"/>
+        <a:font script="Talu" typeface="Microsoft New Tai Lue"/>
+        <a:font script="Tfng" typeface="Ebrima"/>
+      </a:minorFont>
+    </a:fontScheme>
+    <a:fmtScheme name="Office">
+      <a:fillStyleLst>
+        <a:solidFill>
+          <a:schemeClr val="phClr"/>
+        </a:solidFill>
+        <a:gradFill rotWithShape="1">
+          <a:gsLst>
+            <a:gs pos="0">
+              <a:schemeClr val="phClr">
+                <a:lumMod val="110000"/>
+                <a:satMod val="105000"/>
+                <a:tint val="67000"/>
+              </a:schemeClr>
+            </a:gs>
+            <a:gs pos="50000">
+              <a:schemeClr val="phClr">
+                <a:lumMod val="105000"/>
+                <a:satMod val="103000"/>
+                <a:tint val="73000"/>
+              </a:schemeClr>
+            </a:gs>
+            <a:gs pos="100000">
+              <a:schemeClr val="phClr">
+                <a:lumMod val="105000"/>
+                <a:satMod val="109000"/>
+                <a:tint val="81000"/>
+              </a:schemeClr>
+            </a:gs>
+          </a:gsLst>
+          <a:lin ang="5400000" scaled="0"/>
+        </a:gradFill>
+        <a:gradFill rotWithShape="1">
+          <a:gsLst>
+            <a:gs pos="0">
+              <a:schemeClr val="phClr">
+                <a:satMod val="103000"/>
+                <a:lumMod val="102000"/>
+                <a:tint val="94000"/>
+              </a:schemeClr>
+            </a:gs>
+            <a:gs pos="50000">
+              <a:schemeClr val="phClr">
+                <a:satMod val="110000"/>
+                <a:lumMod val="100000"/>
+                <a:shade val="100000"/>
+              </a:schemeClr>
+            </a:gs>
+            <a:gs pos="100000">
+              <a:schemeClr val="phClr">
+                <a:lumMod val="99000"/>
+                <a:satMod val="120000"/>
+                <a:shade val="78000"/>
+              </a:schemeClr>
+            </a:gs>
+          </a:gsLst>
+          <a:lin ang="5400000" scaled="0"/>
+        </a:gradFill>
+      </a:fillStyleLst>
+      <a:lnStyleLst>
+        <a:ln w="6350" cap="flat" cmpd="sng" algn="ctr">
+          <a:solidFill>
+            <a:schemeClr val="phClr"/>
+          </a:solidFill>
+          <a:prstDash val="solid"/>
+          <a:miter lim="800000"/>
+        </a:ln>
+        <a:ln w="12700" cap="flat" cmpd="sng" algn="ctr">
+          <a:solidFill>
+            <a:schemeClr val="phClr"/>
+          </a:solidFill>
+          <a:prstDash val="solid"/>
+          <a:miter lim="800000"/>
+        </a:ln>
+        <a:ln w="19050" cap="flat" cmpd="sng" algn="ctr">
+          <a:solidFill>
+            <a:schemeClr val="phClr"/>
+          </a:solidFill>
+          <a:prstDash val="solid"/>
+          <a:miter lim="800000"/>
+        </a:ln>
+      </a:lnStyleLst>
+      <a:effectStyleLst>
+        <a:effectStyle>
+          <a:effectLst/>
+        </a:effectStyle>
+        <a:effectStyle>
+          <a:effectLst/>
+        </a:effectStyle>
+        <a:effectStyle>
+          <a:effectLst>
+            <a:outerShdw blurRad="57150" dist="19050" dir="5400000" algn="ctr" rotWithShape="0">
+              <a:srgbClr val="000000">
+                <a:alpha val="63000"/>
+              </a:srgbClr>
+            </a:outerShdw>
+          </a:effectLst>
+        </a:effectStyle>
+      </a:effectStyleLst>
+      <a:bgFillStyleLst>
+        <a:solidFill>
+          <a:schemeClr val="phClr"/>
+        </a:solidFill>
+        <a:solidFill>
+          <a:schemeClr val="phClr">
+            <a:tint val="95000"/>
+            <a:satMod val="170000"/>
+          </a:schemeClr>
+        </a:solidFill>
+        <a:gradFill rotWithShape="1">
+          <a:gsLst>
+            <a:gs pos="0">
+              <a:schemeClr val="phClr">
+                <a:tint val="93000"/>
+                <a:satMod val="150000"/>
+                <a:shade val="98000"/>
+                <a:lumMod val="102000"/>
+              </a:schemeClr>
+            </a:gs>
+            <a:gs pos="50000">
+              <a:schemeClr val="phClr">
+                <a:tint val="98000"/>
+                <a:satMod val="130000"/>
+                <a:shade val="90000"/>
+                <a:lumMod val="103000"/>
+              </a:schemeClr>
+            </a:gs>
+            <a:gs pos="100000">
+              <a:schemeClr val="phClr">
+                <a:shade val="63000"/>
+                <a:satMod val="120000"/>
+              </a:schemeClr>
+            </a:gs>
+          </a:gsLst>
+          <a:lin ang="5400000" scaled="0"/>
+        </a:gradFill>
+      </a:bgFillStyleLst>
+    </a:fmtScheme>
+  </a:themeElements>
+  <a:objectDefaults/>
+  <a:extraClrSchemeLst/>
+  <a:extLst>
+    <a:ext uri="{05A4C25C-085E-4340-85A3-A5531E510DB2}">
+      <thm15:themeFamily xmlns:thm15="http://schemas.microsoft.com/office/thememl/2012/main" name="Office Theme" id="{62F939B6-93AF-4DB8-9C6B-D6C7DFDC589F}" vid="{4A3C46E8-61CC-4603-A589-7422A47A8E4A}"/>
+    </a:ext>
+  </a:extLst>
+</a:theme>
 </file>
--- a/Poster/CSC_8639_HY_Poster_draft.pptx
+++ b/Poster/CSC_8639_HY_Poster_draft.pptx
@@ -110,6 +110,9 @@
   <p:extLst>
     <p:ext uri="{EFAFB233-063F-42B5-8137-9DF3F51BA10A}">
       <p15:sldGuideLst xmlns:p15="http://schemas.microsoft.com/office/powerpoint/2012/main"/>
+    </p:ext>
+    <p:ext uri="{2D200454-40CA-4A62-9FC3-DE9A4176ACB9}">
+      <p15:notesGuideLst xmlns:p15="http://schemas.microsoft.com/office/powerpoint/2012/main"/>
     </p:ext>
   </p:extLst>
 </p:presentation>
@@ -680,7 +683,7 @@
           <a:p>
             <a:fld id="{E0B1015B-6EC1-4E28-89E8-DADC95F7D7CD}" type="datetimeFigureOut">
               <a:rPr lang="en-GB" smtClean="0"/>
-              <a:t>05/08/2023</a:t>
+              <a:t>06/08/2023</a:t>
             </a:fld>
             <a:endParaRPr lang="en-GB"/>
           </a:p>
@@ -850,7 +853,7 @@
           <a:p>
             <a:fld id="{E0B1015B-6EC1-4E28-89E8-DADC95F7D7CD}" type="datetimeFigureOut">
               <a:rPr lang="en-GB" smtClean="0"/>
-              <a:t>05/08/2023</a:t>
+              <a:t>06/08/2023</a:t>
             </a:fld>
             <a:endParaRPr lang="en-GB"/>
           </a:p>
@@ -1030,7 +1033,7 @@
           <a:p>
             <a:fld id="{E0B1015B-6EC1-4E28-89E8-DADC95F7D7CD}" type="datetimeFigureOut">
               <a:rPr lang="en-GB" smtClean="0"/>
-              <a:t>05/08/2023</a:t>
+              <a:t>06/08/2023</a:t>
             </a:fld>
             <a:endParaRPr lang="en-GB"/>
           </a:p>
@@ -1200,7 +1203,7 @@
           <a:p>
             <a:fld id="{E0B1015B-6EC1-4E28-89E8-DADC95F7D7CD}" type="datetimeFigureOut">
               <a:rPr lang="en-GB" smtClean="0"/>
-              <a:t>05/08/2023</a:t>
+              <a:t>06/08/2023</a:t>
             </a:fld>
             <a:endParaRPr lang="en-GB"/>
           </a:p>
@@ -1446,7 +1449,7 @@
           <a:p>
             <a:fld id="{E0B1015B-6EC1-4E28-89E8-DADC95F7D7CD}" type="datetimeFigureOut">
               <a:rPr lang="en-GB" smtClean="0"/>
-              <a:t>05/08/2023</a:t>
+              <a:t>06/08/2023</a:t>
             </a:fld>
             <a:endParaRPr lang="en-GB"/>
           </a:p>
@@ -1678,7 +1681,7 @@
           <a:p>
             <a:fld id="{E0B1015B-6EC1-4E28-89E8-DADC95F7D7CD}" type="datetimeFigureOut">
               <a:rPr lang="en-GB" smtClean="0"/>
-              <a:t>05/08/2023</a:t>
+              <a:t>06/08/2023</a:t>
             </a:fld>
             <a:endParaRPr lang="en-GB"/>
           </a:p>
@@ -2045,7 +2048,7 @@
           <a:p>
             <a:fld id="{E0B1015B-6EC1-4E28-89E8-DADC95F7D7CD}" type="datetimeFigureOut">
               <a:rPr lang="en-GB" smtClean="0"/>
-              <a:t>05/08/2023</a:t>
+              <a:t>06/08/2023</a:t>
             </a:fld>
             <a:endParaRPr lang="en-GB"/>
           </a:p>
@@ -2163,7 +2166,7 @@
           <a:p>
             <a:fld id="{E0B1015B-6EC1-4E28-89E8-DADC95F7D7CD}" type="datetimeFigureOut">
               <a:rPr lang="en-GB" smtClean="0"/>
-              <a:t>05/08/2023</a:t>
+              <a:t>06/08/2023</a:t>
             </a:fld>
             <a:endParaRPr lang="en-GB"/>
           </a:p>
@@ -2258,7 +2261,7 @@
           <a:p>
             <a:fld id="{E0B1015B-6EC1-4E28-89E8-DADC95F7D7CD}" type="datetimeFigureOut">
               <a:rPr lang="en-GB" smtClean="0"/>
-              <a:t>05/08/2023</a:t>
+              <a:t>06/08/2023</a:t>
             </a:fld>
             <a:endParaRPr lang="en-GB"/>
           </a:p>
@@ -2535,7 +2538,7 @@
           <a:p>
             <a:fld id="{E0B1015B-6EC1-4E28-89E8-DADC95F7D7CD}" type="datetimeFigureOut">
               <a:rPr lang="en-GB" smtClean="0"/>
-              <a:t>05/08/2023</a:t>
+              <a:t>06/08/2023</a:t>
             </a:fld>
             <a:endParaRPr lang="en-GB"/>
           </a:p>
@@ -2792,7 +2795,7 @@
           <a:p>
             <a:fld id="{E0B1015B-6EC1-4E28-89E8-DADC95F7D7CD}" type="datetimeFigureOut">
               <a:rPr lang="en-GB" smtClean="0"/>
-              <a:t>05/08/2023</a:t>
+              <a:t>06/08/2023</a:t>
             </a:fld>
             <a:endParaRPr lang="en-GB"/>
           </a:p>
@@ -3005,7 +3008,7 @@
           <a:p>
             <a:fld id="{E0B1015B-6EC1-4E28-89E8-DADC95F7D7CD}" type="datetimeFigureOut">
               <a:rPr lang="en-GB" smtClean="0"/>
-              <a:t>05/08/2023</a:t>
+              <a:t>06/08/2023</a:t>
             </a:fld>
             <a:endParaRPr lang="en-GB"/>
           </a:p>
@@ -3519,8 +3522,8 @@
         </p:nvSpPr>
         <p:spPr>
           <a:xfrm>
-            <a:off x="57150" y="1288045"/>
-            <a:ext cx="3960000" cy="2826415"/>
+            <a:off x="57150" y="1292879"/>
+            <a:ext cx="3960000" cy="2857192"/>
           </a:xfrm>
           <a:prstGeom prst="rect">
             <a:avLst/>
@@ -3952,7 +3955,7 @@
               </a:spcAft>
             </a:pPr>
             <a:r>
-              <a:rPr lang="en-GB" sz="1400" u="sng" dirty="0">
+              <a:rPr lang="en-GB" sz="1400" b="1" u="sng" dirty="0">
                 <a:latin typeface="Amasis MT Pro Light" panose="02040304050005020304" pitchFamily="18" charset="0"/>
               </a:rPr>
               <a:t>Introduction</a:t>
@@ -3965,7 +3968,7 @@
               </a:spcAft>
             </a:pPr>
             <a:r>
-              <a:rPr lang="en-GB" sz="1050" b="1" dirty="0">
+              <a:rPr lang="en-GB" sz="1100" b="1" dirty="0">
                 <a:latin typeface="Amasis MT Pro Light" panose="02040304050005020304" pitchFamily="18" charset="0"/>
               </a:rPr>
               <a:t>Data visualisations </a:t>
@@ -3997,7 +4000,7 @@
               </a:spcAft>
             </a:pPr>
             <a:r>
-              <a:rPr lang="en-GB" sz="1050" dirty="0">
+              <a:rPr lang="en-GB" sz="1100" b="1" dirty="0">
                 <a:latin typeface="Amasis MT Pro Light" panose="02040304050005020304" pitchFamily="18" charset="0"/>
               </a:rPr>
               <a:t>Impact of financial data</a:t>
@@ -4012,7 +4015,7 @@
               <a:buChar char="•"/>
             </a:pPr>
             <a:r>
-              <a:rPr lang="en-GB" sz="1050" b="1" dirty="0">
+              <a:rPr lang="en-GB" sz="1100" b="1" dirty="0">
                 <a:latin typeface="Amasis MT Pro Light" panose="02040304050005020304" pitchFamily="18" charset="0"/>
               </a:rPr>
               <a:t>Assessing Profitability</a:t>
@@ -4033,7 +4036,7 @@
               <a:buChar char="•"/>
             </a:pPr>
             <a:r>
-              <a:rPr lang="en-GB" sz="1050" b="1" dirty="0">
+              <a:rPr lang="en-GB" sz="1100" b="1" dirty="0">
                 <a:latin typeface="Amasis MT Pro Light" panose="02040304050005020304" pitchFamily="18" charset="0"/>
               </a:rPr>
               <a:t>Financial Decision Making</a:t>
@@ -4231,8 +4234,8 @@
         </p:nvSpPr>
         <p:spPr>
           <a:xfrm>
-            <a:off x="57150" y="4275604"/>
-            <a:ext cx="3960000" cy="2231380"/>
+            <a:off x="57150" y="4309029"/>
+            <a:ext cx="3960000" cy="2392963"/>
           </a:xfrm>
           <a:prstGeom prst="rect">
             <a:avLst/>
@@ -4664,7 +4667,7 @@
               </a:spcAft>
             </a:pPr>
             <a:r>
-              <a:rPr lang="en-GB" sz="1400" u="sng" dirty="0">
+              <a:rPr lang="en-GB" sz="1400" b="1" u="sng" dirty="0">
                 <a:latin typeface="Amasis MT Pro Light" panose="02040304050005020304" pitchFamily="18" charset="0"/>
               </a:rPr>
               <a:t>Method</a:t>
@@ -4683,7 +4686,7 @@
               <a:t>The study </a:t>
             </a:r>
             <a:r>
-              <a:rPr lang="en-GB" sz="1050" b="1" dirty="0">
+              <a:rPr lang="en-GB" sz="1100" b="1" dirty="0">
                 <a:latin typeface="Amasis MT Pro Light" panose="02040304050005020304" pitchFamily="18" charset="0"/>
               </a:rPr>
               <a:t>compared the eye gaze patterns </a:t>
@@ -4765,7 +4768,7 @@
               <a:rPr lang="en-GB" sz="1050" dirty="0">
                 <a:latin typeface="Amasis MT Pro Light" panose="02040304050005020304" pitchFamily="18" charset="0"/>
               </a:rPr>
-              <a:t>Tobii X2-30 eye tracker will capture precise eye gaze data during participants' observations of three visuals</a:t>
+              <a:t>Tobii X2-30 eye tracker will capture precise eye gaze data during participants' observations of three visuals, this is placed below the monitor to allow for best tracking [1]</a:t>
             </a:r>
             <a:endParaRPr lang="en-GB" sz="800" dirty="0">
               <a:latin typeface="Amasis MT Pro Light" panose="02040304050005020304" pitchFamily="18" charset="0"/>
@@ -4787,7 +4790,7 @@
         </p:nvSpPr>
         <p:spPr>
           <a:xfrm>
-            <a:off x="4116000" y="2642982"/>
+            <a:off x="4116000" y="2695492"/>
             <a:ext cx="3960000" cy="1946687"/>
           </a:xfrm>
           <a:prstGeom prst="rect">
@@ -5220,11 +5223,14 @@
               </a:spcAft>
             </a:pPr>
             <a:r>
-              <a:rPr lang="en-GB" sz="1600" u="sng" dirty="0">
+              <a:rPr lang="en-GB" sz="1400" b="1" u="sng" dirty="0">
                 <a:latin typeface="Amasis MT Pro Light" panose="02040304050005020304" pitchFamily="18" charset="0"/>
               </a:rPr>
               <a:t>Motivation</a:t>
             </a:r>
+            <a:endParaRPr lang="en-GB" sz="1600" b="1" u="sng" dirty="0">
+              <a:latin typeface="Amasis MT Pro Light" panose="02040304050005020304" pitchFamily="18" charset="0"/>
+            </a:endParaRPr>
           </a:p>
           <a:p>
             <a:pPr marL="285750" indent="-285750" algn="just">
@@ -5235,7 +5241,7 @@
               <a:buChar char="•"/>
             </a:pPr>
             <a:r>
-              <a:rPr lang="en-GB" sz="1050" b="1" dirty="0">
+              <a:rPr lang="en-GB" sz="1100" b="1" dirty="0">
                 <a:latin typeface="Amasis MT Pro Light" panose="02040304050005020304" pitchFamily="18" charset="0"/>
               </a:rPr>
               <a:t>Accuracy and Consistency</a:t>
@@ -5256,7 +5262,7 @@
               <a:buChar char="•"/>
             </a:pPr>
             <a:r>
-              <a:rPr lang="en-GB" sz="1050" b="1" dirty="0">
+              <a:rPr lang="en-GB" sz="1100" b="1" dirty="0">
                 <a:latin typeface="Amasis MT Pro Light" panose="02040304050005020304" pitchFamily="18" charset="0"/>
               </a:rPr>
               <a:t>Clarity and Comprehension</a:t>
@@ -5277,7 +5283,7 @@
               <a:buChar char="•"/>
             </a:pPr>
             <a:r>
-              <a:rPr lang="en-GB" sz="1050" b="1" dirty="0">
+              <a:rPr lang="en-GB" sz="1100" b="1" dirty="0">
                 <a:latin typeface="Amasis MT Pro Light" panose="02040304050005020304" pitchFamily="18" charset="0"/>
               </a:rPr>
               <a:t>Avoiding Misinterpretation</a:t>
@@ -5305,8 +5311,8 @@
         </p:nvSpPr>
         <p:spPr>
           <a:xfrm>
-            <a:off x="8174850" y="1292489"/>
-            <a:ext cx="3960000" cy="3970318"/>
+            <a:off x="8174850" y="1292366"/>
+            <a:ext cx="3960000" cy="4512774"/>
           </a:xfrm>
           <a:prstGeom prst="rect">
             <a:avLst/>
@@ -5732,219 +5738,129 @@
           </a:bodyPr>
           <a:lstStyle/>
           <a:p>
-            <a:r>
-              <a:rPr lang="en-GB" sz="1200" dirty="0"/>
-              <a:t>Results discussion and heatmap</a:t>
-            </a:r>
-          </a:p>
-          <a:p>
-            <a:pPr marL="171450" indent="-171450">
-              <a:buFontTx/>
-              <a:buChar char="-"/>
+            <a:pPr algn="ctr">
+              <a:spcAft>
+                <a:spcPts val="400"/>
+              </a:spcAft>
             </a:pPr>
             <a:r>
-              <a:rPr lang="en-GB" sz="1200" dirty="0"/>
-              <a:t>Image of the heatmap</a:t>
-            </a:r>
-          </a:p>
-          <a:p>
-            <a:pPr marL="171450" indent="-171450">
-              <a:buFontTx/>
-              <a:buChar char="-"/>
+              <a:rPr lang="en-GB" sz="1400" b="1" u="sng" dirty="0">
+                <a:latin typeface="Amasis MT Pro Light" panose="02040304050005020304" pitchFamily="18" charset="0"/>
+              </a:rPr>
+              <a:t>Discussion</a:t>
+            </a:r>
+          </a:p>
+          <a:p>
+            <a:pPr algn="just">
+              <a:spcAft>
+                <a:spcPts val="400"/>
+              </a:spcAft>
             </a:pPr>
-            <a:endParaRPr lang="en-GB" sz="1200" dirty="0"/>
-          </a:p>
-          <a:p>
-            <a:endParaRPr lang="en-GB" sz="1200" dirty="0"/>
-          </a:p>
-          <a:p>
-            <a:r>
-              <a:rPr lang="en-GB" sz="1200" dirty="0"/>
-              <a:t>	                   Small explanations and 	                   		      discussion</a:t>
-            </a:r>
-          </a:p>
-          <a:p>
-            <a:endParaRPr lang="en-GB" sz="1200" dirty="0"/>
-          </a:p>
-          <a:p>
-            <a:endParaRPr lang="en-GB" sz="1200" dirty="0"/>
-          </a:p>
-          <a:p>
-            <a:endParaRPr lang="en-GB" sz="1200" dirty="0"/>
-          </a:p>
-          <a:p>
-            <a:r>
-              <a:rPr lang="en-GB" sz="1200" dirty="0"/>
-              <a:t>	                   Small explanations and 	                   		      discussion</a:t>
-            </a:r>
-          </a:p>
-          <a:p>
-            <a:endParaRPr lang="en-GB" sz="1200" dirty="0"/>
-          </a:p>
-          <a:p>
-            <a:endParaRPr lang="en-GB" sz="1200" dirty="0"/>
-          </a:p>
-          <a:p>
-            <a:r>
-              <a:rPr lang="en-GB" sz="1200" dirty="0"/>
-              <a:t>	                   Small explanations and 	                   		      discussion</a:t>
-            </a:r>
-          </a:p>
-          <a:p>
-            <a:endParaRPr lang="en-GB" sz="1200" dirty="0"/>
-          </a:p>
-          <a:p>
-            <a:endParaRPr lang="en-GB" sz="1200" dirty="0"/>
-          </a:p>
-          <a:p>
-            <a:endParaRPr lang="en-GB" sz="1200" dirty="0"/>
-          </a:p>
-          <a:p>
-            <a:endParaRPr lang="en-GB" sz="1200" dirty="0"/>
-          </a:p>
-          <a:p>
-            <a:endParaRPr lang="en-GB" sz="1200" dirty="0"/>
-          </a:p>
-          <a:p>
-            <a:endParaRPr lang="en-GB" sz="1200" dirty="0"/>
-          </a:p>
-        </p:txBody>
-      </p:sp>
-      <p:sp>
-        <p:nvSpPr>
-          <p:cNvPr id="13" name="Rectangle 12">
-            <a:extLst>
-              <a:ext uri="{FF2B5EF4-FFF2-40B4-BE49-F238E27FC236}">
-                <a16:creationId xmlns:a16="http://schemas.microsoft.com/office/drawing/2014/main" id="{722F1FB7-37BD-C230-48F0-CDEA34EA17B7}"/>
-              </a:ext>
-            </a:extLst>
-          </p:cNvPr>
-          <p:cNvSpPr/>
-          <p:nvPr/>
-        </p:nvSpPr>
-        <p:spPr>
-          <a:xfrm>
-            <a:off x="8480312" y="2022217"/>
-            <a:ext cx="1210962" cy="777298"/>
-          </a:xfrm>
-          <a:prstGeom prst="rect">
-            <a:avLst/>
-          </a:prstGeom>
-        </p:spPr>
-        <p:style>
-          <a:lnRef idx="2">
-            <a:schemeClr val="accent1">
-              <a:shade val="15000"/>
-            </a:schemeClr>
-          </a:lnRef>
-          <a:fillRef idx="1">
-            <a:schemeClr val="accent1"/>
-          </a:fillRef>
-          <a:effectRef idx="0">
-            <a:schemeClr val="accent1"/>
-          </a:effectRef>
-          <a:fontRef idx="minor">
-            <a:schemeClr val="lt1"/>
-          </a:fontRef>
-        </p:style>
-        <p:txBody>
-          <a:bodyPr rtlCol="0" anchor="ctr"/>
-          <a:lstStyle/>
-          <a:p>
-            <a:pPr algn="ctr"/>
-            <a:endParaRPr lang="en-GB"/>
-          </a:p>
-        </p:txBody>
-      </p:sp>
-      <p:sp>
-        <p:nvSpPr>
-          <p:cNvPr id="12" name="Rectangle 11">
-            <a:extLst>
-              <a:ext uri="{FF2B5EF4-FFF2-40B4-BE49-F238E27FC236}">
-                <a16:creationId xmlns:a16="http://schemas.microsoft.com/office/drawing/2014/main" id="{1613683E-84DB-BB8B-CA12-0D444CDD60B0}"/>
-              </a:ext>
-            </a:extLst>
-          </p:cNvPr>
-          <p:cNvSpPr/>
-          <p:nvPr/>
-        </p:nvSpPr>
-        <p:spPr>
-          <a:xfrm>
-            <a:off x="8480312" y="4413048"/>
-            <a:ext cx="1210962" cy="777298"/>
-          </a:xfrm>
-          <a:prstGeom prst="rect">
-            <a:avLst/>
-          </a:prstGeom>
-        </p:spPr>
-        <p:style>
-          <a:lnRef idx="2">
-            <a:schemeClr val="accent1">
-              <a:shade val="15000"/>
-            </a:schemeClr>
-          </a:lnRef>
-          <a:fillRef idx="1">
-            <a:schemeClr val="accent1"/>
-          </a:fillRef>
-          <a:effectRef idx="0">
-            <a:schemeClr val="accent1"/>
-          </a:effectRef>
-          <a:fontRef idx="minor">
-            <a:schemeClr val="lt1"/>
-          </a:fontRef>
-        </p:style>
-        <p:txBody>
-          <a:bodyPr rtlCol="0" anchor="ctr"/>
-          <a:lstStyle/>
-          <a:p>
-            <a:pPr algn="ctr"/>
-            <a:endParaRPr lang="en-GB"/>
-          </a:p>
-        </p:txBody>
-      </p:sp>
-      <p:sp>
-        <p:nvSpPr>
-          <p:cNvPr id="11" name="Rectangle 10">
-            <a:extLst>
-              <a:ext uri="{FF2B5EF4-FFF2-40B4-BE49-F238E27FC236}">
-                <a16:creationId xmlns:a16="http://schemas.microsoft.com/office/drawing/2014/main" id="{F1A99EE6-2F82-F136-726B-81F7405082EF}"/>
-              </a:ext>
-            </a:extLst>
-          </p:cNvPr>
-          <p:cNvSpPr/>
-          <p:nvPr/>
-        </p:nvSpPr>
-        <p:spPr>
-          <a:xfrm>
-            <a:off x="8480662" y="3529242"/>
-            <a:ext cx="1210962" cy="777298"/>
-          </a:xfrm>
-          <a:prstGeom prst="rect">
-            <a:avLst/>
-          </a:prstGeom>
-        </p:spPr>
-        <p:style>
-          <a:lnRef idx="2">
-            <a:schemeClr val="accent1">
-              <a:shade val="15000"/>
-            </a:schemeClr>
-          </a:lnRef>
-          <a:fillRef idx="1">
-            <a:schemeClr val="accent1"/>
-          </a:fillRef>
-          <a:effectRef idx="0">
-            <a:schemeClr val="accent1"/>
-          </a:effectRef>
-          <a:fontRef idx="minor">
-            <a:schemeClr val="lt1"/>
-          </a:fontRef>
-        </p:style>
-        <p:txBody>
-          <a:bodyPr rtlCol="0" anchor="ctr"/>
-          <a:lstStyle/>
-          <a:p>
-            <a:pPr algn="ctr"/>
-            <a:endParaRPr lang="en-GB"/>
+            <a:r>
+              <a:rPr lang="en-GB" sz="1050" dirty="0">
+                <a:latin typeface="Amasis MT Pro Light" panose="02040304050005020304" pitchFamily="18" charset="0"/>
+              </a:rPr>
+              <a:t>Initially, the three data visualizations were presented to a financial data expert. Predominantly, their primary concern was the bottom line. This refers to the net profit, income or earnings at the bottom of the company’s income statement.</a:t>
+            </a:r>
+          </a:p>
+          <a:p>
+            <a:pPr lvl="4" algn="just">
+              <a:spcAft>
+                <a:spcPts val="400"/>
+              </a:spcAft>
+            </a:pPr>
+            <a:r>
+              <a:rPr lang="en-GB" sz="1050" dirty="0">
+                <a:latin typeface="Amasis MT Pro Light" panose="02040304050005020304" pitchFamily="18" charset="0"/>
+              </a:rPr>
+              <a:t>Hotspots  shows  the  regions of interest which represents the  participants eye gaze.</a:t>
+            </a:r>
+          </a:p>
+          <a:p>
+            <a:pPr lvl="4" algn="just">
+              <a:spcAft>
+                <a:spcPts val="500"/>
+              </a:spcAft>
+            </a:pPr>
+            <a:r>
+              <a:rPr lang="en-GB" sz="1050" dirty="0">
+                <a:latin typeface="Amasis MT Pro Light" panose="02040304050005020304" pitchFamily="18" charset="0"/>
+              </a:rPr>
+              <a:t>Financial data expert are adept at efficiently location relevant information to them. They typically focus directly on the pertinent regions which allows them to accurately and quickly absorb the material</a:t>
+            </a:r>
+          </a:p>
+          <a:p>
+            <a:pPr>
+              <a:lnSpc>
+                <a:spcPct val="150000"/>
+              </a:lnSpc>
+              <a:spcAft>
+                <a:spcPts val="1500"/>
+              </a:spcAft>
+            </a:pPr>
+            <a:endParaRPr lang="en-GB" sz="1050" dirty="0">
+              <a:latin typeface="Amasis MT Pro Light" panose="02040304050005020304" pitchFamily="18" charset="0"/>
+            </a:endParaRPr>
+          </a:p>
+          <a:p>
+            <a:pPr>
+              <a:spcAft>
+                <a:spcPts val="500"/>
+              </a:spcAft>
+            </a:pPr>
+            <a:endParaRPr lang="en-GB" sz="1050" dirty="0">
+              <a:latin typeface="Amasis MT Pro Light" panose="02040304050005020304" pitchFamily="18" charset="0"/>
+            </a:endParaRPr>
+          </a:p>
+          <a:p>
+            <a:pPr>
+              <a:spcAft>
+                <a:spcPts val="500"/>
+              </a:spcAft>
+            </a:pPr>
+            <a:endParaRPr lang="en-GB" sz="1050" dirty="0">
+              <a:latin typeface="Amasis MT Pro Light" panose="02040304050005020304" pitchFamily="18" charset="0"/>
+            </a:endParaRPr>
+          </a:p>
+          <a:p>
+            <a:pPr>
+              <a:spcAft>
+                <a:spcPts val="500"/>
+              </a:spcAft>
+            </a:pPr>
+            <a:endParaRPr lang="en-GB" sz="1050" dirty="0">
+              <a:latin typeface="Amasis MT Pro Light" panose="02040304050005020304" pitchFamily="18" charset="0"/>
+            </a:endParaRPr>
+          </a:p>
+          <a:p>
+            <a:pPr>
+              <a:spcAft>
+                <a:spcPts val="500"/>
+              </a:spcAft>
+            </a:pPr>
+            <a:endParaRPr lang="en-GB" sz="1050" dirty="0">
+              <a:latin typeface="Amasis MT Pro Light" panose="02040304050005020304" pitchFamily="18" charset="0"/>
+            </a:endParaRPr>
+          </a:p>
+          <a:p>
+            <a:pPr>
+              <a:spcAft>
+                <a:spcPts val="500"/>
+              </a:spcAft>
+            </a:pPr>
+            <a:endParaRPr lang="en-GB" sz="1050" dirty="0">
+              <a:latin typeface="Amasis MT Pro Light" panose="02040304050005020304" pitchFamily="18" charset="0"/>
+            </a:endParaRPr>
+          </a:p>
+          <a:p>
+            <a:pPr>
+              <a:spcAft>
+                <a:spcPts val="400"/>
+              </a:spcAft>
+            </a:pPr>
+            <a:endParaRPr lang="en-GB" sz="1050" dirty="0">
+              <a:latin typeface="Amasis MT Pro Light" panose="02040304050005020304" pitchFamily="18" charset="0"/>
+            </a:endParaRPr>
           </a:p>
         </p:txBody>
       </p:sp>
@@ -6064,8 +5980,8 @@
         </p:nvSpPr>
         <p:spPr>
           <a:xfrm>
-            <a:off x="8174850" y="5331597"/>
-            <a:ext cx="3960000" cy="1000274"/>
+            <a:off x="8174850" y="5959394"/>
+            <a:ext cx="3960000" cy="747320"/>
           </a:xfrm>
           <a:prstGeom prst="rect">
             <a:avLst/>
@@ -6491,31 +6407,104 @@
           </a:bodyPr>
           <a:lstStyle/>
           <a:p>
-            <a:pPr algn="ctr"/>
-            <a:r>
-              <a:rPr lang="en-GB" sz="1400" u="sng" dirty="0">
-                <a:latin typeface="Amasis MT Pro Light" panose="02040304050005020304" pitchFamily="18" charset="0"/>
+            <a:pPr>
+              <a:lnSpc>
+                <a:spcPct val="107000"/>
+              </a:lnSpc>
+            </a:pPr>
+            <a:r>
+              <a:rPr lang="en-GB" sz="500" kern="100" dirty="0">
+                <a:effectLst/>
+                <a:latin typeface="Calibri" panose="020F0502020204030204" pitchFamily="34" charset="0"/>
+                <a:ea typeface="Calibri" panose="020F0502020204030204" pitchFamily="34" charset="0"/>
+                <a:cs typeface="Times New Roman" panose="02020603050405020304" pitchFamily="18" charset="0"/>
               </a:rPr>
-              <a:t>Reference</a:t>
-            </a:r>
-          </a:p>
-          <a:p>
-            <a:r>
-              <a:rPr lang="en-GB" sz="1050" dirty="0">
-                <a:latin typeface="Amasis MT Pro Light" panose="02040304050005020304" pitchFamily="18" charset="0"/>
+              <a:t>[1] Tobii, “Positioning in front of an eye tracker,” 2016. [Online]. Available: https://help.tobii.com/hc/en-us/articles/210250305-Positioning-in-front-of-an-eye-tracker. [Accessed 08 2023].</a:t>
+            </a:r>
+          </a:p>
+          <a:p>
+            <a:pPr>
+              <a:lnSpc>
+                <a:spcPct val="107000"/>
+              </a:lnSpc>
+            </a:pPr>
+            <a:r>
+              <a:rPr lang="en-GB" sz="500" kern="100" dirty="0">
+                <a:effectLst/>
+                <a:latin typeface="Calibri" panose="020F0502020204030204" pitchFamily="34" charset="0"/>
+                <a:ea typeface="Calibri" panose="020F0502020204030204" pitchFamily="34" charset="0"/>
+                <a:cs typeface="Times New Roman" panose="02020603050405020304" pitchFamily="18" charset="0"/>
               </a:rPr>
-              <a:t>https://help.tobii.com/hc/en-us/articles/210250305-Positioning-in-front-of-an-eye-tracker</a:t>
-            </a:r>
-          </a:p>
-          <a:p>
-            <a:endParaRPr lang="en-GB" sz="1200" dirty="0">
-              <a:latin typeface="Amasis MT Pro Light" panose="02040304050005020304" pitchFamily="18" charset="0"/>
-            </a:endParaRPr>
-          </a:p>
-          <a:p>
-            <a:endParaRPr lang="en-GB" sz="1200" dirty="0">
-              <a:latin typeface="Amasis MT Pro Light" panose="02040304050005020304" pitchFamily="18" charset="0"/>
-            </a:endParaRPr>
+              <a:t>[2] K. Franek, “7 Best Charts for Income Statement Presentation &amp; Analysis,” 13 03 2020. [Online]. Available: https://www.kamilfranek.com/best-charts-for-income-statement-presentation-and-analysis/. [Accessed 08 2023].</a:t>
+            </a:r>
+          </a:p>
+          <a:p>
+            <a:pPr>
+              <a:lnSpc>
+                <a:spcPct val="107000"/>
+              </a:lnSpc>
+            </a:pPr>
+            <a:r>
+              <a:rPr lang="en-GB" sz="500" kern="100" dirty="0">
+                <a:effectLst/>
+                <a:latin typeface="Calibri" panose="020F0502020204030204" pitchFamily="34" charset="0"/>
+                <a:ea typeface="Calibri" panose="020F0502020204030204" pitchFamily="34" charset="0"/>
+                <a:cs typeface="Times New Roman" panose="02020603050405020304" pitchFamily="18" charset="0"/>
+              </a:rPr>
+              <a:t>[3] D. L. E. </a:t>
+            </a:r>
+            <a:r>
+              <a:rPr lang="en-GB" sz="500" kern="100" dirty="0" err="1">
+                <a:effectLst/>
+                <a:latin typeface="Calibri" panose="020F0502020204030204" pitchFamily="34" charset="0"/>
+                <a:ea typeface="Calibri" panose="020F0502020204030204" pitchFamily="34" charset="0"/>
+                <a:cs typeface="Times New Roman" panose="02020603050405020304" pitchFamily="18" charset="0"/>
+              </a:rPr>
+              <a:t>Matzen</a:t>
+            </a:r>
+            <a:r>
+              <a:rPr lang="en-GB" sz="500" kern="100" dirty="0">
+                <a:effectLst/>
+                <a:latin typeface="Calibri" panose="020F0502020204030204" pitchFamily="34" charset="0"/>
+                <a:ea typeface="Calibri" panose="020F0502020204030204" pitchFamily="34" charset="0"/>
+                <a:cs typeface="Times New Roman" panose="02020603050405020304" pitchFamily="18" charset="0"/>
+              </a:rPr>
+              <a:t>, “Using Eye Tracking Metrics and Visual Saliency Maps to Assess Data Visualizations,” OSTI.gov, 2016. [Online]. Available: https://www.osti.gov/biblio/1376793. [Accessed 2023].</a:t>
+            </a:r>
+          </a:p>
+          <a:p>
+            <a:pPr>
+              <a:lnSpc>
+                <a:spcPct val="107000"/>
+              </a:lnSpc>
+            </a:pPr>
+            <a:r>
+              <a:rPr lang="en-GB" sz="500" kern="100" dirty="0">
+                <a:effectLst/>
+                <a:latin typeface="Calibri" panose="020F0502020204030204" pitchFamily="34" charset="0"/>
+                <a:ea typeface="Calibri" panose="020F0502020204030204" pitchFamily="34" charset="0"/>
+                <a:cs typeface="Times New Roman" panose="02020603050405020304" pitchFamily="18" charset="0"/>
+              </a:rPr>
+              <a:t>[4] D. L. E. </a:t>
+            </a:r>
+            <a:r>
+              <a:rPr lang="en-GB" sz="500" kern="100" dirty="0" err="1">
+                <a:effectLst/>
+                <a:latin typeface="Calibri" panose="020F0502020204030204" pitchFamily="34" charset="0"/>
+                <a:ea typeface="Calibri" panose="020F0502020204030204" pitchFamily="34" charset="0"/>
+                <a:cs typeface="Times New Roman" panose="02020603050405020304" pitchFamily="18" charset="0"/>
+              </a:rPr>
+              <a:t>Matzen</a:t>
+            </a:r>
+            <a:r>
+              <a:rPr lang="en-GB" sz="500" kern="100" dirty="0">
+                <a:effectLst/>
+                <a:latin typeface="Calibri" panose="020F0502020204030204" pitchFamily="34" charset="0"/>
+                <a:ea typeface="Calibri" panose="020F0502020204030204" pitchFamily="34" charset="0"/>
+                <a:cs typeface="Times New Roman" panose="02020603050405020304" pitchFamily="18" charset="0"/>
+              </a:rPr>
+              <a:t>, “Using Eye Tracking Metrics and Visual Saliency Maps to Assess Image Utility,” 2016. [Online]. Available: https://www.osti.gov/biblio/1340620. [Accessed 2023].</a:t>
+            </a:r>
           </a:p>
         </p:txBody>
       </p:sp>
@@ -6533,8 +6522,8 @@
         </p:nvSpPr>
         <p:spPr>
           <a:xfrm>
-            <a:off x="4116000" y="1292489"/>
-            <a:ext cx="3960000" cy="1218282"/>
+            <a:off x="4116000" y="1292366"/>
+            <a:ext cx="3960000" cy="1241365"/>
           </a:xfrm>
           <a:prstGeom prst="rect">
             <a:avLst/>
@@ -6966,7 +6955,7 @@
               </a:spcAft>
             </a:pPr>
             <a:r>
-              <a:rPr lang="en-GB" sz="1400" u="sng" dirty="0">
+              <a:rPr lang="en-GB" sz="1400" b="1" u="sng" dirty="0">
                 <a:latin typeface="Amasis MT Pro Light" panose="02040304050005020304" pitchFamily="18" charset="0"/>
               </a:rPr>
               <a:t>Aim</a:t>
@@ -6993,7 +6982,7 @@
               <a:t>The primary objective is to compare </a:t>
             </a:r>
             <a:r>
-              <a:rPr lang="en-GB" sz="1050" b="1" dirty="0">
+              <a:rPr lang="en-GB" sz="1100" b="1" dirty="0">
                 <a:latin typeface="Amasis MT Pro Light" panose="02040304050005020304" pitchFamily="18" charset="0"/>
               </a:rPr>
               <a:t>eye gaze patterns </a:t>
@@ -7020,7 +7009,7 @@
               <a:t>Develop </a:t>
             </a:r>
             <a:r>
-              <a:rPr lang="en-GB" sz="1050" b="1" dirty="0">
+              <a:rPr lang="en-GB" sz="1100" b="1" dirty="0">
                 <a:latin typeface="Amasis MT Pro Light" panose="02040304050005020304" pitchFamily="18" charset="0"/>
               </a:rPr>
               <a:t>practical guidelines </a:t>
@@ -7051,8 +7040,8 @@
         </p:nvSpPr>
         <p:spPr>
           <a:xfrm>
-            <a:off x="4116000" y="4721880"/>
-            <a:ext cx="3960000" cy="1785104"/>
+            <a:off x="4116000" y="4821990"/>
+            <a:ext cx="3960000" cy="1880002"/>
           </a:xfrm>
           <a:prstGeom prst="rect">
             <a:avLst/>
@@ -7484,7 +7473,7 @@
               </a:spcAft>
             </a:pPr>
             <a:r>
-              <a:rPr lang="en-GB" sz="1600" u="sng" dirty="0">
+              <a:rPr lang="en-GB" sz="1400" b="1" u="sng" dirty="0">
                 <a:latin typeface="Amasis MT Pro Light" panose="02040304050005020304" pitchFamily="18" charset="0"/>
               </a:rPr>
               <a:t>Previous Works</a:t>
@@ -7499,14 +7488,11 @@
               <a:buChar char="•"/>
             </a:pPr>
             <a:r>
-              <a:rPr lang="en-GB" sz="1050" b="1" dirty="0">
+              <a:rPr lang="en-GB" sz="1100" b="1" dirty="0">
                 <a:latin typeface="Amasis MT Pro Light" panose="02040304050005020304" pitchFamily="18" charset="0"/>
               </a:rPr>
-              <a:t>Kamil Franek - 7 Best Charts for Income Statement Presentation &amp; Analysis</a:t>
-            </a:r>
-            <a:endParaRPr lang="en-GB" sz="1050" dirty="0">
-              <a:latin typeface="Amasis MT Pro Light" panose="02040304050005020304" pitchFamily="18" charset="0"/>
-            </a:endParaRPr>
+              <a:t>Kamil Franek</a:t>
+            </a:r>
           </a:p>
           <a:p>
             <a:pPr marL="742950" lvl="1" indent="-285750" algn="just">
@@ -7517,10 +7503,37 @@
               <a:buChar char="•"/>
             </a:pPr>
             <a:r>
-              <a:rPr lang="en-GB" sz="1050" dirty="0">
+              <a:rPr lang="en-GB" sz="1100" dirty="0">
                 <a:latin typeface="Amasis MT Pro Light" panose="02040304050005020304" pitchFamily="18" charset="0"/>
               </a:rPr>
-              <a:t>Comprehensive article discussing the best seven charts for income statement visualisation based on their experience in business analytics</a:t>
+              <a:t>7 Best Charts for Income Statement Presentation &amp; Analysis [2]</a:t>
+            </a:r>
+          </a:p>
+          <a:p>
+            <a:pPr marL="285750" indent="-285750" algn="just">
+              <a:spcAft>
+                <a:spcPts val="400"/>
+              </a:spcAft>
+              <a:buFont typeface="Arial" panose="020B0604020202020204" pitchFamily="34" charset="0"/>
+              <a:buChar char="•"/>
+            </a:pPr>
+            <a:r>
+              <a:rPr lang="en-GB" sz="1050" b="1" dirty="0">
+                <a:latin typeface="Amasis MT Pro Light" panose="02040304050005020304" pitchFamily="18" charset="0"/>
+              </a:rPr>
+              <a:t>Lauren E. </a:t>
+            </a:r>
+            <a:r>
+              <a:rPr lang="en-GB" sz="1050" b="1" dirty="0" err="1">
+                <a:latin typeface="Amasis MT Pro Light" panose="02040304050005020304" pitchFamily="18" charset="0"/>
+              </a:rPr>
+              <a:t>Matzen</a:t>
+            </a:r>
+            <a:r>
+              <a:rPr lang="en-GB" sz="1050" b="1" dirty="0">
+                <a:latin typeface="Amasis MT Pro Light" panose="02040304050005020304" pitchFamily="18" charset="0"/>
+              </a:rPr>
+              <a:t> </a:t>
             </a:r>
           </a:p>
           <a:p>
@@ -7535,23 +7548,158 @@
               <a:rPr lang="en-GB" sz="1050" dirty="0">
                 <a:latin typeface="Amasis MT Pro Light" panose="02040304050005020304" pitchFamily="18" charset="0"/>
               </a:rPr>
-              <a:t>Importance of choosing the </a:t>
-            </a:r>
-            <a:r>
-              <a:rPr lang="en-GB" sz="1050" b="1" dirty="0">
-                <a:latin typeface="Amasis MT Pro Light" panose="02040304050005020304" pitchFamily="18" charset="0"/>
-              </a:rPr>
-              <a:t>right income statement chart </a:t>
-            </a:r>
+              <a:t>Using Eye Tracking Metrics and Visual Saliency Maps to Assess Data Visualizations[3]</a:t>
+            </a:r>
+          </a:p>
+          <a:p>
+            <a:pPr marL="742950" lvl="1" indent="-285750" algn="just">
+              <a:spcAft>
+                <a:spcPts val="400"/>
+              </a:spcAft>
+              <a:buFont typeface="Arial" panose="020B0604020202020204" pitchFamily="34" charset="0"/>
+              <a:buChar char="•"/>
+            </a:pPr>
             <a:r>
               <a:rPr lang="en-GB" sz="1050" dirty="0">
                 <a:latin typeface="Amasis MT Pro Light" panose="02040304050005020304" pitchFamily="18" charset="0"/>
               </a:rPr>
-              <a:t>based on specific situations, priorities and target audience</a:t>
+              <a:t>Using Eye Tracking Metrics and Visual Saliency Maps to Assess Image Utility[4]</a:t>
             </a:r>
           </a:p>
         </p:txBody>
       </p:sp>
+      <p:pic>
+        <p:nvPicPr>
+          <p:cNvPr id="8" name="Picture 7" descr="A graph with numbers and a number of text&#10;&#10;Description automatically generated with medium confidence">
+            <a:extLst>
+              <a:ext uri="{FF2B5EF4-FFF2-40B4-BE49-F238E27FC236}">
+                <a16:creationId xmlns:a16="http://schemas.microsoft.com/office/drawing/2014/main" id="{8095A751-0FE8-F48A-485D-0ED92C41D4D2}"/>
+              </a:ext>
+            </a:extLst>
+          </p:cNvPr>
+          <p:cNvPicPr>
+            <a:picLocks/>
+          </p:cNvPicPr>
+          <p:nvPr/>
+        </p:nvPicPr>
+        <p:blipFill>
+          <a:blip r:embed="rId7">
+            <a:extLst>
+              <a:ext uri="{28A0092B-C50C-407E-A947-70E740481C1C}">
+                <a14:useLocalDpi xmlns:a14="http://schemas.microsoft.com/office/drawing/2010/main" val="0"/>
+              </a:ext>
+            </a:extLst>
+          </a:blip>
+          <a:stretch>
+            <a:fillRect/>
+          </a:stretch>
+        </p:blipFill>
+        <p:spPr>
+          <a:xfrm>
+            <a:off x="8314681" y="3986770"/>
+            <a:ext cx="1620000" cy="1620000"/>
+          </a:xfrm>
+          <a:prstGeom prst="rect">
+            <a:avLst/>
+          </a:prstGeom>
+          <a:ln>
+            <a:solidFill>
+              <a:schemeClr val="accent5">
+                <a:lumMod val="50000"/>
+              </a:schemeClr>
+            </a:solidFill>
+          </a:ln>
+        </p:spPr>
+      </p:pic>
+      <p:pic>
+        <p:nvPicPr>
+          <p:cNvPr id="10" name="Picture 9" descr="A screenshot of a report&#10;&#10;Description automatically generated">
+            <a:extLst>
+              <a:ext uri="{FF2B5EF4-FFF2-40B4-BE49-F238E27FC236}">
+                <a16:creationId xmlns:a16="http://schemas.microsoft.com/office/drawing/2014/main" id="{32AD1739-6CE8-BD79-89C3-C0060CD50A46}"/>
+              </a:ext>
+            </a:extLst>
+          </p:cNvPr>
+          <p:cNvPicPr>
+            <a:picLocks/>
+          </p:cNvPicPr>
+          <p:nvPr/>
+        </p:nvPicPr>
+        <p:blipFill>
+          <a:blip r:embed="rId8">
+            <a:extLst>
+              <a:ext uri="{28A0092B-C50C-407E-A947-70E740481C1C}">
+                <a14:useLocalDpi xmlns:a14="http://schemas.microsoft.com/office/drawing/2010/main" val="0"/>
+              </a:ext>
+            </a:extLst>
+          </a:blip>
+          <a:stretch>
+            <a:fillRect/>
+          </a:stretch>
+        </p:blipFill>
+        <p:spPr>
+          <a:xfrm>
+            <a:off x="8314681" y="2286667"/>
+            <a:ext cx="1620000" cy="1620000"/>
+          </a:xfrm>
+          <a:prstGeom prst="rect">
+            <a:avLst/>
+          </a:prstGeom>
+          <a:ln>
+            <a:solidFill>
+              <a:schemeClr val="accent5">
+                <a:lumMod val="50000"/>
+              </a:schemeClr>
+            </a:solidFill>
+          </a:ln>
+        </p:spPr>
+      </p:pic>
+      <p:pic>
+        <p:nvPicPr>
+          <p:cNvPr id="20" name="Picture 19" descr="A screen shot of a graph&#10;&#10;Description automatically generated">
+            <a:extLst>
+              <a:ext uri="{FF2B5EF4-FFF2-40B4-BE49-F238E27FC236}">
+                <a16:creationId xmlns:a16="http://schemas.microsoft.com/office/drawing/2014/main" id="{139238A0-664B-F193-7A61-24292C8612DD}"/>
+              </a:ext>
+            </a:extLst>
+          </p:cNvPr>
+          <p:cNvPicPr>
+            <a:picLocks/>
+          </p:cNvPicPr>
+          <p:nvPr/>
+        </p:nvPicPr>
+        <p:blipFill>
+          <a:blip r:embed="rId9">
+            <a:extLst>
+              <a:ext uri="{28A0092B-C50C-407E-A947-70E740481C1C}">
+                <a14:useLocalDpi xmlns:a14="http://schemas.microsoft.com/office/drawing/2010/main" val="0"/>
+              </a:ext>
+            </a:extLst>
+          </a:blip>
+          <a:stretch>
+            <a:fillRect/>
+          </a:stretch>
+        </p:blipFill>
+        <p:spPr>
+          <a:xfrm>
+            <a:off x="10110400" y="3986770"/>
+            <a:ext cx="1620000" cy="1620000"/>
+          </a:xfrm>
+          <a:prstGeom prst="rect">
+            <a:avLst/>
+          </a:prstGeom>
+          <a:ln>
+            <a:solidFill>
+              <a:schemeClr val="accent5">
+                <a:lumMod val="50000"/>
+              </a:schemeClr>
+            </a:solidFill>
+          </a:ln>
+          <a:effectLst>
+            <a:softEdge rad="0"/>
+          </a:effectLst>
+        </p:spPr>
+      </p:pic>
     </p:spTree>
     <p:extLst>
       <p:ext uri="{BB962C8B-B14F-4D97-AF65-F5344CB8AC3E}">
